--- a/7_2_AnalisisD_programando_R.pptx
+++ b/7_2_AnalisisD_programando_R.pptx
@@ -14,6 +14,9 @@
     <p:sldId id="262" r:id="rId8"/>
     <p:sldId id="263" r:id="rId9"/>
     <p:sldId id="264" r:id="rId10"/>
+    <p:sldId id="265" r:id="rId11"/>
+    <p:sldId id="266" r:id="rId12"/>
+    <p:sldId id="267" r:id="rId13"/>
   </p:sldIdLst>
   <p:sldSz cx="12192000" cy="6858000"/>
   <p:notesSz cx="6858000" cy="9144000"/>
@@ -269,7 +272,7 @@
           <a:p>
             <a:fld id="{11C87720-0156-4D51-B23E-EE6DF36ABC98}" type="datetimeFigureOut">
               <a:rPr lang="es-MX" smtClean="0"/>
-              <a:t>22/12/2024</a:t>
+              <a:t>26/12/2024</a:t>
             </a:fld>
             <a:endParaRPr lang="es-MX"/>
           </a:p>
@@ -469,7 +472,7 @@
           <a:p>
             <a:fld id="{11C87720-0156-4D51-B23E-EE6DF36ABC98}" type="datetimeFigureOut">
               <a:rPr lang="es-MX" smtClean="0"/>
-              <a:t>22/12/2024</a:t>
+              <a:t>26/12/2024</a:t>
             </a:fld>
             <a:endParaRPr lang="es-MX"/>
           </a:p>
@@ -679,7 +682,7 @@
           <a:p>
             <a:fld id="{11C87720-0156-4D51-B23E-EE6DF36ABC98}" type="datetimeFigureOut">
               <a:rPr lang="es-MX" smtClean="0"/>
-              <a:t>22/12/2024</a:t>
+              <a:t>26/12/2024</a:t>
             </a:fld>
             <a:endParaRPr lang="es-MX"/>
           </a:p>
@@ -879,7 +882,7 @@
           <a:p>
             <a:fld id="{11C87720-0156-4D51-B23E-EE6DF36ABC98}" type="datetimeFigureOut">
               <a:rPr lang="es-MX" smtClean="0"/>
-              <a:t>22/12/2024</a:t>
+              <a:t>26/12/2024</a:t>
             </a:fld>
             <a:endParaRPr lang="es-MX"/>
           </a:p>
@@ -1155,7 +1158,7 @@
           <a:p>
             <a:fld id="{11C87720-0156-4D51-B23E-EE6DF36ABC98}" type="datetimeFigureOut">
               <a:rPr lang="es-MX" smtClean="0"/>
-              <a:t>22/12/2024</a:t>
+              <a:t>26/12/2024</a:t>
             </a:fld>
             <a:endParaRPr lang="es-MX"/>
           </a:p>
@@ -1423,7 +1426,7 @@
           <a:p>
             <a:fld id="{11C87720-0156-4D51-B23E-EE6DF36ABC98}" type="datetimeFigureOut">
               <a:rPr lang="es-MX" smtClean="0"/>
-              <a:t>22/12/2024</a:t>
+              <a:t>26/12/2024</a:t>
             </a:fld>
             <a:endParaRPr lang="es-MX"/>
           </a:p>
@@ -1838,7 +1841,7 @@
           <a:p>
             <a:fld id="{11C87720-0156-4D51-B23E-EE6DF36ABC98}" type="datetimeFigureOut">
               <a:rPr lang="es-MX" smtClean="0"/>
-              <a:t>22/12/2024</a:t>
+              <a:t>26/12/2024</a:t>
             </a:fld>
             <a:endParaRPr lang="es-MX"/>
           </a:p>
@@ -1980,7 +1983,7 @@
           <a:p>
             <a:fld id="{11C87720-0156-4D51-B23E-EE6DF36ABC98}" type="datetimeFigureOut">
               <a:rPr lang="es-MX" smtClean="0"/>
-              <a:t>22/12/2024</a:t>
+              <a:t>26/12/2024</a:t>
             </a:fld>
             <a:endParaRPr lang="es-MX"/>
           </a:p>
@@ -2093,7 +2096,7 @@
           <a:p>
             <a:fld id="{11C87720-0156-4D51-B23E-EE6DF36ABC98}" type="datetimeFigureOut">
               <a:rPr lang="es-MX" smtClean="0"/>
-              <a:t>22/12/2024</a:t>
+              <a:t>26/12/2024</a:t>
             </a:fld>
             <a:endParaRPr lang="es-MX"/>
           </a:p>
@@ -2406,7 +2409,7 @@
           <a:p>
             <a:fld id="{11C87720-0156-4D51-B23E-EE6DF36ABC98}" type="datetimeFigureOut">
               <a:rPr lang="es-MX" smtClean="0"/>
-              <a:t>22/12/2024</a:t>
+              <a:t>26/12/2024</a:t>
             </a:fld>
             <a:endParaRPr lang="es-MX"/>
           </a:p>
@@ -2695,7 +2698,7 @@
           <a:p>
             <a:fld id="{11C87720-0156-4D51-B23E-EE6DF36ABC98}" type="datetimeFigureOut">
               <a:rPr lang="es-MX" smtClean="0"/>
-              <a:t>22/12/2024</a:t>
+              <a:t>26/12/2024</a:t>
             </a:fld>
             <a:endParaRPr lang="es-MX"/>
           </a:p>
@@ -2938,7 +2941,7 @@
           <a:p>
             <a:fld id="{11C87720-0156-4D51-B23E-EE6DF36ABC98}" type="datetimeFigureOut">
               <a:rPr lang="es-MX" smtClean="0"/>
-              <a:t>22/12/2024</a:t>
+              <a:t>26/12/2024</a:t>
             </a:fld>
             <a:endParaRPr lang="es-MX"/>
           </a:p>
@@ -3424,6 +3427,716 @@
 </p:sld>
 </file>
 
+<file path=ppt/slides/slide10.xml><?xml version="1.0" encoding="utf-8"?>
+<p:sld xmlns:a="http://schemas.openxmlformats.org/drawingml/2006/main" xmlns:r="http://schemas.openxmlformats.org/officeDocument/2006/relationships" xmlns:p="http://schemas.openxmlformats.org/presentationml/2006/main">
+  <p:cSld>
+    <p:spTree>
+      <p:nvGrpSpPr>
+        <p:cNvPr id="1" name=""/>
+        <p:cNvGrpSpPr/>
+        <p:nvPr/>
+      </p:nvGrpSpPr>
+      <p:grpSpPr>
+        <a:xfrm>
+          <a:off x="0" y="0"/>
+          <a:ext cx="0" cy="0"/>
+          <a:chOff x="0" y="0"/>
+          <a:chExt cx="0" cy="0"/>
+        </a:xfrm>
+      </p:grpSpPr>
+      <p:sp>
+        <p:nvSpPr>
+          <p:cNvPr id="3" name="Marcador de contenido 2">
+            <a:extLst>
+              <a:ext uri="{FF2B5EF4-FFF2-40B4-BE49-F238E27FC236}">
+                <a16:creationId xmlns:a16="http://schemas.microsoft.com/office/drawing/2014/main" id="{16E38B83-F6BC-2B19-525D-69AB15F44051}"/>
+              </a:ext>
+            </a:extLst>
+          </p:cNvPr>
+          <p:cNvSpPr>
+            <a:spLocks noGrp="1"/>
+          </p:cNvSpPr>
+          <p:nvPr>
+            <p:ph idx="1"/>
+          </p:nvPr>
+        </p:nvSpPr>
+        <p:spPr>
+          <a:xfrm>
+            <a:off x="394447" y="319554"/>
+            <a:ext cx="11452412" cy="6054352"/>
+          </a:xfrm>
+        </p:spPr>
+        <p:txBody>
+          <a:bodyPr>
+            <a:noAutofit/>
+          </a:bodyPr>
+          <a:lstStyle/>
+          <a:p>
+            <a:pPr marL="0" indent="0">
+              <a:buNone/>
+            </a:pPr>
+            <a:r>
+              <a:rPr lang="es-MX" sz="1800" b="0" i="0" dirty="0">
+                <a:solidFill>
+                  <a:srgbClr val="1F1F1F"/>
+                </a:solidFill>
+                <a:effectLst/>
+                <a:latin typeface="Source Sans Pro" panose="020B0503030403020204" pitchFamily="34" charset="0"/>
+              </a:rPr>
+              <a:t>Una parte importante de la limpieza de datos es asegurarse de que todos los archivos tienen el nombre correcto. deberían establecer convenciones de nomenclatura para los archivos. </a:t>
+            </a:r>
+          </a:p>
+          <a:p>
+            <a:pPr algn="l">
+              <a:spcAft>
+                <a:spcPts val="750"/>
+              </a:spcAft>
+              <a:buFont typeface="Arial" panose="020B0604020202020204" pitchFamily="34" charset="0"/>
+              <a:buChar char="•"/>
+            </a:pPr>
+            <a:r>
+              <a:rPr lang="es-MX" sz="1800" b="0" i="0" dirty="0">
+                <a:solidFill>
+                  <a:srgbClr val="1F1F1F"/>
+                </a:solidFill>
+                <a:effectLst/>
+                <a:latin typeface="var(--cds-font-family-source-sans-pro)"/>
+              </a:rPr>
+              <a:t>Mantén los nombres de los archivos con una longitud razonable</a:t>
+            </a:r>
+          </a:p>
+          <a:p>
+            <a:pPr algn="l">
+              <a:spcAft>
+                <a:spcPts val="750"/>
+              </a:spcAft>
+              <a:buFont typeface="Arial" panose="020B0604020202020204" pitchFamily="34" charset="0"/>
+              <a:buChar char="•"/>
+            </a:pPr>
+            <a:r>
+              <a:rPr lang="es-MX" sz="1800" b="0" i="0" dirty="0">
+                <a:solidFill>
+                  <a:srgbClr val="1F1F1F"/>
+                </a:solidFill>
+                <a:effectLst/>
+                <a:latin typeface="var(--cds-font-family-source-sans-pro)"/>
+              </a:rPr>
+              <a:t>Usa guiones bajos y guiones para facilitar la lectura</a:t>
+            </a:r>
+          </a:p>
+          <a:p>
+            <a:pPr algn="l">
+              <a:spcAft>
+                <a:spcPts val="750"/>
+              </a:spcAft>
+              <a:buFont typeface="Arial" panose="020B0604020202020204" pitchFamily="34" charset="0"/>
+              <a:buChar char="•"/>
+            </a:pPr>
+            <a:r>
+              <a:rPr lang="es-MX" sz="1800" b="0" i="0" dirty="0">
+                <a:solidFill>
+                  <a:srgbClr val="1F1F1F"/>
+                </a:solidFill>
+                <a:effectLst/>
+                <a:latin typeface="var(--cds-font-family-source-sans-pro)"/>
+              </a:rPr>
+              <a:t>Empieza o termina el nombre del archivo con una letra o un número</a:t>
+            </a:r>
+          </a:p>
+          <a:p>
+            <a:pPr algn="l">
+              <a:spcAft>
+                <a:spcPts val="750"/>
+              </a:spcAft>
+              <a:buFont typeface="Arial" panose="020B0604020202020204" pitchFamily="34" charset="0"/>
+              <a:buChar char="•"/>
+            </a:pPr>
+            <a:r>
+              <a:rPr lang="es-MX" sz="1800" b="0" i="0" dirty="0">
+                <a:solidFill>
+                  <a:srgbClr val="1F1F1F"/>
+                </a:solidFill>
+                <a:effectLst/>
+                <a:latin typeface="var(--cds-font-family-source-sans-pro)"/>
+              </a:rPr>
+              <a:t>Usa un formato de fecha estándar cuando corresponda; ejemplo: AAAA-MM-DD</a:t>
+            </a:r>
+          </a:p>
+          <a:p>
+            <a:pPr algn="l">
+              <a:spcAft>
+                <a:spcPts val="750"/>
+              </a:spcAft>
+              <a:buFont typeface="Arial" panose="020B0604020202020204" pitchFamily="34" charset="0"/>
+              <a:buChar char="•"/>
+            </a:pPr>
+            <a:r>
+              <a:rPr lang="es-MX" sz="1800" b="0" i="0" dirty="0">
+                <a:solidFill>
+                  <a:srgbClr val="1F1F1F"/>
+                </a:solidFill>
+                <a:effectLst/>
+                <a:latin typeface="var(--cds-font-family-source-sans-pro)"/>
+              </a:rPr>
+              <a:t>Usa nombres de archivos relacionados que funcionen bien con la ordenación predeterminada; por ejemplo: en orden cronológico o en orden lógico utilizando primero los números</a:t>
+            </a:r>
+          </a:p>
+          <a:p>
+            <a:pPr marL="0" indent="0" algn="l">
+              <a:buNone/>
+            </a:pPr>
+            <a:r>
+              <a:rPr lang="es-MX" sz="1800" b="1" i="0" dirty="0">
+                <a:solidFill>
+                  <a:srgbClr val="1F1F1F"/>
+                </a:solidFill>
+                <a:effectLst/>
+                <a:latin typeface="unset"/>
+              </a:rPr>
+              <a:t>	NO</a:t>
+            </a:r>
+            <a:endParaRPr lang="es-MX" sz="1800" b="1" i="0" dirty="0">
+              <a:solidFill>
+                <a:srgbClr val="1F1F1F"/>
+              </a:solidFill>
+              <a:effectLst/>
+              <a:latin typeface="var(--cds-font-family-source-sans-pro)"/>
+            </a:endParaRPr>
+          </a:p>
+          <a:p>
+            <a:pPr algn="l">
+              <a:spcAft>
+                <a:spcPts val="750"/>
+              </a:spcAft>
+              <a:buFont typeface="Arial" panose="020B0604020202020204" pitchFamily="34" charset="0"/>
+              <a:buChar char="•"/>
+            </a:pPr>
+            <a:r>
+              <a:rPr lang="es-MX" sz="1800" b="0" i="0" dirty="0">
+                <a:solidFill>
+                  <a:srgbClr val="1F1F1F"/>
+                </a:solidFill>
+                <a:effectLst/>
+                <a:latin typeface="var(--cds-font-family-source-sans-pro)"/>
+              </a:rPr>
+              <a:t>Uses caracteres adicionales innecesarios en los nombres de archivo</a:t>
+            </a:r>
+          </a:p>
+          <a:p>
+            <a:pPr algn="l">
+              <a:spcAft>
+                <a:spcPts val="750"/>
+              </a:spcAft>
+              <a:buFont typeface="Arial" panose="020B0604020202020204" pitchFamily="34" charset="0"/>
+              <a:buChar char="•"/>
+            </a:pPr>
+            <a:r>
+              <a:rPr lang="es-MX" sz="1800" b="0" i="0" dirty="0">
+                <a:solidFill>
+                  <a:srgbClr val="1F1F1F"/>
+                </a:solidFill>
+                <a:effectLst/>
+                <a:latin typeface="var(--cds-font-family-source-sans-pro)"/>
+              </a:rPr>
+              <a:t>Uses espacios o caracteres "ilegales"; ejemplos: &amp;, %, #, &lt; o &gt;</a:t>
+            </a:r>
+          </a:p>
+          <a:p>
+            <a:pPr algn="l">
+              <a:spcAft>
+                <a:spcPts val="750"/>
+              </a:spcAft>
+              <a:buFont typeface="Arial" panose="020B0604020202020204" pitchFamily="34" charset="0"/>
+              <a:buChar char="•"/>
+            </a:pPr>
+            <a:r>
+              <a:rPr lang="es-MX" sz="1800" b="0" i="0" dirty="0">
+                <a:solidFill>
+                  <a:srgbClr val="1F1F1F"/>
+                </a:solidFill>
+                <a:effectLst/>
+                <a:latin typeface="var(--cds-font-family-source-sans-pro)"/>
+              </a:rPr>
+              <a:t>Empieces o termines el nombre del archivo con un símbolo</a:t>
+            </a:r>
+          </a:p>
+          <a:p>
+            <a:pPr algn="l">
+              <a:spcAft>
+                <a:spcPts val="750"/>
+              </a:spcAft>
+              <a:buFont typeface="Arial" panose="020B0604020202020204" pitchFamily="34" charset="0"/>
+              <a:buChar char="•"/>
+            </a:pPr>
+            <a:r>
+              <a:rPr lang="es-MX" sz="1800" b="0" i="0" dirty="0">
+                <a:solidFill>
+                  <a:srgbClr val="1F1F1F"/>
+                </a:solidFill>
+                <a:effectLst/>
+                <a:latin typeface="var(--cds-font-family-source-sans-pro)"/>
+              </a:rPr>
+              <a:t>Uses formatos de fecha incompletos o incoherentes; ejemplo M-D-AA</a:t>
+            </a:r>
+          </a:p>
+          <a:p>
+            <a:pPr algn="l">
+              <a:spcAft>
+                <a:spcPts val="750"/>
+              </a:spcAft>
+              <a:buFont typeface="Arial" panose="020B0604020202020204" pitchFamily="34" charset="0"/>
+              <a:buChar char="•"/>
+            </a:pPr>
+            <a:r>
+              <a:rPr lang="es-MX" sz="1800" b="0" i="0" dirty="0">
+                <a:solidFill>
+                  <a:srgbClr val="1F1F1F"/>
+                </a:solidFill>
+                <a:effectLst/>
+                <a:latin typeface="var(--cds-font-family-source-sans-pro)"/>
+              </a:rPr>
+              <a:t>Uses nombres de archivos relacionados que no funcionan bien con el ordenamiento predeterminado; ejemplos: un sistema aleatorio de números o formatos de fecha, o utilizar letras primero</a:t>
+            </a:r>
+          </a:p>
+          <a:p>
+            <a:pPr marL="0" indent="0">
+              <a:buNone/>
+            </a:pPr>
+            <a:endParaRPr lang="es-MX" sz="1800" dirty="0"/>
+          </a:p>
+        </p:txBody>
+      </p:sp>
+    </p:spTree>
+    <p:extLst>
+      <p:ext uri="{BB962C8B-B14F-4D97-AF65-F5344CB8AC3E}">
+        <p14:creationId xmlns:p14="http://schemas.microsoft.com/office/powerpoint/2010/main" val="910310495"/>
+      </p:ext>
+    </p:extLst>
+  </p:cSld>
+  <p:clrMapOvr>
+    <a:masterClrMapping/>
+  </p:clrMapOvr>
+</p:sld>
+</file>
+
+<file path=ppt/slides/slide11.xml><?xml version="1.0" encoding="utf-8"?>
+<p:sld xmlns:a="http://schemas.openxmlformats.org/drawingml/2006/main" xmlns:r="http://schemas.openxmlformats.org/officeDocument/2006/relationships" xmlns:p="http://schemas.openxmlformats.org/presentationml/2006/main">
+  <p:cSld>
+    <p:spTree>
+      <p:nvGrpSpPr>
+        <p:cNvPr id="1" name=""/>
+        <p:cNvGrpSpPr/>
+        <p:nvPr/>
+      </p:nvGrpSpPr>
+      <p:grpSpPr>
+        <a:xfrm>
+          <a:off x="0" y="0"/>
+          <a:ext cx="0" cy="0"/>
+          <a:chOff x="0" y="0"/>
+          <a:chExt cx="0" cy="0"/>
+        </a:xfrm>
+      </p:grpSpPr>
+      <p:sp>
+        <p:nvSpPr>
+          <p:cNvPr id="4" name="CuadroTexto 3">
+            <a:extLst>
+              <a:ext uri="{FF2B5EF4-FFF2-40B4-BE49-F238E27FC236}">
+                <a16:creationId xmlns:a16="http://schemas.microsoft.com/office/drawing/2014/main" id="{07488A76-135E-291D-4E84-40BA474029CE}"/>
+              </a:ext>
+            </a:extLst>
+          </p:cNvPr>
+          <p:cNvSpPr txBox="1"/>
+          <p:nvPr/>
+        </p:nvSpPr>
+        <p:spPr>
+          <a:xfrm>
+            <a:off x="1344707" y="107576"/>
+            <a:ext cx="2689411" cy="369332"/>
+          </a:xfrm>
+          <a:prstGeom prst="rect">
+            <a:avLst/>
+          </a:prstGeom>
+          <a:noFill/>
+        </p:spPr>
+        <p:txBody>
+          <a:bodyPr wrap="square" rtlCol="0">
+            <a:spAutoFit/>
+          </a:bodyPr>
+          <a:lstStyle/>
+          <a:p>
+            <a:pPr algn="l"/>
+            <a:r>
+              <a:rPr lang="es-MX" b="1" i="0" dirty="0">
+                <a:solidFill>
+                  <a:srgbClr val="1F1F1F"/>
+                </a:solidFill>
+                <a:effectLst/>
+                <a:latin typeface="unset"/>
+              </a:rPr>
+              <a:t>Operadores aritméticos</a:t>
+            </a:r>
+            <a:endParaRPr lang="es-MX" b="1" i="0" dirty="0">
+              <a:solidFill>
+                <a:srgbClr val="1F1F1F"/>
+              </a:solidFill>
+              <a:effectLst/>
+              <a:latin typeface="var(--cds-font-family-source-sans-pro)"/>
+            </a:endParaRPr>
+          </a:p>
+        </p:txBody>
+      </p:sp>
+      <p:pic>
+        <p:nvPicPr>
+          <p:cNvPr id="8" name="Imagen 7">
+            <a:extLst>
+              <a:ext uri="{FF2B5EF4-FFF2-40B4-BE49-F238E27FC236}">
+                <a16:creationId xmlns:a16="http://schemas.microsoft.com/office/drawing/2014/main" id="{CD16B8DC-BBEE-EEC3-9923-0656844A3506}"/>
+              </a:ext>
+            </a:extLst>
+          </p:cNvPr>
+          <p:cNvPicPr>
+            <a:picLocks noChangeAspect="1"/>
+          </p:cNvPicPr>
+          <p:nvPr/>
+        </p:nvPicPr>
+        <p:blipFill>
+          <a:blip r:embed="rId2"/>
+          <a:stretch>
+            <a:fillRect/>
+          </a:stretch>
+        </p:blipFill>
+        <p:spPr>
+          <a:xfrm>
+            <a:off x="235966" y="745873"/>
+            <a:ext cx="5718462" cy="2358654"/>
+          </a:xfrm>
+          <a:prstGeom prst="rect">
+            <a:avLst/>
+          </a:prstGeom>
+        </p:spPr>
+      </p:pic>
+      <p:sp>
+        <p:nvSpPr>
+          <p:cNvPr id="9" name="CuadroTexto 8">
+            <a:extLst>
+              <a:ext uri="{FF2B5EF4-FFF2-40B4-BE49-F238E27FC236}">
+                <a16:creationId xmlns:a16="http://schemas.microsoft.com/office/drawing/2014/main" id="{BAC31A96-16AD-86C0-0115-8D3CADB135B6}"/>
+              </a:ext>
+            </a:extLst>
+          </p:cNvPr>
+          <p:cNvSpPr txBox="1"/>
+          <p:nvPr/>
+        </p:nvSpPr>
+        <p:spPr>
+          <a:xfrm>
+            <a:off x="7682754" y="107576"/>
+            <a:ext cx="2689411" cy="923330"/>
+          </a:xfrm>
+          <a:prstGeom prst="rect">
+            <a:avLst/>
+          </a:prstGeom>
+          <a:noFill/>
+        </p:spPr>
+        <p:txBody>
+          <a:bodyPr wrap="square" rtlCol="0">
+            <a:spAutoFit/>
+          </a:bodyPr>
+          <a:lstStyle/>
+          <a:p>
+            <a:pPr algn="l"/>
+            <a:r>
+              <a:rPr lang="es-MX" b="1" i="0" dirty="0">
+                <a:solidFill>
+                  <a:srgbClr val="1F1F1F"/>
+                </a:solidFill>
+                <a:effectLst/>
+                <a:latin typeface="unset"/>
+              </a:rPr>
+              <a:t>Operadores relacionales</a:t>
+            </a:r>
+            <a:endParaRPr lang="es-MX" b="0" i="0" dirty="0">
+              <a:solidFill>
+                <a:srgbClr val="1F1F1F"/>
+              </a:solidFill>
+              <a:effectLst/>
+              <a:latin typeface="var(--cds-font-family-source-sans-pro)"/>
+            </a:endParaRPr>
+          </a:p>
+          <a:p>
+            <a:br>
+              <a:rPr lang="es-MX" dirty="0"/>
+            </a:br>
+            <a:endParaRPr lang="es-MX" b="1" i="0" dirty="0">
+              <a:solidFill>
+                <a:srgbClr val="1F1F1F"/>
+              </a:solidFill>
+              <a:effectLst/>
+              <a:latin typeface="var(--cds-font-family-source-sans-pro)"/>
+            </a:endParaRPr>
+          </a:p>
+        </p:txBody>
+      </p:sp>
+      <p:pic>
+        <p:nvPicPr>
+          <p:cNvPr id="11" name="Imagen 10">
+            <a:extLst>
+              <a:ext uri="{FF2B5EF4-FFF2-40B4-BE49-F238E27FC236}">
+                <a16:creationId xmlns:a16="http://schemas.microsoft.com/office/drawing/2014/main" id="{E13006DA-93D0-4658-D03A-A3E73977ED18}"/>
+              </a:ext>
+            </a:extLst>
+          </p:cNvPr>
+          <p:cNvPicPr>
+            <a:picLocks noChangeAspect="1"/>
+          </p:cNvPicPr>
+          <p:nvPr/>
+        </p:nvPicPr>
+        <p:blipFill>
+          <a:blip r:embed="rId3"/>
+          <a:stretch>
+            <a:fillRect/>
+          </a:stretch>
+        </p:blipFill>
+        <p:spPr>
+          <a:xfrm>
+            <a:off x="5609365" y="621455"/>
+            <a:ext cx="6582636" cy="2135191"/>
+          </a:xfrm>
+          <a:prstGeom prst="rect">
+            <a:avLst/>
+          </a:prstGeom>
+        </p:spPr>
+      </p:pic>
+      <p:sp>
+        <p:nvSpPr>
+          <p:cNvPr id="12" name="CuadroTexto 11">
+            <a:extLst>
+              <a:ext uri="{FF2B5EF4-FFF2-40B4-BE49-F238E27FC236}">
+                <a16:creationId xmlns:a16="http://schemas.microsoft.com/office/drawing/2014/main" id="{65E67CBD-F4DB-574D-78D5-3A7C0CB4178F}"/>
+              </a:ext>
+            </a:extLst>
+          </p:cNvPr>
+          <p:cNvSpPr txBox="1"/>
+          <p:nvPr/>
+        </p:nvSpPr>
+        <p:spPr>
+          <a:xfrm>
+            <a:off x="1344707" y="3429000"/>
+            <a:ext cx="2689411" cy="369332"/>
+          </a:xfrm>
+          <a:prstGeom prst="rect">
+            <a:avLst/>
+          </a:prstGeom>
+          <a:noFill/>
+        </p:spPr>
+        <p:txBody>
+          <a:bodyPr wrap="square" rtlCol="0">
+            <a:spAutoFit/>
+          </a:bodyPr>
+          <a:lstStyle/>
+          <a:p>
+            <a:pPr algn="l"/>
+            <a:r>
+              <a:rPr lang="es-MX" b="1" i="0" dirty="0">
+                <a:solidFill>
+                  <a:srgbClr val="1F1F1F"/>
+                </a:solidFill>
+                <a:effectLst/>
+                <a:latin typeface="unset"/>
+              </a:rPr>
+              <a:t>Operadores lógicos</a:t>
+            </a:r>
+            <a:endParaRPr lang="es-MX" b="0" i="0" dirty="0">
+              <a:solidFill>
+                <a:srgbClr val="1F1F1F"/>
+              </a:solidFill>
+              <a:effectLst/>
+              <a:latin typeface="var(--cds-font-family-source-sans-pro)"/>
+            </a:endParaRPr>
+          </a:p>
+        </p:txBody>
+      </p:sp>
+      <p:sp>
+        <p:nvSpPr>
+          <p:cNvPr id="13" name="CuadroTexto 12">
+            <a:extLst>
+              <a:ext uri="{FF2B5EF4-FFF2-40B4-BE49-F238E27FC236}">
+                <a16:creationId xmlns:a16="http://schemas.microsoft.com/office/drawing/2014/main" id="{86631FBC-C96B-4C4D-B0A7-9733BE52360D}"/>
+              </a:ext>
+            </a:extLst>
+          </p:cNvPr>
+          <p:cNvSpPr txBox="1"/>
+          <p:nvPr/>
+        </p:nvSpPr>
+        <p:spPr>
+          <a:xfrm>
+            <a:off x="7871012" y="3117049"/>
+            <a:ext cx="2689411" cy="369332"/>
+          </a:xfrm>
+          <a:prstGeom prst="rect">
+            <a:avLst/>
+          </a:prstGeom>
+          <a:noFill/>
+        </p:spPr>
+        <p:txBody>
+          <a:bodyPr wrap="square" rtlCol="0">
+            <a:spAutoFit/>
+          </a:bodyPr>
+          <a:lstStyle/>
+          <a:p>
+            <a:pPr algn="l"/>
+            <a:r>
+              <a:rPr lang="es-MX" b="1" i="0" dirty="0">
+                <a:solidFill>
+                  <a:srgbClr val="1F1F1F"/>
+                </a:solidFill>
+                <a:effectLst/>
+                <a:latin typeface="unset"/>
+              </a:rPr>
+              <a:t>Operadores de asignación</a:t>
+            </a:r>
+            <a:endParaRPr lang="es-MX" b="0" i="0" dirty="0">
+              <a:solidFill>
+                <a:srgbClr val="1F1F1F"/>
+              </a:solidFill>
+              <a:effectLst/>
+              <a:latin typeface="var(--cds-font-family-source-sans-pro)"/>
+            </a:endParaRPr>
+          </a:p>
+        </p:txBody>
+      </p:sp>
+      <p:pic>
+        <p:nvPicPr>
+          <p:cNvPr id="15" name="Imagen 14">
+            <a:extLst>
+              <a:ext uri="{FF2B5EF4-FFF2-40B4-BE49-F238E27FC236}">
+                <a16:creationId xmlns:a16="http://schemas.microsoft.com/office/drawing/2014/main" id="{BA69DA81-265D-76C1-E480-9087BC7E1243}"/>
+              </a:ext>
+            </a:extLst>
+          </p:cNvPr>
+          <p:cNvPicPr>
+            <a:picLocks noChangeAspect="1"/>
+          </p:cNvPicPr>
+          <p:nvPr/>
+        </p:nvPicPr>
+        <p:blipFill>
+          <a:blip r:embed="rId4"/>
+          <a:stretch>
+            <a:fillRect/>
+          </a:stretch>
+        </p:blipFill>
+        <p:spPr>
+          <a:xfrm>
+            <a:off x="235966" y="4122805"/>
+            <a:ext cx="5387617" cy="2258509"/>
+          </a:xfrm>
+          <a:prstGeom prst="rect">
+            <a:avLst/>
+          </a:prstGeom>
+        </p:spPr>
+      </p:pic>
+      <p:pic>
+        <p:nvPicPr>
+          <p:cNvPr id="17" name="Imagen 16">
+            <a:extLst>
+              <a:ext uri="{FF2B5EF4-FFF2-40B4-BE49-F238E27FC236}">
+                <a16:creationId xmlns:a16="http://schemas.microsoft.com/office/drawing/2014/main" id="{AA117974-1097-E844-1AC0-2DF122D09A6B}"/>
+              </a:ext>
+            </a:extLst>
+          </p:cNvPr>
+          <p:cNvPicPr>
+            <a:picLocks noChangeAspect="1"/>
+          </p:cNvPicPr>
+          <p:nvPr/>
+        </p:nvPicPr>
+        <p:blipFill>
+          <a:blip r:embed="rId5"/>
+          <a:stretch>
+            <a:fillRect/>
+          </a:stretch>
+        </p:blipFill>
+        <p:spPr>
+          <a:xfrm>
+            <a:off x="5747157" y="3556285"/>
+            <a:ext cx="6449325" cy="3296110"/>
+          </a:xfrm>
+          <a:prstGeom prst="rect">
+            <a:avLst/>
+          </a:prstGeom>
+        </p:spPr>
+      </p:pic>
+    </p:spTree>
+    <p:extLst>
+      <p:ext uri="{BB962C8B-B14F-4D97-AF65-F5344CB8AC3E}">
+        <p14:creationId xmlns:p14="http://schemas.microsoft.com/office/powerpoint/2010/main" val="1676407177"/>
+      </p:ext>
+    </p:extLst>
+  </p:cSld>
+  <p:clrMapOvr>
+    <a:masterClrMapping/>
+  </p:clrMapOvr>
+</p:sld>
+</file>
+
+<file path=ppt/slides/slide12.xml><?xml version="1.0" encoding="utf-8"?>
+<p:sld xmlns:a="http://schemas.openxmlformats.org/drawingml/2006/main" xmlns:r="http://schemas.openxmlformats.org/officeDocument/2006/relationships" xmlns:p="http://schemas.openxmlformats.org/presentationml/2006/main">
+  <p:cSld>
+    <p:spTree>
+      <p:nvGrpSpPr>
+        <p:cNvPr id="1" name=""/>
+        <p:cNvGrpSpPr/>
+        <p:nvPr/>
+      </p:nvGrpSpPr>
+      <p:grpSpPr>
+        <a:xfrm>
+          <a:off x="0" y="0"/>
+          <a:ext cx="0" cy="0"/>
+          <a:chOff x="0" y="0"/>
+          <a:chExt cx="0" cy="0"/>
+        </a:xfrm>
+      </p:grpSpPr>
+      <p:pic>
+        <p:nvPicPr>
+          <p:cNvPr id="5" name="Imagen 4">
+            <a:extLst>
+              <a:ext uri="{FF2B5EF4-FFF2-40B4-BE49-F238E27FC236}">
+                <a16:creationId xmlns:a16="http://schemas.microsoft.com/office/drawing/2014/main" id="{BFC00009-8C8F-6A92-93B3-2B2A75D441DD}"/>
+              </a:ext>
+            </a:extLst>
+          </p:cNvPr>
+          <p:cNvPicPr>
+            <a:picLocks noChangeAspect="1"/>
+          </p:cNvPicPr>
+          <p:nvPr/>
+        </p:nvPicPr>
+        <p:blipFill>
+          <a:blip r:embed="rId2"/>
+          <a:stretch>
+            <a:fillRect/>
+          </a:stretch>
+        </p:blipFill>
+        <p:spPr>
+          <a:xfrm>
+            <a:off x="486150" y="518961"/>
+            <a:ext cx="2975768" cy="2412498"/>
+          </a:xfrm>
+          <a:prstGeom prst="rect">
+            <a:avLst/>
+          </a:prstGeom>
+        </p:spPr>
+      </p:pic>
+    </p:spTree>
+    <p:extLst>
+      <p:ext uri="{BB962C8B-B14F-4D97-AF65-F5344CB8AC3E}">
+        <p14:creationId xmlns:p14="http://schemas.microsoft.com/office/powerpoint/2010/main" val="3840956888"/>
+      </p:ext>
+    </p:extLst>
+  </p:cSld>
+  <p:clrMapOvr>
+    <a:masterClrMapping/>
+  </p:clrMapOvr>
+</p:sld>
+</file>
+
 <file path=ppt/slides/slide2.xml><?xml version="1.0" encoding="utf-8"?>
 <p:sld xmlns:a="http://schemas.openxmlformats.org/drawingml/2006/main" xmlns:r="http://schemas.openxmlformats.org/officeDocument/2006/relationships" xmlns:p="http://schemas.openxmlformats.org/presentationml/2006/main">
   <p:cSld>
@@ -6418,56 +7131,126 @@
           <a:chExt cx="0" cy="0"/>
         </a:xfrm>
       </p:grpSpPr>
-      <p:sp>
-        <p:nvSpPr>
-          <p:cNvPr id="2" name="Título 1">
-            <a:extLst>
-              <a:ext uri="{FF2B5EF4-FFF2-40B4-BE49-F238E27FC236}">
-                <a16:creationId xmlns:a16="http://schemas.microsoft.com/office/drawing/2014/main" id="{363EF4ED-EE74-842F-96A0-B27D8B978855}"/>
-              </a:ext>
-            </a:extLst>
-          </p:cNvPr>
-          <p:cNvSpPr>
-            <a:spLocks noGrp="1"/>
-          </p:cNvSpPr>
-          <p:nvPr>
-            <p:ph type="title"/>
-          </p:nvPr>
-        </p:nvSpPr>
-        <p:spPr/>
-        <p:txBody>
-          <a:bodyPr/>
-          <a:lstStyle/>
-          <a:p>
-            <a:endParaRPr lang="es-MX"/>
-          </a:p>
-        </p:txBody>
-      </p:sp>
-      <p:sp>
-        <p:nvSpPr>
-          <p:cNvPr id="3" name="Marcador de contenido 2">
-            <a:extLst>
-              <a:ext uri="{FF2B5EF4-FFF2-40B4-BE49-F238E27FC236}">
-                <a16:creationId xmlns:a16="http://schemas.microsoft.com/office/drawing/2014/main" id="{34E6DE43-3190-BA6E-9201-9AB8259A21C9}"/>
-              </a:ext>
-            </a:extLst>
-          </p:cNvPr>
-          <p:cNvSpPr>
-            <a:spLocks noGrp="1"/>
-          </p:cNvSpPr>
-          <p:nvPr>
-            <p:ph idx="1"/>
-          </p:nvPr>
-        </p:nvSpPr>
-        <p:spPr/>
-        <p:txBody>
-          <a:bodyPr/>
-          <a:lstStyle/>
-          <a:p>
-            <a:endParaRPr lang="es-MX"/>
-          </a:p>
-        </p:txBody>
-      </p:sp>
+      <p:pic>
+        <p:nvPicPr>
+          <p:cNvPr id="5" name="Imagen 4">
+            <a:extLst>
+              <a:ext uri="{FF2B5EF4-FFF2-40B4-BE49-F238E27FC236}">
+                <a16:creationId xmlns:a16="http://schemas.microsoft.com/office/drawing/2014/main" id="{2AA50366-08B2-8098-B517-DA4DE53BD991}"/>
+              </a:ext>
+            </a:extLst>
+          </p:cNvPr>
+          <p:cNvPicPr>
+            <a:picLocks noChangeAspect="1"/>
+          </p:cNvPicPr>
+          <p:nvPr/>
+        </p:nvPicPr>
+        <p:blipFill>
+          <a:blip r:embed="rId2"/>
+          <a:stretch>
+            <a:fillRect/>
+          </a:stretch>
+        </p:blipFill>
+        <p:spPr>
+          <a:xfrm>
+            <a:off x="1928580" y="1069695"/>
+            <a:ext cx="2382562" cy="4166229"/>
+          </a:xfrm>
+          <a:prstGeom prst="rect">
+            <a:avLst/>
+          </a:prstGeom>
+        </p:spPr>
+      </p:pic>
+      <p:pic>
+        <p:nvPicPr>
+          <p:cNvPr id="8" name="Imagen 7">
+            <a:extLst>
+              <a:ext uri="{FF2B5EF4-FFF2-40B4-BE49-F238E27FC236}">
+                <a16:creationId xmlns:a16="http://schemas.microsoft.com/office/drawing/2014/main" id="{9461807E-C59F-32F4-67B9-0CFE70C2D5C7}"/>
+              </a:ext>
+            </a:extLst>
+          </p:cNvPr>
+          <p:cNvPicPr>
+            <a:picLocks noChangeAspect="1"/>
+          </p:cNvPicPr>
+          <p:nvPr/>
+        </p:nvPicPr>
+        <p:blipFill>
+          <a:blip r:embed="rId3"/>
+          <a:stretch>
+            <a:fillRect/>
+          </a:stretch>
+        </p:blipFill>
+        <p:spPr>
+          <a:xfrm>
+            <a:off x="5514915" y="714888"/>
+            <a:ext cx="4220164" cy="3248478"/>
+          </a:xfrm>
+          <a:prstGeom prst="rect">
+            <a:avLst/>
+          </a:prstGeom>
+        </p:spPr>
+      </p:pic>
+      <p:pic>
+        <p:nvPicPr>
+          <p:cNvPr id="10" name="Imagen 9">
+            <a:extLst>
+              <a:ext uri="{FF2B5EF4-FFF2-40B4-BE49-F238E27FC236}">
+                <a16:creationId xmlns:a16="http://schemas.microsoft.com/office/drawing/2014/main" id="{B29C57D8-7077-2C7B-95F2-FCD246BE137F}"/>
+              </a:ext>
+            </a:extLst>
+          </p:cNvPr>
+          <p:cNvPicPr>
+            <a:picLocks noChangeAspect="1"/>
+          </p:cNvPicPr>
+          <p:nvPr/>
+        </p:nvPicPr>
+        <p:blipFill>
+          <a:blip r:embed="rId4"/>
+          <a:stretch>
+            <a:fillRect/>
+          </a:stretch>
+        </p:blipFill>
+        <p:spPr>
+          <a:xfrm>
+            <a:off x="5514915" y="3963366"/>
+            <a:ext cx="1935196" cy="672399"/>
+          </a:xfrm>
+          <a:prstGeom prst="rect">
+            <a:avLst/>
+          </a:prstGeom>
+        </p:spPr>
+      </p:pic>
+      <p:pic>
+        <p:nvPicPr>
+          <p:cNvPr id="12" name="Imagen 11">
+            <a:extLst>
+              <a:ext uri="{FF2B5EF4-FFF2-40B4-BE49-F238E27FC236}">
+                <a16:creationId xmlns:a16="http://schemas.microsoft.com/office/drawing/2014/main" id="{DC065132-ABCE-54DF-E59C-511DD6D4F266}"/>
+              </a:ext>
+            </a:extLst>
+          </p:cNvPr>
+          <p:cNvPicPr>
+            <a:picLocks noChangeAspect="1"/>
+          </p:cNvPicPr>
+          <p:nvPr/>
+        </p:nvPicPr>
+        <p:blipFill>
+          <a:blip r:embed="rId5"/>
+          <a:stretch>
+            <a:fillRect/>
+          </a:stretch>
+        </p:blipFill>
+        <p:spPr>
+          <a:xfrm>
+            <a:off x="5539899" y="4635765"/>
+            <a:ext cx="3277057" cy="600159"/>
+          </a:xfrm>
+          <a:prstGeom prst="rect">
+            <a:avLst/>
+          </a:prstGeom>
+        </p:spPr>
+      </p:pic>
     </p:spTree>
     <p:extLst>
       <p:ext uri="{BB962C8B-B14F-4D97-AF65-F5344CB8AC3E}">

--- a/7_2_AnalisisD_programando_R.pptx
+++ b/7_2_AnalisisD_programando_R.pptx
@@ -272,7 +272,7 @@
           <a:p>
             <a:fld id="{11C87720-0156-4D51-B23E-EE6DF36ABC98}" type="datetimeFigureOut">
               <a:rPr lang="es-MX" smtClean="0"/>
-              <a:t>26/12/2024</a:t>
+              <a:t>29/12/2024</a:t>
             </a:fld>
             <a:endParaRPr lang="es-MX"/>
           </a:p>
@@ -472,7 +472,7 @@
           <a:p>
             <a:fld id="{11C87720-0156-4D51-B23E-EE6DF36ABC98}" type="datetimeFigureOut">
               <a:rPr lang="es-MX" smtClean="0"/>
-              <a:t>26/12/2024</a:t>
+              <a:t>29/12/2024</a:t>
             </a:fld>
             <a:endParaRPr lang="es-MX"/>
           </a:p>
@@ -682,7 +682,7 @@
           <a:p>
             <a:fld id="{11C87720-0156-4D51-B23E-EE6DF36ABC98}" type="datetimeFigureOut">
               <a:rPr lang="es-MX" smtClean="0"/>
-              <a:t>26/12/2024</a:t>
+              <a:t>29/12/2024</a:t>
             </a:fld>
             <a:endParaRPr lang="es-MX"/>
           </a:p>
@@ -882,7 +882,7 @@
           <a:p>
             <a:fld id="{11C87720-0156-4D51-B23E-EE6DF36ABC98}" type="datetimeFigureOut">
               <a:rPr lang="es-MX" smtClean="0"/>
-              <a:t>26/12/2024</a:t>
+              <a:t>29/12/2024</a:t>
             </a:fld>
             <a:endParaRPr lang="es-MX"/>
           </a:p>
@@ -1158,7 +1158,7 @@
           <a:p>
             <a:fld id="{11C87720-0156-4D51-B23E-EE6DF36ABC98}" type="datetimeFigureOut">
               <a:rPr lang="es-MX" smtClean="0"/>
-              <a:t>26/12/2024</a:t>
+              <a:t>29/12/2024</a:t>
             </a:fld>
             <a:endParaRPr lang="es-MX"/>
           </a:p>
@@ -1426,7 +1426,7 @@
           <a:p>
             <a:fld id="{11C87720-0156-4D51-B23E-EE6DF36ABC98}" type="datetimeFigureOut">
               <a:rPr lang="es-MX" smtClean="0"/>
-              <a:t>26/12/2024</a:t>
+              <a:t>29/12/2024</a:t>
             </a:fld>
             <a:endParaRPr lang="es-MX"/>
           </a:p>
@@ -1841,7 +1841,7 @@
           <a:p>
             <a:fld id="{11C87720-0156-4D51-B23E-EE6DF36ABC98}" type="datetimeFigureOut">
               <a:rPr lang="es-MX" smtClean="0"/>
-              <a:t>26/12/2024</a:t>
+              <a:t>29/12/2024</a:t>
             </a:fld>
             <a:endParaRPr lang="es-MX"/>
           </a:p>
@@ -1983,7 +1983,7 @@
           <a:p>
             <a:fld id="{11C87720-0156-4D51-B23E-EE6DF36ABC98}" type="datetimeFigureOut">
               <a:rPr lang="es-MX" smtClean="0"/>
-              <a:t>26/12/2024</a:t>
+              <a:t>29/12/2024</a:t>
             </a:fld>
             <a:endParaRPr lang="es-MX"/>
           </a:p>
@@ -2096,7 +2096,7 @@
           <a:p>
             <a:fld id="{11C87720-0156-4D51-B23E-EE6DF36ABC98}" type="datetimeFigureOut">
               <a:rPr lang="es-MX" smtClean="0"/>
-              <a:t>26/12/2024</a:t>
+              <a:t>29/12/2024</a:t>
             </a:fld>
             <a:endParaRPr lang="es-MX"/>
           </a:p>
@@ -2409,7 +2409,7 @@
           <a:p>
             <a:fld id="{11C87720-0156-4D51-B23E-EE6DF36ABC98}" type="datetimeFigureOut">
               <a:rPr lang="es-MX" smtClean="0"/>
-              <a:t>26/12/2024</a:t>
+              <a:t>29/12/2024</a:t>
             </a:fld>
             <a:endParaRPr lang="es-MX"/>
           </a:p>
@@ -2698,7 +2698,7 @@
           <a:p>
             <a:fld id="{11C87720-0156-4D51-B23E-EE6DF36ABC98}" type="datetimeFigureOut">
               <a:rPr lang="es-MX" smtClean="0"/>
-              <a:t>26/12/2024</a:t>
+              <a:t>29/12/2024</a:t>
             </a:fld>
             <a:endParaRPr lang="es-MX"/>
           </a:p>
@@ -2941,7 +2941,7 @@
           <a:p>
             <a:fld id="{11C87720-0156-4D51-B23E-EE6DF36ABC98}" type="datetimeFigureOut">
               <a:rPr lang="es-MX" smtClean="0"/>
-              <a:t>26/12/2024</a:t>
+              <a:t>29/12/2024</a:t>
             </a:fld>
             <a:endParaRPr lang="es-MX"/>
           </a:p>
@@ -4116,7 +4116,7 @@
         </p:blipFill>
         <p:spPr>
           <a:xfrm>
-            <a:off x="486150" y="518961"/>
+            <a:off x="849220" y="1016502"/>
             <a:ext cx="2975768" cy="2412498"/>
           </a:xfrm>
           <a:prstGeom prst="rect">

--- a/7_2_AnalisisD_programando_R.pptx
+++ b/7_2_AnalisisD_programando_R.pptx
@@ -17,6 +17,9 @@
     <p:sldId id="265" r:id="rId11"/>
     <p:sldId id="266" r:id="rId12"/>
     <p:sldId id="267" r:id="rId13"/>
+    <p:sldId id="268" r:id="rId14"/>
+    <p:sldId id="269" r:id="rId15"/>
+    <p:sldId id="270" r:id="rId16"/>
   </p:sldIdLst>
   <p:sldSz cx="12192000" cy="6858000"/>
   <p:notesSz cx="6858000" cy="9144000"/>
@@ -272,7 +275,7 @@
           <a:p>
             <a:fld id="{11C87720-0156-4D51-B23E-EE6DF36ABC98}" type="datetimeFigureOut">
               <a:rPr lang="es-MX" smtClean="0"/>
-              <a:t>29/12/2024</a:t>
+              <a:t>07/01/2025</a:t>
             </a:fld>
             <a:endParaRPr lang="es-MX"/>
           </a:p>
@@ -472,7 +475,7 @@
           <a:p>
             <a:fld id="{11C87720-0156-4D51-B23E-EE6DF36ABC98}" type="datetimeFigureOut">
               <a:rPr lang="es-MX" smtClean="0"/>
-              <a:t>29/12/2024</a:t>
+              <a:t>07/01/2025</a:t>
             </a:fld>
             <a:endParaRPr lang="es-MX"/>
           </a:p>
@@ -682,7 +685,7 @@
           <a:p>
             <a:fld id="{11C87720-0156-4D51-B23E-EE6DF36ABC98}" type="datetimeFigureOut">
               <a:rPr lang="es-MX" smtClean="0"/>
-              <a:t>29/12/2024</a:t>
+              <a:t>07/01/2025</a:t>
             </a:fld>
             <a:endParaRPr lang="es-MX"/>
           </a:p>
@@ -882,7 +885,7 @@
           <a:p>
             <a:fld id="{11C87720-0156-4D51-B23E-EE6DF36ABC98}" type="datetimeFigureOut">
               <a:rPr lang="es-MX" smtClean="0"/>
-              <a:t>29/12/2024</a:t>
+              <a:t>07/01/2025</a:t>
             </a:fld>
             <a:endParaRPr lang="es-MX"/>
           </a:p>
@@ -1158,7 +1161,7 @@
           <a:p>
             <a:fld id="{11C87720-0156-4D51-B23E-EE6DF36ABC98}" type="datetimeFigureOut">
               <a:rPr lang="es-MX" smtClean="0"/>
-              <a:t>29/12/2024</a:t>
+              <a:t>07/01/2025</a:t>
             </a:fld>
             <a:endParaRPr lang="es-MX"/>
           </a:p>
@@ -1426,7 +1429,7 @@
           <a:p>
             <a:fld id="{11C87720-0156-4D51-B23E-EE6DF36ABC98}" type="datetimeFigureOut">
               <a:rPr lang="es-MX" smtClean="0"/>
-              <a:t>29/12/2024</a:t>
+              <a:t>07/01/2025</a:t>
             </a:fld>
             <a:endParaRPr lang="es-MX"/>
           </a:p>
@@ -1841,7 +1844,7 @@
           <a:p>
             <a:fld id="{11C87720-0156-4D51-B23E-EE6DF36ABC98}" type="datetimeFigureOut">
               <a:rPr lang="es-MX" smtClean="0"/>
-              <a:t>29/12/2024</a:t>
+              <a:t>07/01/2025</a:t>
             </a:fld>
             <a:endParaRPr lang="es-MX"/>
           </a:p>
@@ -1983,7 +1986,7 @@
           <a:p>
             <a:fld id="{11C87720-0156-4D51-B23E-EE6DF36ABC98}" type="datetimeFigureOut">
               <a:rPr lang="es-MX" smtClean="0"/>
-              <a:t>29/12/2024</a:t>
+              <a:t>07/01/2025</a:t>
             </a:fld>
             <a:endParaRPr lang="es-MX"/>
           </a:p>
@@ -2096,7 +2099,7 @@
           <a:p>
             <a:fld id="{11C87720-0156-4D51-B23E-EE6DF36ABC98}" type="datetimeFigureOut">
               <a:rPr lang="es-MX" smtClean="0"/>
-              <a:t>29/12/2024</a:t>
+              <a:t>07/01/2025</a:t>
             </a:fld>
             <a:endParaRPr lang="es-MX"/>
           </a:p>
@@ -2409,7 +2412,7 @@
           <a:p>
             <a:fld id="{11C87720-0156-4D51-B23E-EE6DF36ABC98}" type="datetimeFigureOut">
               <a:rPr lang="es-MX" smtClean="0"/>
-              <a:t>29/12/2024</a:t>
+              <a:t>07/01/2025</a:t>
             </a:fld>
             <a:endParaRPr lang="es-MX"/>
           </a:p>
@@ -2698,7 +2701,7 @@
           <a:p>
             <a:fld id="{11C87720-0156-4D51-B23E-EE6DF36ABC98}" type="datetimeFigureOut">
               <a:rPr lang="es-MX" smtClean="0"/>
-              <a:t>29/12/2024</a:t>
+              <a:t>07/01/2025</a:t>
             </a:fld>
             <a:endParaRPr lang="es-MX"/>
           </a:p>
@@ -2941,7 +2944,7 @@
           <a:p>
             <a:fld id="{11C87720-0156-4D51-B23E-EE6DF36ABC98}" type="datetimeFigureOut">
               <a:rPr lang="es-MX" smtClean="0"/>
-              <a:t>29/12/2024</a:t>
+              <a:t>07/01/2025</a:t>
             </a:fld>
             <a:endParaRPr lang="es-MX"/>
           </a:p>
@@ -4116,8 +4119,38 @@
         </p:blipFill>
         <p:spPr>
           <a:xfrm>
-            <a:off x="849220" y="1016502"/>
+            <a:off x="324785" y="478619"/>
             <a:ext cx="2975768" cy="2412498"/>
+          </a:xfrm>
+          <a:prstGeom prst="rect">
+            <a:avLst/>
+          </a:prstGeom>
+        </p:spPr>
+      </p:pic>
+      <p:pic>
+        <p:nvPicPr>
+          <p:cNvPr id="3" name="Imagen 2">
+            <a:extLst>
+              <a:ext uri="{FF2B5EF4-FFF2-40B4-BE49-F238E27FC236}">
+                <a16:creationId xmlns:a16="http://schemas.microsoft.com/office/drawing/2014/main" id="{80596075-C7EC-3352-6FBA-F1E5A059E763}"/>
+              </a:ext>
+            </a:extLst>
+          </p:cNvPr>
+          <p:cNvPicPr>
+            <a:picLocks noChangeAspect="1"/>
+          </p:cNvPicPr>
+          <p:nvPr/>
+        </p:nvPicPr>
+        <p:blipFill>
+          <a:blip r:embed="rId3"/>
+          <a:stretch>
+            <a:fillRect/>
+          </a:stretch>
+        </p:blipFill>
+        <p:spPr>
+          <a:xfrm>
+            <a:off x="4033385" y="323705"/>
+            <a:ext cx="2457793" cy="2991267"/>
           </a:xfrm>
           <a:prstGeom prst="rect">
             <a:avLst/>
@@ -4128,6 +4161,924 @@
     <p:extLst>
       <p:ext uri="{BB962C8B-B14F-4D97-AF65-F5344CB8AC3E}">
         <p14:creationId xmlns:p14="http://schemas.microsoft.com/office/powerpoint/2010/main" val="3840956888"/>
+      </p:ext>
+    </p:extLst>
+  </p:cSld>
+  <p:clrMapOvr>
+    <a:masterClrMapping/>
+  </p:clrMapOvr>
+</p:sld>
+</file>
+
+<file path=ppt/slides/slide13.xml><?xml version="1.0" encoding="utf-8"?>
+<p:sld xmlns:a="http://schemas.openxmlformats.org/drawingml/2006/main" xmlns:r="http://schemas.openxmlformats.org/officeDocument/2006/relationships" xmlns:p="http://schemas.openxmlformats.org/presentationml/2006/main">
+  <p:cSld>
+    <p:spTree>
+      <p:nvGrpSpPr>
+        <p:cNvPr id="1" name=""/>
+        <p:cNvGrpSpPr/>
+        <p:nvPr/>
+      </p:nvGrpSpPr>
+      <p:grpSpPr>
+        <a:xfrm>
+          <a:off x="0" y="0"/>
+          <a:ext cx="0" cy="0"/>
+          <a:chOff x="0" y="0"/>
+          <a:chExt cx="0" cy="0"/>
+        </a:xfrm>
+      </p:grpSpPr>
+      <p:sp>
+        <p:nvSpPr>
+          <p:cNvPr id="3" name="Marcador de contenido 2">
+            <a:extLst>
+              <a:ext uri="{FF2B5EF4-FFF2-40B4-BE49-F238E27FC236}">
+                <a16:creationId xmlns:a16="http://schemas.microsoft.com/office/drawing/2014/main" id="{920EE509-657A-7C53-C641-9E0EDD016360}"/>
+              </a:ext>
+            </a:extLst>
+          </p:cNvPr>
+          <p:cNvSpPr>
+            <a:spLocks noGrp="1"/>
+          </p:cNvSpPr>
+          <p:nvPr>
+            <p:ph idx="1"/>
+          </p:nvPr>
+        </p:nvSpPr>
+        <p:spPr>
+          <a:xfrm>
+            <a:off x="1093695" y="331245"/>
+            <a:ext cx="4069930" cy="1389978"/>
+          </a:xfrm>
+        </p:spPr>
+        <p:txBody>
+          <a:bodyPr>
+            <a:normAutofit/>
+          </a:bodyPr>
+          <a:lstStyle/>
+          <a:p>
+            <a:pPr marL="0" indent="0">
+              <a:buNone/>
+            </a:pPr>
+            <a:r>
+              <a:rPr lang="es-MX" sz="2000" b="0" i="0" dirty="0">
+                <a:solidFill>
+                  <a:srgbClr val="1F1F1F"/>
+                </a:solidFill>
+                <a:effectLst/>
+                <a:latin typeface="Source Sans Pro" panose="020B0503030403020204" pitchFamily="34" charset="0"/>
+              </a:rPr>
+              <a:t>Los</a:t>
+            </a:r>
+            <a:r>
+              <a:rPr lang="es-MX" sz="2000" b="1" i="0" dirty="0">
+                <a:solidFill>
+                  <a:srgbClr val="1F1F1F"/>
+                </a:solidFill>
+                <a:effectLst/>
+                <a:latin typeface="unset"/>
+              </a:rPr>
+              <a:t> datos en formato ancho</a:t>
+            </a:r>
+            <a:r>
+              <a:rPr lang="es-MX" sz="2000" b="0" i="0" dirty="0">
+                <a:solidFill>
+                  <a:srgbClr val="1F1F1F"/>
+                </a:solidFill>
+                <a:effectLst/>
+                <a:latin typeface="Source Sans Pro" panose="020B0503030403020204" pitchFamily="34" charset="0"/>
+              </a:rPr>
+              <a:t> tienen observaciones en varias columnas</a:t>
+            </a:r>
+            <a:endParaRPr lang="es-MX" sz="2000" dirty="0"/>
+          </a:p>
+        </p:txBody>
+      </p:sp>
+      <p:pic>
+        <p:nvPicPr>
+          <p:cNvPr id="1026" name="Picture 2" descr="screenshot of a spreadsheet in wide format. there are 7 rows shown and 8 columns">
+            <a:extLst>
+              <a:ext uri="{FF2B5EF4-FFF2-40B4-BE49-F238E27FC236}">
+                <a16:creationId xmlns:a16="http://schemas.microsoft.com/office/drawing/2014/main" id="{F632D6D2-B290-943D-859D-1BA7DABEBB9F}"/>
+              </a:ext>
+            </a:extLst>
+          </p:cNvPr>
+          <p:cNvPicPr>
+            <a:picLocks noChangeAspect="1" noChangeArrowheads="1"/>
+          </p:cNvPicPr>
+          <p:nvPr/>
+        </p:nvPicPr>
+        <p:blipFill>
+          <a:blip r:embed="rId2">
+            <a:extLst>
+              <a:ext uri="{28A0092B-C50C-407E-A947-70E740481C1C}">
+                <a14:useLocalDpi xmlns:a14="http://schemas.microsoft.com/office/drawing/2010/main" val="0"/>
+              </a:ext>
+            </a:extLst>
+          </a:blip>
+          <a:srcRect/>
+          <a:stretch>
+            <a:fillRect/>
+          </a:stretch>
+        </p:blipFill>
+        <p:spPr bwMode="auto">
+          <a:xfrm>
+            <a:off x="403234" y="1334902"/>
+            <a:ext cx="5208895" cy="914400"/>
+          </a:xfrm>
+          <a:prstGeom prst="rect">
+            <a:avLst/>
+          </a:prstGeom>
+          <a:noFill/>
+          <a:extLst>
+            <a:ext uri="{909E8E84-426E-40DD-AFC4-6F175D3DCCD1}">
+              <a14:hiddenFill xmlns:a14="http://schemas.microsoft.com/office/drawing/2010/main">
+                <a:solidFill>
+                  <a:srgbClr val="FFFFFF"/>
+                </a:solidFill>
+              </a14:hiddenFill>
+            </a:ext>
+          </a:extLst>
+        </p:spPr>
+      </p:pic>
+      <p:sp>
+        <p:nvSpPr>
+          <p:cNvPr id="4" name="Marcador de contenido 2">
+            <a:extLst>
+              <a:ext uri="{FF2B5EF4-FFF2-40B4-BE49-F238E27FC236}">
+                <a16:creationId xmlns:a16="http://schemas.microsoft.com/office/drawing/2014/main" id="{39EA5B7D-8466-5D67-1829-EFA45AAD59C8}"/>
+              </a:ext>
+            </a:extLst>
+          </p:cNvPr>
+          <p:cNvSpPr txBox="1">
+            <a:spLocks/>
+          </p:cNvSpPr>
+          <p:nvPr/>
+        </p:nvSpPr>
+        <p:spPr>
+          <a:xfrm>
+            <a:off x="7200923" y="331245"/>
+            <a:ext cx="4069930" cy="1389978"/>
+          </a:xfrm>
+          <a:prstGeom prst="rect">
+            <a:avLst/>
+          </a:prstGeom>
+        </p:spPr>
+        <p:txBody>
+          <a:bodyPr vert="horz" lIns="91440" tIns="45720" rIns="91440" bIns="45720" rtlCol="0">
+            <a:normAutofit/>
+          </a:bodyPr>
+          <a:lstStyle>
+            <a:lvl1pPr marL="228600" indent="-228600" algn="l" defTabSz="914400" rtl="0" eaLnBrk="1" latinLnBrk="0" hangingPunct="1">
+              <a:lnSpc>
+                <a:spcPct val="90000"/>
+              </a:lnSpc>
+              <a:spcBef>
+                <a:spcPts val="1000"/>
+              </a:spcBef>
+              <a:buFont typeface="Arial" panose="020B0604020202020204" pitchFamily="34" charset="0"/>
+              <a:buChar char="•"/>
+              <a:defRPr sz="2800" kern="1200">
+                <a:solidFill>
+                  <a:schemeClr val="tx1"/>
+                </a:solidFill>
+                <a:latin typeface="+mn-lt"/>
+                <a:ea typeface="+mn-ea"/>
+                <a:cs typeface="+mn-cs"/>
+              </a:defRPr>
+            </a:lvl1pPr>
+            <a:lvl2pPr marL="685800" indent="-228600" algn="l" defTabSz="914400" rtl="0" eaLnBrk="1" latinLnBrk="0" hangingPunct="1">
+              <a:lnSpc>
+                <a:spcPct val="90000"/>
+              </a:lnSpc>
+              <a:spcBef>
+                <a:spcPts val="500"/>
+              </a:spcBef>
+              <a:buFont typeface="Arial" panose="020B0604020202020204" pitchFamily="34" charset="0"/>
+              <a:buChar char="•"/>
+              <a:defRPr sz="2400" kern="1200">
+                <a:solidFill>
+                  <a:schemeClr val="tx1"/>
+                </a:solidFill>
+                <a:latin typeface="+mn-lt"/>
+                <a:ea typeface="+mn-ea"/>
+                <a:cs typeface="+mn-cs"/>
+              </a:defRPr>
+            </a:lvl2pPr>
+            <a:lvl3pPr marL="1143000" indent="-228600" algn="l" defTabSz="914400" rtl="0" eaLnBrk="1" latinLnBrk="0" hangingPunct="1">
+              <a:lnSpc>
+                <a:spcPct val="90000"/>
+              </a:lnSpc>
+              <a:spcBef>
+                <a:spcPts val="500"/>
+              </a:spcBef>
+              <a:buFont typeface="Arial" panose="020B0604020202020204" pitchFamily="34" charset="0"/>
+              <a:buChar char="•"/>
+              <a:defRPr sz="2000" kern="1200">
+                <a:solidFill>
+                  <a:schemeClr val="tx1"/>
+                </a:solidFill>
+                <a:latin typeface="+mn-lt"/>
+                <a:ea typeface="+mn-ea"/>
+                <a:cs typeface="+mn-cs"/>
+              </a:defRPr>
+            </a:lvl3pPr>
+            <a:lvl4pPr marL="1600200" indent="-228600" algn="l" defTabSz="914400" rtl="0" eaLnBrk="1" latinLnBrk="0" hangingPunct="1">
+              <a:lnSpc>
+                <a:spcPct val="90000"/>
+              </a:lnSpc>
+              <a:spcBef>
+                <a:spcPts val="500"/>
+              </a:spcBef>
+              <a:buFont typeface="Arial" panose="020B0604020202020204" pitchFamily="34" charset="0"/>
+              <a:buChar char="•"/>
+              <a:defRPr sz="1800" kern="1200">
+                <a:solidFill>
+                  <a:schemeClr val="tx1"/>
+                </a:solidFill>
+                <a:latin typeface="+mn-lt"/>
+                <a:ea typeface="+mn-ea"/>
+                <a:cs typeface="+mn-cs"/>
+              </a:defRPr>
+            </a:lvl4pPr>
+            <a:lvl5pPr marL="2057400" indent="-228600" algn="l" defTabSz="914400" rtl="0" eaLnBrk="1" latinLnBrk="0" hangingPunct="1">
+              <a:lnSpc>
+                <a:spcPct val="90000"/>
+              </a:lnSpc>
+              <a:spcBef>
+                <a:spcPts val="500"/>
+              </a:spcBef>
+              <a:buFont typeface="Arial" panose="020B0604020202020204" pitchFamily="34" charset="0"/>
+              <a:buChar char="•"/>
+              <a:defRPr sz="1800" kern="1200">
+                <a:solidFill>
+                  <a:schemeClr val="tx1"/>
+                </a:solidFill>
+                <a:latin typeface="+mn-lt"/>
+                <a:ea typeface="+mn-ea"/>
+                <a:cs typeface="+mn-cs"/>
+              </a:defRPr>
+            </a:lvl5pPr>
+            <a:lvl6pPr marL="2514600" indent="-228600" algn="l" defTabSz="914400" rtl="0" eaLnBrk="1" latinLnBrk="0" hangingPunct="1">
+              <a:lnSpc>
+                <a:spcPct val="90000"/>
+              </a:lnSpc>
+              <a:spcBef>
+                <a:spcPts val="500"/>
+              </a:spcBef>
+              <a:buFont typeface="Arial" panose="020B0604020202020204" pitchFamily="34" charset="0"/>
+              <a:buChar char="•"/>
+              <a:defRPr sz="1800" kern="1200">
+                <a:solidFill>
+                  <a:schemeClr val="tx1"/>
+                </a:solidFill>
+                <a:latin typeface="+mn-lt"/>
+                <a:ea typeface="+mn-ea"/>
+                <a:cs typeface="+mn-cs"/>
+              </a:defRPr>
+            </a:lvl6pPr>
+            <a:lvl7pPr marL="2971800" indent="-228600" algn="l" defTabSz="914400" rtl="0" eaLnBrk="1" latinLnBrk="0" hangingPunct="1">
+              <a:lnSpc>
+                <a:spcPct val="90000"/>
+              </a:lnSpc>
+              <a:spcBef>
+                <a:spcPts val="500"/>
+              </a:spcBef>
+              <a:buFont typeface="Arial" panose="020B0604020202020204" pitchFamily="34" charset="0"/>
+              <a:buChar char="•"/>
+              <a:defRPr sz="1800" kern="1200">
+                <a:solidFill>
+                  <a:schemeClr val="tx1"/>
+                </a:solidFill>
+                <a:latin typeface="+mn-lt"/>
+                <a:ea typeface="+mn-ea"/>
+                <a:cs typeface="+mn-cs"/>
+              </a:defRPr>
+            </a:lvl7pPr>
+            <a:lvl8pPr marL="3429000" indent="-228600" algn="l" defTabSz="914400" rtl="0" eaLnBrk="1" latinLnBrk="0" hangingPunct="1">
+              <a:lnSpc>
+                <a:spcPct val="90000"/>
+              </a:lnSpc>
+              <a:spcBef>
+                <a:spcPts val="500"/>
+              </a:spcBef>
+              <a:buFont typeface="Arial" panose="020B0604020202020204" pitchFamily="34" charset="0"/>
+              <a:buChar char="•"/>
+              <a:defRPr sz="1800" kern="1200">
+                <a:solidFill>
+                  <a:schemeClr val="tx1"/>
+                </a:solidFill>
+                <a:latin typeface="+mn-lt"/>
+                <a:ea typeface="+mn-ea"/>
+                <a:cs typeface="+mn-cs"/>
+              </a:defRPr>
+            </a:lvl8pPr>
+            <a:lvl9pPr marL="3886200" indent="-228600" algn="l" defTabSz="914400" rtl="0" eaLnBrk="1" latinLnBrk="0" hangingPunct="1">
+              <a:lnSpc>
+                <a:spcPct val="90000"/>
+              </a:lnSpc>
+              <a:spcBef>
+                <a:spcPts val="500"/>
+              </a:spcBef>
+              <a:buFont typeface="Arial" panose="020B0604020202020204" pitchFamily="34" charset="0"/>
+              <a:buChar char="•"/>
+              <a:defRPr sz="1800" kern="1200">
+                <a:solidFill>
+                  <a:schemeClr val="tx1"/>
+                </a:solidFill>
+                <a:latin typeface="+mn-lt"/>
+                <a:ea typeface="+mn-ea"/>
+                <a:cs typeface="+mn-cs"/>
+              </a:defRPr>
+            </a:lvl9pPr>
+          </a:lstStyle>
+          <a:p>
+            <a:pPr marL="0" indent="0">
+              <a:buFont typeface="Arial" panose="020B0604020202020204" pitchFamily="34" charset="0"/>
+              <a:buNone/>
+            </a:pPr>
+            <a:r>
+              <a:rPr lang="es-MX" sz="2000" b="0" i="0" dirty="0">
+                <a:solidFill>
+                  <a:srgbClr val="1F1F1F"/>
+                </a:solidFill>
+                <a:effectLst/>
+                <a:latin typeface="Source Sans Pro" panose="020B0503030403020204" pitchFamily="34" charset="0"/>
+              </a:rPr>
+              <a:t>los </a:t>
+            </a:r>
+            <a:r>
+              <a:rPr lang="es-MX" sz="2000" b="1" i="0" dirty="0">
+                <a:solidFill>
+                  <a:srgbClr val="1F1F1F"/>
+                </a:solidFill>
+                <a:effectLst/>
+                <a:latin typeface="unset"/>
+              </a:rPr>
+              <a:t>datos en formato largo</a:t>
+            </a:r>
+            <a:r>
+              <a:rPr lang="es-MX" sz="2000" b="0" i="0" dirty="0">
+                <a:solidFill>
+                  <a:srgbClr val="1F1F1F"/>
+                </a:solidFill>
+                <a:effectLst/>
+                <a:latin typeface="Source Sans Pro" panose="020B0503030403020204" pitchFamily="34" charset="0"/>
+              </a:rPr>
+              <a:t> tienen todas las observaciones en una sola columna, y las variables en columnas separadas. </a:t>
+            </a:r>
+            <a:endParaRPr lang="es-MX" sz="3200" dirty="0"/>
+          </a:p>
+        </p:txBody>
+      </p:sp>
+      <p:pic>
+        <p:nvPicPr>
+          <p:cNvPr id="1028" name="Picture 4" descr="screenshot of spreadsheet in long format. there are 12 rows shown and 3 columns">
+            <a:extLst>
+              <a:ext uri="{FF2B5EF4-FFF2-40B4-BE49-F238E27FC236}">
+                <a16:creationId xmlns:a16="http://schemas.microsoft.com/office/drawing/2014/main" id="{CA8605F1-5A17-C7C4-3508-264F7548A459}"/>
+              </a:ext>
+            </a:extLst>
+          </p:cNvPr>
+          <p:cNvPicPr>
+            <a:picLocks noChangeAspect="1" noChangeArrowheads="1"/>
+          </p:cNvPicPr>
+          <p:nvPr/>
+        </p:nvPicPr>
+        <p:blipFill>
+          <a:blip r:embed="rId3">
+            <a:extLst>
+              <a:ext uri="{28A0092B-C50C-407E-A947-70E740481C1C}">
+                <a14:useLocalDpi xmlns:a14="http://schemas.microsoft.com/office/drawing/2010/main" val="0"/>
+              </a:ext>
+            </a:extLst>
+          </a:blip>
+          <a:srcRect/>
+          <a:stretch>
+            <a:fillRect/>
+          </a:stretch>
+        </p:blipFill>
+        <p:spPr bwMode="auto">
+          <a:xfrm>
+            <a:off x="8585924" y="1711420"/>
+            <a:ext cx="2684929" cy="2118954"/>
+          </a:xfrm>
+          <a:prstGeom prst="rect">
+            <a:avLst/>
+          </a:prstGeom>
+          <a:noFill/>
+          <a:extLst>
+            <a:ext uri="{909E8E84-426E-40DD-AFC4-6F175D3DCCD1}">
+              <a14:hiddenFill xmlns:a14="http://schemas.microsoft.com/office/drawing/2010/main">
+                <a:solidFill>
+                  <a:srgbClr val="FFFFFF"/>
+                </a:solidFill>
+              </a14:hiddenFill>
+            </a:ext>
+          </a:extLst>
+        </p:spPr>
+      </p:pic>
+      <p:sp>
+        <p:nvSpPr>
+          <p:cNvPr id="5" name="Marcador de contenido 2">
+            <a:extLst>
+              <a:ext uri="{FF2B5EF4-FFF2-40B4-BE49-F238E27FC236}">
+                <a16:creationId xmlns:a16="http://schemas.microsoft.com/office/drawing/2014/main" id="{72CACEA8-C1BF-44A4-1431-66042323AB10}"/>
+              </a:ext>
+            </a:extLst>
+          </p:cNvPr>
+          <p:cNvSpPr txBox="1">
+            <a:spLocks/>
+          </p:cNvSpPr>
+          <p:nvPr/>
+        </p:nvSpPr>
+        <p:spPr>
+          <a:xfrm>
+            <a:off x="551420" y="3031322"/>
+            <a:ext cx="6844461" cy="3778623"/>
+          </a:xfrm>
+          <a:prstGeom prst="rect">
+            <a:avLst/>
+          </a:prstGeom>
+        </p:spPr>
+        <p:txBody>
+          <a:bodyPr vert="horz" lIns="91440" tIns="45720" rIns="91440" bIns="45720" rtlCol="0">
+            <a:normAutofit/>
+          </a:bodyPr>
+          <a:lstStyle>
+            <a:lvl1pPr marL="228600" indent="-228600" algn="l" defTabSz="914400" rtl="0" eaLnBrk="1" latinLnBrk="0" hangingPunct="1">
+              <a:lnSpc>
+                <a:spcPct val="90000"/>
+              </a:lnSpc>
+              <a:spcBef>
+                <a:spcPts val="1000"/>
+              </a:spcBef>
+              <a:buFont typeface="Arial" panose="020B0604020202020204" pitchFamily="34" charset="0"/>
+              <a:buChar char="•"/>
+              <a:defRPr sz="2800" kern="1200">
+                <a:solidFill>
+                  <a:schemeClr val="tx1"/>
+                </a:solidFill>
+                <a:latin typeface="+mn-lt"/>
+                <a:ea typeface="+mn-ea"/>
+                <a:cs typeface="+mn-cs"/>
+              </a:defRPr>
+            </a:lvl1pPr>
+            <a:lvl2pPr marL="685800" indent="-228600" algn="l" defTabSz="914400" rtl="0" eaLnBrk="1" latinLnBrk="0" hangingPunct="1">
+              <a:lnSpc>
+                <a:spcPct val="90000"/>
+              </a:lnSpc>
+              <a:spcBef>
+                <a:spcPts val="500"/>
+              </a:spcBef>
+              <a:buFont typeface="Arial" panose="020B0604020202020204" pitchFamily="34" charset="0"/>
+              <a:buChar char="•"/>
+              <a:defRPr sz="2400" kern="1200">
+                <a:solidFill>
+                  <a:schemeClr val="tx1"/>
+                </a:solidFill>
+                <a:latin typeface="+mn-lt"/>
+                <a:ea typeface="+mn-ea"/>
+                <a:cs typeface="+mn-cs"/>
+              </a:defRPr>
+            </a:lvl2pPr>
+            <a:lvl3pPr marL="1143000" indent="-228600" algn="l" defTabSz="914400" rtl="0" eaLnBrk="1" latinLnBrk="0" hangingPunct="1">
+              <a:lnSpc>
+                <a:spcPct val="90000"/>
+              </a:lnSpc>
+              <a:spcBef>
+                <a:spcPts val="500"/>
+              </a:spcBef>
+              <a:buFont typeface="Arial" panose="020B0604020202020204" pitchFamily="34" charset="0"/>
+              <a:buChar char="•"/>
+              <a:defRPr sz="2000" kern="1200">
+                <a:solidFill>
+                  <a:schemeClr val="tx1"/>
+                </a:solidFill>
+                <a:latin typeface="+mn-lt"/>
+                <a:ea typeface="+mn-ea"/>
+                <a:cs typeface="+mn-cs"/>
+              </a:defRPr>
+            </a:lvl3pPr>
+            <a:lvl4pPr marL="1600200" indent="-228600" algn="l" defTabSz="914400" rtl="0" eaLnBrk="1" latinLnBrk="0" hangingPunct="1">
+              <a:lnSpc>
+                <a:spcPct val="90000"/>
+              </a:lnSpc>
+              <a:spcBef>
+                <a:spcPts val="500"/>
+              </a:spcBef>
+              <a:buFont typeface="Arial" panose="020B0604020202020204" pitchFamily="34" charset="0"/>
+              <a:buChar char="•"/>
+              <a:defRPr sz="1800" kern="1200">
+                <a:solidFill>
+                  <a:schemeClr val="tx1"/>
+                </a:solidFill>
+                <a:latin typeface="+mn-lt"/>
+                <a:ea typeface="+mn-ea"/>
+                <a:cs typeface="+mn-cs"/>
+              </a:defRPr>
+            </a:lvl4pPr>
+            <a:lvl5pPr marL="2057400" indent="-228600" algn="l" defTabSz="914400" rtl="0" eaLnBrk="1" latinLnBrk="0" hangingPunct="1">
+              <a:lnSpc>
+                <a:spcPct val="90000"/>
+              </a:lnSpc>
+              <a:spcBef>
+                <a:spcPts val="500"/>
+              </a:spcBef>
+              <a:buFont typeface="Arial" panose="020B0604020202020204" pitchFamily="34" charset="0"/>
+              <a:buChar char="•"/>
+              <a:defRPr sz="1800" kern="1200">
+                <a:solidFill>
+                  <a:schemeClr val="tx1"/>
+                </a:solidFill>
+                <a:latin typeface="+mn-lt"/>
+                <a:ea typeface="+mn-ea"/>
+                <a:cs typeface="+mn-cs"/>
+              </a:defRPr>
+            </a:lvl5pPr>
+            <a:lvl6pPr marL="2514600" indent="-228600" algn="l" defTabSz="914400" rtl="0" eaLnBrk="1" latinLnBrk="0" hangingPunct="1">
+              <a:lnSpc>
+                <a:spcPct val="90000"/>
+              </a:lnSpc>
+              <a:spcBef>
+                <a:spcPts val="500"/>
+              </a:spcBef>
+              <a:buFont typeface="Arial" panose="020B0604020202020204" pitchFamily="34" charset="0"/>
+              <a:buChar char="•"/>
+              <a:defRPr sz="1800" kern="1200">
+                <a:solidFill>
+                  <a:schemeClr val="tx1"/>
+                </a:solidFill>
+                <a:latin typeface="+mn-lt"/>
+                <a:ea typeface="+mn-ea"/>
+                <a:cs typeface="+mn-cs"/>
+              </a:defRPr>
+            </a:lvl6pPr>
+            <a:lvl7pPr marL="2971800" indent="-228600" algn="l" defTabSz="914400" rtl="0" eaLnBrk="1" latinLnBrk="0" hangingPunct="1">
+              <a:lnSpc>
+                <a:spcPct val="90000"/>
+              </a:lnSpc>
+              <a:spcBef>
+                <a:spcPts val="500"/>
+              </a:spcBef>
+              <a:buFont typeface="Arial" panose="020B0604020202020204" pitchFamily="34" charset="0"/>
+              <a:buChar char="•"/>
+              <a:defRPr sz="1800" kern="1200">
+                <a:solidFill>
+                  <a:schemeClr val="tx1"/>
+                </a:solidFill>
+                <a:latin typeface="+mn-lt"/>
+                <a:ea typeface="+mn-ea"/>
+                <a:cs typeface="+mn-cs"/>
+              </a:defRPr>
+            </a:lvl7pPr>
+            <a:lvl8pPr marL="3429000" indent="-228600" algn="l" defTabSz="914400" rtl="0" eaLnBrk="1" latinLnBrk="0" hangingPunct="1">
+              <a:lnSpc>
+                <a:spcPct val="90000"/>
+              </a:lnSpc>
+              <a:spcBef>
+                <a:spcPts val="500"/>
+              </a:spcBef>
+              <a:buFont typeface="Arial" panose="020B0604020202020204" pitchFamily="34" charset="0"/>
+              <a:buChar char="•"/>
+              <a:defRPr sz="1800" kern="1200">
+                <a:solidFill>
+                  <a:schemeClr val="tx1"/>
+                </a:solidFill>
+                <a:latin typeface="+mn-lt"/>
+                <a:ea typeface="+mn-ea"/>
+                <a:cs typeface="+mn-cs"/>
+              </a:defRPr>
+            </a:lvl8pPr>
+            <a:lvl9pPr marL="3886200" indent="-228600" algn="l" defTabSz="914400" rtl="0" eaLnBrk="1" latinLnBrk="0" hangingPunct="1">
+              <a:lnSpc>
+                <a:spcPct val="90000"/>
+              </a:lnSpc>
+              <a:spcBef>
+                <a:spcPts val="500"/>
+              </a:spcBef>
+              <a:buFont typeface="Arial" panose="020B0604020202020204" pitchFamily="34" charset="0"/>
+              <a:buChar char="•"/>
+              <a:defRPr sz="1800" kern="1200">
+                <a:solidFill>
+                  <a:schemeClr val="tx1"/>
+                </a:solidFill>
+                <a:latin typeface="+mn-lt"/>
+                <a:ea typeface="+mn-ea"/>
+                <a:cs typeface="+mn-cs"/>
+              </a:defRPr>
+            </a:lvl9pPr>
+          </a:lstStyle>
+          <a:p>
+            <a:pPr marL="0" indent="0" algn="just">
+              <a:buNone/>
+            </a:pPr>
+            <a:r>
+              <a:rPr lang="es-MX" sz="2000" b="0" i="0" dirty="0">
+                <a:solidFill>
+                  <a:srgbClr val="1F1F1F"/>
+                </a:solidFill>
+                <a:effectLst/>
+                <a:latin typeface="var(--cds-font-family-source-sans-pro)"/>
+              </a:rPr>
+              <a:t>Hay razones importantes para utilizar ambos formatos. De todos modos, como analista, es importante saber cómo ordenar los datos cuando es necesario. En R, puedes tener un marco de datos en un formato ancho que tiene varias variables y condiciones para cada variable. Puede parecer un poco desordenado. </a:t>
+            </a:r>
+          </a:p>
+          <a:p>
+            <a:pPr marL="0" indent="0" algn="just">
+              <a:buNone/>
+            </a:pPr>
+            <a:r>
+              <a:rPr lang="es-MX" sz="2000" dirty="0">
+                <a:solidFill>
+                  <a:srgbClr val="1F1F1F"/>
+                </a:solidFill>
+                <a:latin typeface="var(--cds-font-family-source-sans-pro)"/>
+              </a:rPr>
+              <a:t>L</a:t>
+            </a:r>
+            <a:r>
+              <a:rPr lang="es-MX" sz="2000" b="0" i="0" dirty="0">
+                <a:solidFill>
+                  <a:srgbClr val="1F1F1F"/>
+                </a:solidFill>
+                <a:effectLst/>
+                <a:latin typeface="var(--cds-font-family-source-sans-pro)"/>
+              </a:rPr>
+              <a:t>a función </a:t>
+            </a:r>
+            <a:r>
+              <a:rPr lang="es-MX" sz="2000" b="1" i="0" dirty="0" err="1">
+                <a:solidFill>
+                  <a:srgbClr val="FF0000"/>
+                </a:solidFill>
+                <a:effectLst/>
+                <a:latin typeface="var(--cds-font-family-source-sans-pro)"/>
+              </a:rPr>
+              <a:t>pivot_longer</a:t>
+            </a:r>
+            <a:r>
+              <a:rPr lang="es-MX" sz="2000" b="1" i="0" dirty="0">
+                <a:solidFill>
+                  <a:srgbClr val="FF0000"/>
+                </a:solidFill>
+                <a:effectLst/>
+                <a:latin typeface="var(--cds-font-family-source-sans-pro)"/>
+              </a:rPr>
+              <a:t>(). </a:t>
+            </a:r>
+            <a:r>
+              <a:rPr lang="es-MX" sz="2000" b="0" i="0" dirty="0">
+                <a:solidFill>
+                  <a:srgbClr val="1F1F1F"/>
+                </a:solidFill>
+                <a:effectLst/>
+                <a:latin typeface="var(--cds-font-family-source-sans-pro)"/>
+              </a:rPr>
+              <a:t>Como parte del paquete </a:t>
+            </a:r>
+            <a:r>
+              <a:rPr lang="es-MX" sz="2000" b="0" i="0" dirty="0" err="1">
+                <a:solidFill>
+                  <a:srgbClr val="1F1F1F"/>
+                </a:solidFill>
+                <a:effectLst/>
+                <a:latin typeface="var(--cds-font-family-source-sans-pro)"/>
+              </a:rPr>
+              <a:t>tidyr</a:t>
+            </a:r>
+            <a:r>
+              <a:rPr lang="es-MX" sz="2000" b="0" i="0" dirty="0">
+                <a:solidFill>
+                  <a:srgbClr val="1F1F1F"/>
+                </a:solidFill>
+                <a:effectLst/>
+                <a:latin typeface="var(--cds-font-family-source-sans-pro)"/>
+              </a:rPr>
+              <a:t>, puedes utilizar esta función de R para alargar los datos de un marco de datos aumentando el número de filas y disminuyendo el número de columnas. Del mismo modo, si quieres convertir tus datos para que tengan más columnas y menos filas, usarás la función </a:t>
+            </a:r>
+            <a:r>
+              <a:rPr lang="es-MX" sz="2000" b="1" i="0" dirty="0" err="1">
+                <a:solidFill>
+                  <a:srgbClr val="FF0000"/>
+                </a:solidFill>
+                <a:effectLst/>
+                <a:latin typeface="var(--cds-font-family-source-sans-pro)"/>
+              </a:rPr>
+              <a:t>pivot_wider</a:t>
+            </a:r>
+            <a:r>
+              <a:rPr lang="es-MX" sz="2000" b="1" i="0" dirty="0">
+                <a:solidFill>
+                  <a:srgbClr val="FF0000"/>
+                </a:solidFill>
+                <a:effectLst/>
+                <a:latin typeface="var(--cds-font-family-source-sans-pro)"/>
+              </a:rPr>
+              <a:t>().</a:t>
+            </a:r>
+          </a:p>
+        </p:txBody>
+      </p:sp>
+    </p:spTree>
+    <p:extLst>
+      <p:ext uri="{BB962C8B-B14F-4D97-AF65-F5344CB8AC3E}">
+        <p14:creationId xmlns:p14="http://schemas.microsoft.com/office/powerpoint/2010/main" val="1752959751"/>
+      </p:ext>
+    </p:extLst>
+  </p:cSld>
+  <p:clrMapOvr>
+    <a:masterClrMapping/>
+  </p:clrMapOvr>
+</p:sld>
+</file>
+
+<file path=ppt/slides/slide14.xml><?xml version="1.0" encoding="utf-8"?>
+<p:sld xmlns:a="http://schemas.openxmlformats.org/drawingml/2006/main" xmlns:r="http://schemas.openxmlformats.org/officeDocument/2006/relationships" xmlns:p="http://schemas.openxmlformats.org/presentationml/2006/main">
+  <p:cSld>
+    <p:spTree>
+      <p:nvGrpSpPr>
+        <p:cNvPr id="1" name=""/>
+        <p:cNvGrpSpPr/>
+        <p:nvPr/>
+      </p:nvGrpSpPr>
+      <p:grpSpPr>
+        <a:xfrm>
+          <a:off x="0" y="0"/>
+          <a:ext cx="0" cy="0"/>
+          <a:chOff x="0" y="0"/>
+          <a:chExt cx="0" cy="0"/>
+        </a:xfrm>
+      </p:grpSpPr>
+      <p:pic>
+        <p:nvPicPr>
+          <p:cNvPr id="5" name="Imagen 4">
+            <a:extLst>
+              <a:ext uri="{FF2B5EF4-FFF2-40B4-BE49-F238E27FC236}">
+                <a16:creationId xmlns:a16="http://schemas.microsoft.com/office/drawing/2014/main" id="{0A5552B2-2494-FF13-92E6-3A9C931FB78C}"/>
+              </a:ext>
+            </a:extLst>
+          </p:cNvPr>
+          <p:cNvPicPr>
+            <a:picLocks noChangeAspect="1"/>
+          </p:cNvPicPr>
+          <p:nvPr/>
+        </p:nvPicPr>
+        <p:blipFill>
+          <a:blip r:embed="rId2"/>
+          <a:srcRect t="1336"/>
+          <a:stretch/>
+        </p:blipFill>
+        <p:spPr>
+          <a:xfrm>
+            <a:off x="243796" y="0"/>
+            <a:ext cx="11287014" cy="5255651"/>
+          </a:xfrm>
+          <a:prstGeom prst="rect">
+            <a:avLst/>
+          </a:prstGeom>
+        </p:spPr>
+      </p:pic>
+      <p:pic>
+        <p:nvPicPr>
+          <p:cNvPr id="7" name="Imagen 6">
+            <a:extLst>
+              <a:ext uri="{FF2B5EF4-FFF2-40B4-BE49-F238E27FC236}">
+                <a16:creationId xmlns:a16="http://schemas.microsoft.com/office/drawing/2014/main" id="{D0406916-5E48-451E-E98B-FCAF235965B2}"/>
+              </a:ext>
+            </a:extLst>
+          </p:cNvPr>
+          <p:cNvPicPr>
+            <a:picLocks noChangeAspect="1"/>
+          </p:cNvPicPr>
+          <p:nvPr/>
+        </p:nvPicPr>
+        <p:blipFill>
+          <a:blip r:embed="rId3"/>
+          <a:srcRect l="5455" t="44052" r="47121" b="7580"/>
+          <a:stretch/>
+        </p:blipFill>
+        <p:spPr>
+          <a:xfrm>
+            <a:off x="243796" y="5255651"/>
+            <a:ext cx="3723086" cy="829381"/>
+          </a:xfrm>
+          <a:prstGeom prst="rect">
+            <a:avLst/>
+          </a:prstGeom>
+        </p:spPr>
+      </p:pic>
+      <p:pic>
+        <p:nvPicPr>
+          <p:cNvPr id="8" name="Imagen 7">
+            <a:extLst>
+              <a:ext uri="{FF2B5EF4-FFF2-40B4-BE49-F238E27FC236}">
+                <a16:creationId xmlns:a16="http://schemas.microsoft.com/office/drawing/2014/main" id="{50925290-56AC-981F-A8DE-6E9183E8A729}"/>
+              </a:ext>
+            </a:extLst>
+          </p:cNvPr>
+          <p:cNvPicPr>
+            <a:picLocks noChangeAspect="1"/>
+          </p:cNvPicPr>
+          <p:nvPr/>
+        </p:nvPicPr>
+        <p:blipFill>
+          <a:blip r:embed="rId3"/>
+          <a:srcRect l="52576" b="10918"/>
+          <a:stretch/>
+        </p:blipFill>
+        <p:spPr>
+          <a:xfrm>
+            <a:off x="3966881" y="5255651"/>
+            <a:ext cx="3723085" cy="1527535"/>
+          </a:xfrm>
+          <a:prstGeom prst="rect">
+            <a:avLst/>
+          </a:prstGeom>
+        </p:spPr>
+      </p:pic>
+    </p:spTree>
+    <p:extLst>
+      <p:ext uri="{BB962C8B-B14F-4D97-AF65-F5344CB8AC3E}">
+        <p14:creationId xmlns:p14="http://schemas.microsoft.com/office/powerpoint/2010/main" val="3657176615"/>
+      </p:ext>
+    </p:extLst>
+  </p:cSld>
+  <p:clrMapOvr>
+    <a:masterClrMapping/>
+  </p:clrMapOvr>
+</p:sld>
+</file>
+
+<file path=ppt/slides/slide15.xml><?xml version="1.0" encoding="utf-8"?>
+<p:sld xmlns:a="http://schemas.openxmlformats.org/drawingml/2006/main" xmlns:r="http://schemas.openxmlformats.org/officeDocument/2006/relationships" xmlns:p="http://schemas.openxmlformats.org/presentationml/2006/main">
+  <p:cSld>
+    <p:spTree>
+      <p:nvGrpSpPr>
+        <p:cNvPr id="1" name=""/>
+        <p:cNvGrpSpPr/>
+        <p:nvPr/>
+      </p:nvGrpSpPr>
+      <p:grpSpPr>
+        <a:xfrm>
+          <a:off x="0" y="0"/>
+          <a:ext cx="0" cy="0"/>
+          <a:chOff x="0" y="0"/>
+          <a:chExt cx="0" cy="0"/>
+        </a:xfrm>
+      </p:grpSpPr>
+      <p:sp>
+        <p:nvSpPr>
+          <p:cNvPr id="2" name="Título 1">
+            <a:extLst>
+              <a:ext uri="{FF2B5EF4-FFF2-40B4-BE49-F238E27FC236}">
+                <a16:creationId xmlns:a16="http://schemas.microsoft.com/office/drawing/2014/main" id="{D04903CE-E591-E8BC-FB54-996900C3D374}"/>
+              </a:ext>
+            </a:extLst>
+          </p:cNvPr>
+          <p:cNvSpPr>
+            <a:spLocks noGrp="1"/>
+          </p:cNvSpPr>
+          <p:nvPr>
+            <p:ph type="title"/>
+          </p:nvPr>
+        </p:nvSpPr>
+        <p:spPr/>
+        <p:txBody>
+          <a:bodyPr/>
+          <a:lstStyle/>
+          <a:p>
+            <a:endParaRPr lang="es-MX"/>
+          </a:p>
+        </p:txBody>
+      </p:sp>
+      <p:sp>
+        <p:nvSpPr>
+          <p:cNvPr id="3" name="Marcador de contenido 2">
+            <a:extLst>
+              <a:ext uri="{FF2B5EF4-FFF2-40B4-BE49-F238E27FC236}">
+                <a16:creationId xmlns:a16="http://schemas.microsoft.com/office/drawing/2014/main" id="{D512012E-338F-51CF-2602-05AF3623200C}"/>
+              </a:ext>
+            </a:extLst>
+          </p:cNvPr>
+          <p:cNvSpPr>
+            <a:spLocks noGrp="1"/>
+          </p:cNvSpPr>
+          <p:nvPr>
+            <p:ph idx="1"/>
+          </p:nvPr>
+        </p:nvSpPr>
+        <p:spPr/>
+        <p:txBody>
+          <a:bodyPr/>
+          <a:lstStyle/>
+          <a:p>
+            <a:endParaRPr lang="es-MX"/>
+          </a:p>
+        </p:txBody>
+      </p:sp>
+    </p:spTree>
+    <p:extLst>
+      <p:ext uri="{BB962C8B-B14F-4D97-AF65-F5344CB8AC3E}">
+        <p14:creationId xmlns:p14="http://schemas.microsoft.com/office/powerpoint/2010/main" val="203213361"/>
       </p:ext>
     </p:extLst>
   </p:cSld>
@@ -7251,6 +8202,45 @@
           </a:prstGeom>
         </p:spPr>
       </p:pic>
+      <p:sp>
+        <p:nvSpPr>
+          <p:cNvPr id="2" name="CuadroTexto 1">
+            <a:extLst>
+              <a:ext uri="{FF2B5EF4-FFF2-40B4-BE49-F238E27FC236}">
+                <a16:creationId xmlns:a16="http://schemas.microsoft.com/office/drawing/2014/main" id="{09D6587A-2C5E-AAA2-A2A5-109966E1B050}"/>
+              </a:ext>
+            </a:extLst>
+          </p:cNvPr>
+          <p:cNvSpPr txBox="1"/>
+          <p:nvPr/>
+        </p:nvSpPr>
+        <p:spPr>
+          <a:xfrm>
+            <a:off x="5539899" y="5903259"/>
+            <a:ext cx="2434207" cy="369332"/>
+          </a:xfrm>
+          <a:prstGeom prst="rect">
+            <a:avLst/>
+          </a:prstGeom>
+          <a:noFill/>
+        </p:spPr>
+        <p:txBody>
+          <a:bodyPr wrap="square" rtlCol="0">
+            <a:spAutoFit/>
+          </a:bodyPr>
+          <a:lstStyle/>
+          <a:p>
+            <a:r>
+              <a:rPr lang="es-MX" dirty="0" err="1"/>
+              <a:t>Clean_names</a:t>
+            </a:r>
+            <a:r>
+              <a:rPr lang="es-MX"/>
+              <a:t>()</a:t>
+            </a:r>
+          </a:p>
+        </p:txBody>
+      </p:sp>
     </p:spTree>
     <p:extLst>
       <p:ext uri="{BB962C8B-B14F-4D97-AF65-F5344CB8AC3E}">

--- a/7_2_AnalisisD_programando_R.pptx
+++ b/7_2_AnalisisD_programando_R.pptx
@@ -20,6 +20,8 @@
     <p:sldId id="268" r:id="rId14"/>
     <p:sldId id="269" r:id="rId15"/>
     <p:sldId id="270" r:id="rId16"/>
+    <p:sldId id="271" r:id="rId17"/>
+    <p:sldId id="272" r:id="rId18"/>
   </p:sldIdLst>
   <p:sldSz cx="12192000" cy="6858000"/>
   <p:notesSz cx="6858000" cy="9144000"/>
@@ -275,7 +277,7 @@
           <a:p>
             <a:fld id="{11C87720-0156-4D51-B23E-EE6DF36ABC98}" type="datetimeFigureOut">
               <a:rPr lang="es-MX" smtClean="0"/>
-              <a:t>07/01/2025</a:t>
+              <a:t>09/01/2025</a:t>
             </a:fld>
             <a:endParaRPr lang="es-MX"/>
           </a:p>
@@ -475,7 +477,7 @@
           <a:p>
             <a:fld id="{11C87720-0156-4D51-B23E-EE6DF36ABC98}" type="datetimeFigureOut">
               <a:rPr lang="es-MX" smtClean="0"/>
-              <a:t>07/01/2025</a:t>
+              <a:t>09/01/2025</a:t>
             </a:fld>
             <a:endParaRPr lang="es-MX"/>
           </a:p>
@@ -685,7 +687,7 @@
           <a:p>
             <a:fld id="{11C87720-0156-4D51-B23E-EE6DF36ABC98}" type="datetimeFigureOut">
               <a:rPr lang="es-MX" smtClean="0"/>
-              <a:t>07/01/2025</a:t>
+              <a:t>09/01/2025</a:t>
             </a:fld>
             <a:endParaRPr lang="es-MX"/>
           </a:p>
@@ -885,7 +887,7 @@
           <a:p>
             <a:fld id="{11C87720-0156-4D51-B23E-EE6DF36ABC98}" type="datetimeFigureOut">
               <a:rPr lang="es-MX" smtClean="0"/>
-              <a:t>07/01/2025</a:t>
+              <a:t>09/01/2025</a:t>
             </a:fld>
             <a:endParaRPr lang="es-MX"/>
           </a:p>
@@ -1161,7 +1163,7 @@
           <a:p>
             <a:fld id="{11C87720-0156-4D51-B23E-EE6DF36ABC98}" type="datetimeFigureOut">
               <a:rPr lang="es-MX" smtClean="0"/>
-              <a:t>07/01/2025</a:t>
+              <a:t>09/01/2025</a:t>
             </a:fld>
             <a:endParaRPr lang="es-MX"/>
           </a:p>
@@ -1429,7 +1431,7 @@
           <a:p>
             <a:fld id="{11C87720-0156-4D51-B23E-EE6DF36ABC98}" type="datetimeFigureOut">
               <a:rPr lang="es-MX" smtClean="0"/>
-              <a:t>07/01/2025</a:t>
+              <a:t>09/01/2025</a:t>
             </a:fld>
             <a:endParaRPr lang="es-MX"/>
           </a:p>
@@ -1844,7 +1846,7 @@
           <a:p>
             <a:fld id="{11C87720-0156-4D51-B23E-EE6DF36ABC98}" type="datetimeFigureOut">
               <a:rPr lang="es-MX" smtClean="0"/>
-              <a:t>07/01/2025</a:t>
+              <a:t>09/01/2025</a:t>
             </a:fld>
             <a:endParaRPr lang="es-MX"/>
           </a:p>
@@ -1986,7 +1988,7 @@
           <a:p>
             <a:fld id="{11C87720-0156-4D51-B23E-EE6DF36ABC98}" type="datetimeFigureOut">
               <a:rPr lang="es-MX" smtClean="0"/>
-              <a:t>07/01/2025</a:t>
+              <a:t>09/01/2025</a:t>
             </a:fld>
             <a:endParaRPr lang="es-MX"/>
           </a:p>
@@ -2099,7 +2101,7 @@
           <a:p>
             <a:fld id="{11C87720-0156-4D51-B23E-EE6DF36ABC98}" type="datetimeFigureOut">
               <a:rPr lang="es-MX" smtClean="0"/>
-              <a:t>07/01/2025</a:t>
+              <a:t>09/01/2025</a:t>
             </a:fld>
             <a:endParaRPr lang="es-MX"/>
           </a:p>
@@ -2412,7 +2414,7 @@
           <a:p>
             <a:fld id="{11C87720-0156-4D51-B23E-EE6DF36ABC98}" type="datetimeFigureOut">
               <a:rPr lang="es-MX" smtClean="0"/>
-              <a:t>07/01/2025</a:t>
+              <a:t>09/01/2025</a:t>
             </a:fld>
             <a:endParaRPr lang="es-MX"/>
           </a:p>
@@ -2701,7 +2703,7 @@
           <a:p>
             <a:fld id="{11C87720-0156-4D51-B23E-EE6DF36ABC98}" type="datetimeFigureOut">
               <a:rPr lang="es-MX" smtClean="0"/>
-              <a:t>07/01/2025</a:t>
+              <a:t>09/01/2025</a:t>
             </a:fld>
             <a:endParaRPr lang="es-MX"/>
           </a:p>
@@ -2944,7 +2946,7 @@
           <a:p>
             <a:fld id="{11C87720-0156-4D51-B23E-EE6DF36ABC98}" type="datetimeFigureOut">
               <a:rPr lang="es-MX" smtClean="0"/>
-              <a:t>07/01/2025</a:t>
+              <a:t>09/01/2025</a:t>
             </a:fld>
             <a:endParaRPr lang="es-MX"/>
           </a:p>
@@ -5027,10 +5029,1082 @@
       </p:grpSpPr>
       <p:sp>
         <p:nvSpPr>
+          <p:cNvPr id="4" name="CuadroTexto 3">
+            <a:extLst>
+              <a:ext uri="{FF2B5EF4-FFF2-40B4-BE49-F238E27FC236}">
+                <a16:creationId xmlns:a16="http://schemas.microsoft.com/office/drawing/2014/main" id="{B5D10239-808D-ACAB-DD24-E637A116C813}"/>
+              </a:ext>
+            </a:extLst>
+          </p:cNvPr>
+          <p:cNvSpPr txBox="1"/>
+          <p:nvPr/>
+        </p:nvSpPr>
+        <p:spPr>
+          <a:xfrm>
+            <a:off x="255495" y="510988"/>
+            <a:ext cx="3617259" cy="5632311"/>
+          </a:xfrm>
+          <a:prstGeom prst="rect">
+            <a:avLst/>
+          </a:prstGeom>
+          <a:noFill/>
+        </p:spPr>
+        <p:txBody>
+          <a:bodyPr wrap="square" rtlCol="0">
+            <a:spAutoFit/>
+          </a:bodyPr>
+          <a:lstStyle/>
+          <a:p>
+            <a:pPr marL="285750" indent="-285750">
+              <a:buFont typeface="Arial" panose="020B0604020202020204" pitchFamily="34" charset="0"/>
+              <a:buChar char="•"/>
+            </a:pPr>
+            <a:r>
+              <a:rPr lang="es-MX" sz="2000" b="1" dirty="0" err="1">
+                <a:solidFill>
+                  <a:schemeClr val="accent1">
+                    <a:lumMod val="75000"/>
+                  </a:schemeClr>
+                </a:solidFill>
+              </a:rPr>
+              <a:t>Rename</a:t>
+            </a:r>
+            <a:r>
+              <a:rPr lang="es-MX" sz="2000" b="1" dirty="0">
+                <a:solidFill>
+                  <a:schemeClr val="accent1">
+                    <a:lumMod val="75000"/>
+                  </a:schemeClr>
+                </a:solidFill>
+              </a:rPr>
+              <a:t>()</a:t>
+            </a:r>
+          </a:p>
+          <a:p>
+            <a:pPr marL="285750" indent="-285750">
+              <a:buFont typeface="Arial" panose="020B0604020202020204" pitchFamily="34" charset="0"/>
+              <a:buChar char="•"/>
+            </a:pPr>
+            <a:r>
+              <a:rPr lang="es-MX" sz="2000" b="1" dirty="0" err="1">
+                <a:solidFill>
+                  <a:schemeClr val="accent1">
+                    <a:lumMod val="75000"/>
+                  </a:schemeClr>
+                </a:solidFill>
+              </a:rPr>
+              <a:t>Rename_with</a:t>
+            </a:r>
+            <a:r>
+              <a:rPr lang="es-MX" sz="2000" b="1" dirty="0">
+                <a:solidFill>
+                  <a:schemeClr val="accent1">
+                    <a:lumMod val="75000"/>
+                  </a:schemeClr>
+                </a:solidFill>
+              </a:rPr>
+              <a:t>()</a:t>
+            </a:r>
+          </a:p>
+          <a:p>
+            <a:pPr marL="285750" indent="-285750">
+              <a:buFont typeface="Arial" panose="020B0604020202020204" pitchFamily="34" charset="0"/>
+              <a:buChar char="•"/>
+            </a:pPr>
+            <a:r>
+              <a:rPr lang="es-MX" sz="2000" b="1" dirty="0" err="1">
+                <a:solidFill>
+                  <a:schemeClr val="accent1">
+                    <a:lumMod val="75000"/>
+                  </a:schemeClr>
+                </a:solidFill>
+              </a:rPr>
+              <a:t>Select</a:t>
+            </a:r>
+            <a:r>
+              <a:rPr lang="es-MX" sz="2000" b="1" dirty="0">
+                <a:solidFill>
+                  <a:schemeClr val="accent1">
+                    <a:lumMod val="75000"/>
+                  </a:schemeClr>
+                </a:solidFill>
+              </a:rPr>
+              <a:t>()</a:t>
+            </a:r>
+          </a:p>
+          <a:p>
+            <a:pPr marL="285750" indent="-285750">
+              <a:buFont typeface="Arial" panose="020B0604020202020204" pitchFamily="34" charset="0"/>
+              <a:buChar char="•"/>
+            </a:pPr>
+            <a:r>
+              <a:rPr lang="es-MX" sz="2000" b="1" dirty="0" err="1">
+                <a:solidFill>
+                  <a:schemeClr val="accent1">
+                    <a:lumMod val="75000"/>
+                  </a:schemeClr>
+                </a:solidFill>
+              </a:rPr>
+              <a:t>Glimpse</a:t>
+            </a:r>
+            <a:r>
+              <a:rPr lang="es-MX" sz="2000" b="1" dirty="0">
+                <a:solidFill>
+                  <a:schemeClr val="accent1">
+                    <a:lumMod val="75000"/>
+                  </a:schemeClr>
+                </a:solidFill>
+              </a:rPr>
+              <a:t>()</a:t>
+            </a:r>
+          </a:p>
+          <a:p>
+            <a:pPr marL="285750" indent="-285750">
+              <a:buFont typeface="Arial" panose="020B0604020202020204" pitchFamily="34" charset="0"/>
+              <a:buChar char="•"/>
+            </a:pPr>
+            <a:r>
+              <a:rPr lang="es-MX" sz="2000" b="1" dirty="0" err="1">
+                <a:solidFill>
+                  <a:schemeClr val="accent1">
+                    <a:lumMod val="75000"/>
+                  </a:schemeClr>
+                </a:solidFill>
+              </a:rPr>
+              <a:t>Skim_without_charts</a:t>
+            </a:r>
+            <a:endParaRPr lang="es-MX" sz="2000" b="1" dirty="0">
+              <a:solidFill>
+                <a:schemeClr val="accent1">
+                  <a:lumMod val="75000"/>
+                </a:schemeClr>
+              </a:solidFill>
+            </a:endParaRPr>
+          </a:p>
+          <a:p>
+            <a:pPr marL="285750" indent="-285750">
+              <a:buFont typeface="Arial" panose="020B0604020202020204" pitchFamily="34" charset="0"/>
+              <a:buChar char="•"/>
+            </a:pPr>
+            <a:r>
+              <a:rPr lang="es-MX" sz="2000" b="1" dirty="0" err="1">
+                <a:solidFill>
+                  <a:schemeClr val="accent1">
+                    <a:lumMod val="75000"/>
+                  </a:schemeClr>
+                </a:solidFill>
+              </a:rPr>
+              <a:t>Clean_names</a:t>
+            </a:r>
+            <a:r>
+              <a:rPr lang="es-MX" sz="2000" b="1" dirty="0">
+                <a:solidFill>
+                  <a:schemeClr val="accent1">
+                    <a:lumMod val="75000"/>
+                  </a:schemeClr>
+                </a:solidFill>
+              </a:rPr>
+              <a:t>()</a:t>
+            </a:r>
+          </a:p>
+          <a:p>
+            <a:pPr marL="285750" indent="-285750">
+              <a:buFont typeface="Arial" panose="020B0604020202020204" pitchFamily="34" charset="0"/>
+              <a:buChar char="•"/>
+            </a:pPr>
+            <a:r>
+              <a:rPr lang="es-MX" sz="2000" b="1" dirty="0" err="1">
+                <a:solidFill>
+                  <a:schemeClr val="accent1">
+                    <a:lumMod val="75000"/>
+                  </a:schemeClr>
+                </a:solidFill>
+              </a:rPr>
+              <a:t>Arrange</a:t>
+            </a:r>
+            <a:r>
+              <a:rPr lang="es-MX" sz="2000" b="1" dirty="0">
+                <a:solidFill>
+                  <a:schemeClr val="accent1">
+                    <a:lumMod val="75000"/>
+                  </a:schemeClr>
+                </a:solidFill>
+              </a:rPr>
+              <a:t>()</a:t>
+            </a:r>
+          </a:p>
+          <a:p>
+            <a:pPr marL="285750" indent="-285750">
+              <a:buFont typeface="Arial" panose="020B0604020202020204" pitchFamily="34" charset="0"/>
+              <a:buChar char="•"/>
+            </a:pPr>
+            <a:r>
+              <a:rPr lang="es-MX" sz="2000" b="1" dirty="0" err="1">
+                <a:solidFill>
+                  <a:schemeClr val="accent1">
+                    <a:lumMod val="75000"/>
+                  </a:schemeClr>
+                </a:solidFill>
+              </a:rPr>
+              <a:t>Filter</a:t>
+            </a:r>
+            <a:r>
+              <a:rPr lang="es-MX" sz="2000" b="1" dirty="0">
+                <a:solidFill>
+                  <a:schemeClr val="accent1">
+                    <a:lumMod val="75000"/>
+                  </a:schemeClr>
+                </a:solidFill>
+              </a:rPr>
+              <a:t>()</a:t>
+            </a:r>
+          </a:p>
+          <a:p>
+            <a:pPr marL="285750" indent="-285750">
+              <a:buFont typeface="Arial" panose="020B0604020202020204" pitchFamily="34" charset="0"/>
+              <a:buChar char="•"/>
+            </a:pPr>
+            <a:r>
+              <a:rPr lang="es-MX" sz="2000" b="1" dirty="0" err="1">
+                <a:solidFill>
+                  <a:schemeClr val="accent1">
+                    <a:lumMod val="75000"/>
+                  </a:schemeClr>
+                </a:solidFill>
+              </a:rPr>
+              <a:t>Summarize</a:t>
+            </a:r>
+            <a:r>
+              <a:rPr lang="es-MX" sz="2000" b="1" dirty="0">
+                <a:solidFill>
+                  <a:schemeClr val="accent1">
+                    <a:lumMod val="75000"/>
+                  </a:schemeClr>
+                </a:solidFill>
+              </a:rPr>
+              <a:t>()</a:t>
+            </a:r>
+          </a:p>
+          <a:p>
+            <a:pPr marL="285750" indent="-285750">
+              <a:buFont typeface="Arial" panose="020B0604020202020204" pitchFamily="34" charset="0"/>
+              <a:buChar char="•"/>
+            </a:pPr>
+            <a:r>
+              <a:rPr lang="es-MX" sz="2000" b="1" dirty="0" err="1">
+                <a:solidFill>
+                  <a:schemeClr val="accent1">
+                    <a:lumMod val="75000"/>
+                  </a:schemeClr>
+                </a:solidFill>
+              </a:rPr>
+              <a:t>Group_by</a:t>
+            </a:r>
+            <a:r>
+              <a:rPr lang="es-MX" sz="2000" b="1" dirty="0">
+                <a:solidFill>
+                  <a:schemeClr val="accent1">
+                    <a:lumMod val="75000"/>
+                  </a:schemeClr>
+                </a:solidFill>
+              </a:rPr>
+              <a:t>()</a:t>
+            </a:r>
+          </a:p>
+          <a:p>
+            <a:pPr marL="285750" indent="-285750">
+              <a:buFont typeface="Arial" panose="020B0604020202020204" pitchFamily="34" charset="0"/>
+              <a:buChar char="•"/>
+            </a:pPr>
+            <a:r>
+              <a:rPr lang="es-MX" sz="2000" b="1" dirty="0">
+                <a:solidFill>
+                  <a:schemeClr val="accent1">
+                    <a:lumMod val="75000"/>
+                  </a:schemeClr>
+                </a:solidFill>
+              </a:rPr>
+              <a:t>Max()</a:t>
+            </a:r>
+          </a:p>
+          <a:p>
+            <a:pPr marL="285750" indent="-285750">
+              <a:buFont typeface="Arial" panose="020B0604020202020204" pitchFamily="34" charset="0"/>
+              <a:buChar char="•"/>
+            </a:pPr>
+            <a:r>
+              <a:rPr lang="es-MX" sz="2000" b="1" dirty="0">
+                <a:solidFill>
+                  <a:schemeClr val="accent1">
+                    <a:lumMod val="75000"/>
+                  </a:schemeClr>
+                </a:solidFill>
+              </a:rPr>
+              <a:t>Min()</a:t>
+            </a:r>
+          </a:p>
+          <a:p>
+            <a:pPr marL="285750" indent="-285750">
+              <a:buFont typeface="Arial" panose="020B0604020202020204" pitchFamily="34" charset="0"/>
+              <a:buChar char="•"/>
+            </a:pPr>
+            <a:r>
+              <a:rPr lang="es-MX" sz="2000" b="1" dirty="0" err="1">
+                <a:solidFill>
+                  <a:schemeClr val="accent1">
+                    <a:lumMod val="75000"/>
+                  </a:schemeClr>
+                </a:solidFill>
+              </a:rPr>
+              <a:t>Drop_na</a:t>
+            </a:r>
+            <a:r>
+              <a:rPr lang="es-MX" sz="2000" b="1" dirty="0">
+                <a:solidFill>
+                  <a:schemeClr val="accent1">
+                    <a:lumMod val="75000"/>
+                  </a:schemeClr>
+                </a:solidFill>
+              </a:rPr>
+              <a:t>()</a:t>
+            </a:r>
+          </a:p>
+          <a:p>
+            <a:pPr marL="285750" indent="-285750">
+              <a:buFont typeface="Arial" panose="020B0604020202020204" pitchFamily="34" charset="0"/>
+              <a:buChar char="•"/>
+            </a:pPr>
+            <a:r>
+              <a:rPr lang="es-MX" sz="2000" b="1" dirty="0">
+                <a:solidFill>
+                  <a:schemeClr val="accent1">
+                    <a:lumMod val="75000"/>
+                  </a:schemeClr>
+                </a:solidFill>
+              </a:rPr>
+              <a:t>Mean()</a:t>
+            </a:r>
+          </a:p>
+          <a:p>
+            <a:pPr marL="285750" indent="-285750">
+              <a:buFont typeface="Arial" panose="020B0604020202020204" pitchFamily="34" charset="0"/>
+              <a:buChar char="•"/>
+            </a:pPr>
+            <a:r>
+              <a:rPr lang="es-MX" sz="2000" b="1" dirty="0" err="1">
+                <a:solidFill>
+                  <a:schemeClr val="accent1">
+                    <a:lumMod val="75000"/>
+                  </a:schemeClr>
+                </a:solidFill>
+              </a:rPr>
+              <a:t>Separate</a:t>
+            </a:r>
+            <a:r>
+              <a:rPr lang="es-MX" sz="2000" b="1" dirty="0">
+                <a:solidFill>
+                  <a:schemeClr val="accent1">
+                    <a:lumMod val="75000"/>
+                  </a:schemeClr>
+                </a:solidFill>
+              </a:rPr>
+              <a:t>()</a:t>
+            </a:r>
+          </a:p>
+          <a:p>
+            <a:pPr marL="285750" indent="-285750">
+              <a:buFont typeface="Arial" panose="020B0604020202020204" pitchFamily="34" charset="0"/>
+              <a:buChar char="•"/>
+            </a:pPr>
+            <a:r>
+              <a:rPr lang="es-MX" sz="2000" b="1" dirty="0" err="1">
+                <a:solidFill>
+                  <a:schemeClr val="accent1">
+                    <a:lumMod val="75000"/>
+                  </a:schemeClr>
+                </a:solidFill>
+              </a:rPr>
+              <a:t>Unite</a:t>
+            </a:r>
+            <a:r>
+              <a:rPr lang="es-MX" sz="2000" b="1" dirty="0">
+                <a:solidFill>
+                  <a:schemeClr val="accent1">
+                    <a:lumMod val="75000"/>
+                  </a:schemeClr>
+                </a:solidFill>
+              </a:rPr>
+              <a:t>()</a:t>
+            </a:r>
+          </a:p>
+          <a:p>
+            <a:pPr marL="285750" indent="-285750">
+              <a:buFont typeface="Arial" panose="020B0604020202020204" pitchFamily="34" charset="0"/>
+              <a:buChar char="•"/>
+            </a:pPr>
+            <a:r>
+              <a:rPr lang="es-MX" sz="2000" b="1" dirty="0" err="1">
+                <a:solidFill>
+                  <a:schemeClr val="accent1">
+                    <a:lumMod val="75000"/>
+                  </a:schemeClr>
+                </a:solidFill>
+              </a:rPr>
+              <a:t>Mutate</a:t>
+            </a:r>
+            <a:r>
+              <a:rPr lang="es-MX" sz="2000" b="1" dirty="0">
+                <a:solidFill>
+                  <a:schemeClr val="accent1">
+                    <a:lumMod val="75000"/>
+                  </a:schemeClr>
+                </a:solidFill>
+              </a:rPr>
+              <a:t>()</a:t>
+            </a:r>
+          </a:p>
+          <a:p>
+            <a:pPr marL="285750" indent="-285750">
+              <a:buFont typeface="Arial" panose="020B0604020202020204" pitchFamily="34" charset="0"/>
+              <a:buChar char="•"/>
+            </a:pPr>
+            <a:endParaRPr lang="es-MX" sz="2000" b="1" dirty="0">
+              <a:solidFill>
+                <a:schemeClr val="accent1">
+                  <a:lumMod val="75000"/>
+                </a:schemeClr>
+              </a:solidFill>
+            </a:endParaRPr>
+          </a:p>
+        </p:txBody>
+      </p:sp>
+      <p:sp>
+        <p:nvSpPr>
+          <p:cNvPr id="5" name="CuadroTexto 4">
+            <a:extLst>
+              <a:ext uri="{FF2B5EF4-FFF2-40B4-BE49-F238E27FC236}">
+                <a16:creationId xmlns:a16="http://schemas.microsoft.com/office/drawing/2014/main" id="{1F595A73-CBCD-BE73-1438-61F40CCF97D6}"/>
+              </a:ext>
+            </a:extLst>
+          </p:cNvPr>
+          <p:cNvSpPr txBox="1"/>
+          <p:nvPr/>
+        </p:nvSpPr>
+        <p:spPr>
+          <a:xfrm>
+            <a:off x="2400299" y="572543"/>
+            <a:ext cx="8742830" cy="5693866"/>
+          </a:xfrm>
+          <a:prstGeom prst="rect">
+            <a:avLst/>
+          </a:prstGeom>
+          <a:noFill/>
+        </p:spPr>
+        <p:txBody>
+          <a:bodyPr wrap="square" rtlCol="0">
+            <a:spAutoFit/>
+          </a:bodyPr>
+          <a:lstStyle/>
+          <a:p>
+            <a:r>
+              <a:rPr lang="es-MX" sz="2000" dirty="0"/>
+              <a:t>Sirve para cambiar el nombre de una o varias columnas de un </a:t>
+            </a:r>
+            <a:r>
+              <a:rPr lang="es-MX" sz="2000" dirty="0" err="1"/>
+              <a:t>dataframe</a:t>
+            </a:r>
+            <a:r>
+              <a:rPr lang="es-MX" sz="2000" dirty="0"/>
+              <a:t>.</a:t>
+            </a:r>
+            <a:endParaRPr lang="es-MX" sz="2000" b="1" dirty="0">
+              <a:solidFill>
+                <a:schemeClr val="accent1">
+                  <a:lumMod val="75000"/>
+                </a:schemeClr>
+              </a:solidFill>
+            </a:endParaRPr>
+          </a:p>
+          <a:p>
+            <a:r>
+              <a:rPr lang="es-MX" dirty="0"/>
+              <a:t>Cambia los nombres de las columnas de acuerdo con una función aplicada a ellos.</a:t>
+            </a:r>
+          </a:p>
+          <a:p>
+            <a:r>
+              <a:rPr lang="es-MX" sz="2000" dirty="0"/>
+              <a:t>Se utiliza para seleccionar columnas de un </a:t>
+            </a:r>
+            <a:r>
+              <a:rPr lang="es-MX" sz="2000" dirty="0" err="1"/>
+              <a:t>dataframe</a:t>
+            </a:r>
+            <a:r>
+              <a:rPr lang="es-MX" sz="2000" dirty="0"/>
+              <a:t>.</a:t>
+            </a:r>
+            <a:endParaRPr lang="es-MX" sz="2000" b="1" dirty="0">
+              <a:solidFill>
+                <a:schemeClr val="accent1">
+                  <a:lumMod val="75000"/>
+                </a:schemeClr>
+              </a:solidFill>
+            </a:endParaRPr>
+          </a:p>
+          <a:p>
+            <a:r>
+              <a:rPr lang="es-MX" sz="2000" dirty="0"/>
+              <a:t>Muestra una vista rápida de un </a:t>
+            </a:r>
+            <a:r>
+              <a:rPr lang="es-MX" sz="2000" dirty="0" err="1"/>
+              <a:t>dataframe</a:t>
+            </a:r>
+            <a:endParaRPr lang="es-MX" sz="2000" b="1" dirty="0">
+              <a:solidFill>
+                <a:schemeClr val="accent1">
+                  <a:lumMod val="75000"/>
+                </a:schemeClr>
+              </a:solidFill>
+            </a:endParaRPr>
+          </a:p>
+          <a:p>
+            <a:r>
+              <a:rPr lang="es-MX" sz="1600" dirty="0"/>
+              <a:t>	</a:t>
+            </a:r>
+            <a:r>
+              <a:rPr lang="es-MX" dirty="0"/>
+              <a:t>Proporciona un resumen de un </a:t>
+            </a:r>
+            <a:r>
+              <a:rPr lang="es-MX" dirty="0" err="1"/>
+              <a:t>dataframe</a:t>
+            </a:r>
+            <a:r>
+              <a:rPr lang="es-MX" dirty="0"/>
+              <a:t> sin los gráficos (est, descriptiva)</a:t>
+            </a:r>
+            <a:endParaRPr lang="es-MX" sz="1600" dirty="0"/>
+          </a:p>
+          <a:p>
+            <a:r>
+              <a:rPr lang="es-MX" sz="2000" dirty="0"/>
+              <a:t>Limpia los nombres de las columnas para hacerlas más legibles</a:t>
+            </a:r>
+          </a:p>
+          <a:p>
+            <a:r>
+              <a:rPr lang="es-MX" sz="2000" dirty="0"/>
+              <a:t>Ordena las filas de un </a:t>
+            </a:r>
+            <a:r>
+              <a:rPr lang="es-MX" sz="2000" dirty="0" err="1"/>
+              <a:t>dataframe</a:t>
+            </a:r>
+            <a:r>
+              <a:rPr lang="es-MX" sz="2000" dirty="0"/>
+              <a:t> según las columnas indicadas.</a:t>
+            </a:r>
+          </a:p>
+          <a:p>
+            <a:r>
+              <a:rPr lang="es-MX" sz="2000" dirty="0"/>
+              <a:t>Filtra las filas de un </a:t>
+            </a:r>
+            <a:r>
+              <a:rPr lang="es-MX" sz="2000" dirty="0" err="1"/>
+              <a:t>dataframe</a:t>
+            </a:r>
+            <a:r>
+              <a:rPr lang="es-MX" sz="2000" dirty="0"/>
+              <a:t> según una condición dada.</a:t>
+            </a:r>
+            <a:endParaRPr lang="es-MX" sz="2000" b="1" dirty="0">
+              <a:solidFill>
+                <a:schemeClr val="accent1">
+                  <a:lumMod val="75000"/>
+                </a:schemeClr>
+              </a:solidFill>
+            </a:endParaRPr>
+          </a:p>
+          <a:p>
+            <a:r>
+              <a:rPr lang="es-MX" sz="2000" dirty="0"/>
+              <a:t>Resume el </a:t>
+            </a:r>
+            <a:r>
+              <a:rPr lang="es-MX" sz="2000" dirty="0" err="1"/>
+              <a:t>dataframe</a:t>
+            </a:r>
+            <a:r>
+              <a:rPr lang="es-MX" sz="2000" dirty="0"/>
+              <a:t> aplicando funciones agregadas a las columnas.</a:t>
+            </a:r>
+          </a:p>
+          <a:p>
+            <a:r>
+              <a:rPr lang="es-MX" sz="1600" dirty="0"/>
+              <a:t>Agrupa las filas por una o varias columnas para realizar operaciones posteriores en cada grupo.</a:t>
+            </a:r>
+          </a:p>
+          <a:p>
+            <a:r>
+              <a:rPr lang="es-MX" sz="2000" dirty="0"/>
+              <a:t>Devuelve el valor máximo de un vector o columna.</a:t>
+            </a:r>
+          </a:p>
+          <a:p>
+            <a:r>
+              <a:rPr lang="es-MX" sz="2000" dirty="0"/>
+              <a:t>Devuelve el valor </a:t>
+            </a:r>
+            <a:r>
+              <a:rPr lang="es-MX" sz="2000" dirty="0" err="1"/>
+              <a:t>minimo</a:t>
+            </a:r>
+            <a:r>
+              <a:rPr lang="es-MX" sz="2000" dirty="0"/>
+              <a:t> de un vector o columna.</a:t>
+            </a:r>
+          </a:p>
+          <a:p>
+            <a:r>
+              <a:rPr lang="es-MX" sz="2000" dirty="0"/>
+              <a:t>Elimina las filas con valores NA de un </a:t>
+            </a:r>
+            <a:r>
+              <a:rPr lang="es-MX" sz="2000" dirty="0" err="1"/>
+              <a:t>dataframe</a:t>
+            </a:r>
+            <a:endParaRPr lang="es-MX" sz="2000" b="1" dirty="0">
+              <a:solidFill>
+                <a:schemeClr val="accent1">
+                  <a:lumMod val="75000"/>
+                </a:schemeClr>
+              </a:solidFill>
+            </a:endParaRPr>
+          </a:p>
+          <a:p>
+            <a:r>
+              <a:rPr lang="es-MX" sz="2000" dirty="0"/>
+              <a:t>Calcula la media de un vector o columna.</a:t>
+            </a:r>
+          </a:p>
+          <a:p>
+            <a:r>
+              <a:rPr lang="es-MX" sz="2000" dirty="0"/>
+              <a:t>Divide una columna en varias basadas en un delimitador.</a:t>
+            </a:r>
+          </a:p>
+          <a:p>
+            <a:r>
+              <a:rPr lang="es-MX" sz="2000" dirty="0"/>
+              <a:t>Combina varias columnas en una sola.</a:t>
+            </a:r>
+          </a:p>
+          <a:p>
+            <a:r>
+              <a:rPr lang="es-MX" sz="2000" dirty="0"/>
+              <a:t>Crea o modifica columnas de un </a:t>
+            </a:r>
+            <a:r>
+              <a:rPr lang="es-MX" sz="2000" dirty="0" err="1"/>
+              <a:t>dataframe</a:t>
+            </a:r>
+            <a:r>
+              <a:rPr lang="es-MX" sz="2000" dirty="0"/>
+              <a:t>.</a:t>
+            </a:r>
+          </a:p>
+          <a:p>
+            <a:endParaRPr lang="es-MX" sz="1600" b="1" dirty="0">
+              <a:solidFill>
+                <a:schemeClr val="accent1">
+                  <a:lumMod val="75000"/>
+                </a:schemeClr>
+              </a:solidFill>
+            </a:endParaRPr>
+          </a:p>
+          <a:p>
+            <a:endParaRPr lang="es-MX" sz="1600" b="1" dirty="0">
+              <a:solidFill>
+                <a:schemeClr val="accent1">
+                  <a:lumMod val="75000"/>
+                </a:schemeClr>
+              </a:solidFill>
+            </a:endParaRPr>
+          </a:p>
+        </p:txBody>
+      </p:sp>
+    </p:spTree>
+    <p:extLst>
+      <p:ext uri="{BB962C8B-B14F-4D97-AF65-F5344CB8AC3E}">
+        <p14:creationId xmlns:p14="http://schemas.microsoft.com/office/powerpoint/2010/main" val="203213361"/>
+      </p:ext>
+    </p:extLst>
+  </p:cSld>
+  <p:clrMapOvr>
+    <a:masterClrMapping/>
+  </p:clrMapOvr>
+</p:sld>
+</file>
+
+<file path=ppt/slides/slide16.xml><?xml version="1.0" encoding="utf-8"?>
+<p:sld xmlns:a="http://schemas.openxmlformats.org/drawingml/2006/main" xmlns:r="http://schemas.openxmlformats.org/officeDocument/2006/relationships" xmlns:p="http://schemas.openxmlformats.org/presentationml/2006/main">
+  <p:cSld>
+    <p:spTree>
+      <p:nvGrpSpPr>
+        <p:cNvPr id="1" name=""/>
+        <p:cNvGrpSpPr/>
+        <p:nvPr/>
+      </p:nvGrpSpPr>
+      <p:grpSpPr>
+        <a:xfrm>
+          <a:off x="0" y="0"/>
+          <a:ext cx="0" cy="0"/>
+          <a:chOff x="0" y="0"/>
+          <a:chExt cx="0" cy="0"/>
+        </a:xfrm>
+      </p:grpSpPr>
+      <p:pic>
+        <p:nvPicPr>
+          <p:cNvPr id="5" name="Imagen 4">
+            <a:extLst>
+              <a:ext uri="{FF2B5EF4-FFF2-40B4-BE49-F238E27FC236}">
+                <a16:creationId xmlns:a16="http://schemas.microsoft.com/office/drawing/2014/main" id="{158E5B55-8B38-DDF7-CA70-2EDDAC20F3C5}"/>
+              </a:ext>
+            </a:extLst>
+          </p:cNvPr>
+          <p:cNvPicPr>
+            <a:picLocks noChangeAspect="1"/>
+          </p:cNvPicPr>
+          <p:nvPr/>
+        </p:nvPicPr>
+        <p:blipFill>
+          <a:blip r:embed="rId2"/>
+          <a:stretch>
+            <a:fillRect/>
+          </a:stretch>
+        </p:blipFill>
+        <p:spPr>
+          <a:xfrm>
+            <a:off x="497077" y="292448"/>
+            <a:ext cx="6105429" cy="1489528"/>
+          </a:xfrm>
+          <a:prstGeom prst="rect">
+            <a:avLst/>
+          </a:prstGeom>
+        </p:spPr>
+      </p:pic>
+      <p:sp>
+        <p:nvSpPr>
+          <p:cNvPr id="6" name="CuadroTexto 5">
+            <a:extLst>
+              <a:ext uri="{FF2B5EF4-FFF2-40B4-BE49-F238E27FC236}">
+                <a16:creationId xmlns:a16="http://schemas.microsoft.com/office/drawing/2014/main" id="{F56EC458-2ACB-0CEA-95C9-DAB1802DFADA}"/>
+              </a:ext>
+            </a:extLst>
+          </p:cNvPr>
+          <p:cNvSpPr txBox="1"/>
+          <p:nvPr/>
+        </p:nvSpPr>
+        <p:spPr>
+          <a:xfrm>
+            <a:off x="7167282" y="822442"/>
+            <a:ext cx="4693023" cy="1477328"/>
+          </a:xfrm>
+          <a:prstGeom prst="rect">
+            <a:avLst/>
+          </a:prstGeom>
+          <a:noFill/>
+        </p:spPr>
+        <p:txBody>
+          <a:bodyPr wrap="square" rtlCol="0">
+            <a:spAutoFit/>
+          </a:bodyPr>
+          <a:lstStyle/>
+          <a:p>
+            <a:r>
+              <a:rPr lang="en-US" dirty="0" err="1"/>
+              <a:t>install.packages</a:t>
+            </a:r>
+            <a:r>
+              <a:rPr lang="en-US" dirty="0"/>
+              <a:t>('</a:t>
+            </a:r>
+            <a:r>
+              <a:rPr lang="en-US" dirty="0" err="1"/>
+              <a:t>SimDesign</a:t>
+            </a:r>
+            <a:r>
+              <a:rPr lang="en-US" dirty="0"/>
+              <a:t>’)</a:t>
+            </a:r>
+          </a:p>
+          <a:p>
+            <a:r>
+              <a:rPr lang="en-US" dirty="0"/>
+              <a:t>library(</a:t>
+            </a:r>
+            <a:r>
+              <a:rPr lang="en-US" dirty="0" err="1"/>
+              <a:t>SimDesign</a:t>
+            </a:r>
+            <a:r>
+              <a:rPr lang="en-US" dirty="0"/>
+              <a:t>)</a:t>
+            </a:r>
+          </a:p>
+          <a:p>
+            <a:r>
+              <a:rPr lang="en-US" dirty="0" err="1"/>
+              <a:t>actual_temp</a:t>
+            </a:r>
+            <a:r>
+              <a:rPr lang="en-US" dirty="0"/>
+              <a:t>&lt;-c(68.3,70, 72.4, 71, 67, 70)</a:t>
+            </a:r>
+          </a:p>
+          <a:p>
+            <a:r>
+              <a:rPr lang="en-US" dirty="0" err="1"/>
+              <a:t>predicted_temp</a:t>
+            </a:r>
+            <a:r>
+              <a:rPr lang="en-US" dirty="0"/>
+              <a:t>&lt;-c(67.9, 69, 71.5, 70, 67, 69)</a:t>
+            </a:r>
+          </a:p>
+          <a:p>
+            <a:r>
+              <a:rPr lang="en-US" dirty="0"/>
+              <a:t>bias(</a:t>
+            </a:r>
+            <a:r>
+              <a:rPr lang="en-US" dirty="0" err="1"/>
+              <a:t>actual_temp</a:t>
+            </a:r>
+            <a:r>
+              <a:rPr lang="en-US" dirty="0"/>
+              <a:t>, </a:t>
+            </a:r>
+            <a:r>
+              <a:rPr lang="en-US" dirty="0" err="1"/>
+              <a:t>predicted_temp</a:t>
+            </a:r>
+            <a:r>
+              <a:rPr lang="en-US" dirty="0"/>
+              <a:t>)</a:t>
+            </a:r>
+            <a:endParaRPr lang="es-MX" dirty="0"/>
+          </a:p>
+        </p:txBody>
+      </p:sp>
+      <p:sp>
+        <p:nvSpPr>
+          <p:cNvPr id="7" name="CuadroTexto 6">
+            <a:extLst>
+              <a:ext uri="{FF2B5EF4-FFF2-40B4-BE49-F238E27FC236}">
+                <a16:creationId xmlns:a16="http://schemas.microsoft.com/office/drawing/2014/main" id="{E04828AD-F0FC-D70A-3821-93F7E36BD04B}"/>
+              </a:ext>
+            </a:extLst>
+          </p:cNvPr>
+          <p:cNvSpPr txBox="1"/>
+          <p:nvPr/>
+        </p:nvSpPr>
+        <p:spPr>
+          <a:xfrm>
+            <a:off x="497077" y="2137616"/>
+            <a:ext cx="6481947" cy="1200329"/>
+          </a:xfrm>
+          <a:prstGeom prst="rect">
+            <a:avLst/>
+          </a:prstGeom>
+          <a:noFill/>
+        </p:spPr>
+        <p:txBody>
+          <a:bodyPr wrap="square" rtlCol="0">
+            <a:spAutoFit/>
+          </a:bodyPr>
+          <a:lstStyle/>
+          <a:p>
+            <a:pPr algn="just"/>
+            <a:r>
+              <a:rPr lang="es-MX" b="0" i="0" dirty="0">
+                <a:solidFill>
+                  <a:srgbClr val="1F1F1F"/>
+                </a:solidFill>
+                <a:effectLst/>
+                <a:latin typeface="Source Sans Pro" panose="020B0503030403020204" pitchFamily="34" charset="0"/>
+              </a:rPr>
+              <a:t>Todo analista de datos encontrará un elemento de sesgo en algún momento del proceso de análisis de datos. Por eso es tan importante saber cómo identificar y gestionar los datos sesgados siempre que sea posible. </a:t>
+            </a:r>
+            <a:endParaRPr lang="es-MX" dirty="0"/>
+          </a:p>
+        </p:txBody>
+      </p:sp>
+      <p:sp>
+        <p:nvSpPr>
+          <p:cNvPr id="8" name="CuadroTexto 7">
+            <a:extLst>
+              <a:ext uri="{FF2B5EF4-FFF2-40B4-BE49-F238E27FC236}">
+                <a16:creationId xmlns:a16="http://schemas.microsoft.com/office/drawing/2014/main" id="{5DFD9AFA-59F8-9C79-9CE4-974551F946FC}"/>
+              </a:ext>
+            </a:extLst>
+          </p:cNvPr>
+          <p:cNvSpPr txBox="1"/>
+          <p:nvPr/>
+        </p:nvSpPr>
+        <p:spPr>
+          <a:xfrm>
+            <a:off x="497077" y="3975973"/>
+            <a:ext cx="11053947" cy="2400657"/>
+          </a:xfrm>
+          <a:prstGeom prst="rect">
+            <a:avLst/>
+          </a:prstGeom>
+          <a:noFill/>
+        </p:spPr>
+        <p:txBody>
+          <a:bodyPr wrap="square" rtlCol="0">
+            <a:spAutoFit/>
+          </a:bodyPr>
+          <a:lstStyle/>
+          <a:p>
+            <a:pPr algn="just"/>
+            <a:r>
+              <a:rPr lang="es-MX" b="0" i="0" dirty="0">
+                <a:solidFill>
+                  <a:srgbClr val="1F1F1F"/>
+                </a:solidFill>
+                <a:effectLst/>
+                <a:latin typeface="var(--cds-font-family-source-sans-pro)"/>
+              </a:rPr>
+              <a:t>La función </a:t>
+            </a:r>
+            <a:r>
+              <a:rPr lang="es-MX" b="0" i="0" dirty="0" err="1">
+                <a:solidFill>
+                  <a:srgbClr val="1F1F1F"/>
+                </a:solidFill>
+                <a:effectLst/>
+                <a:latin typeface="var(--cds-font-family-source-sans-pro)"/>
+              </a:rPr>
+              <a:t>sample</a:t>
+            </a:r>
+            <a:r>
+              <a:rPr lang="es-MX" b="0" i="0" dirty="0">
+                <a:solidFill>
+                  <a:srgbClr val="1F1F1F"/>
+                </a:solidFill>
+                <a:effectLst/>
+                <a:latin typeface="var(--cds-font-family-source-sans-pro)"/>
+              </a:rPr>
+              <a:t>() es solo una de las muchas funciones y métodos en R que puedes usar para abordar el sesgo de tus datos. Dependiendo del tipo de análisis que estés realizando, es posible que tengas que incorporar algunos procesos avanzados en tu programación. </a:t>
+            </a:r>
+          </a:p>
+          <a:p>
+            <a:pPr algn="just"/>
+            <a:endParaRPr lang="es-MX" sz="1600" u="sng" dirty="0">
+              <a:solidFill>
+                <a:srgbClr val="1F1F1F"/>
+              </a:solidFill>
+              <a:latin typeface="var(--cds-font-family-source-sans-pro)"/>
+              <a:hlinkClick r:id="rId3"/>
+            </a:endParaRPr>
+          </a:p>
+          <a:p>
+            <a:pPr algn="just"/>
+            <a:r>
+              <a:rPr lang="es-MX" sz="1600" b="1" i="0" u="sng" dirty="0">
+                <a:solidFill>
+                  <a:srgbClr val="1F1F1F"/>
+                </a:solidFill>
+                <a:effectLst/>
+                <a:latin typeface="unset"/>
+                <a:hlinkClick r:id="rId3"/>
+              </a:rPr>
+              <a:t>Función de sesgo:</a:t>
+            </a:r>
+            <a:r>
+              <a:rPr lang="es-MX" sz="1600" b="0" i="0" dirty="0">
+                <a:solidFill>
+                  <a:srgbClr val="1F1F1F"/>
+                </a:solidFill>
+                <a:effectLst/>
+                <a:latin typeface="var(--cds-font-family-source-sans-pro)"/>
+              </a:rPr>
+              <a:t> Esta página web es un buen punto de partida para aprender cómo la función de sesgo en R puede ayudarte a identificar y gestionar el sesgo en tu análisis.</a:t>
+            </a:r>
+          </a:p>
+          <a:p>
+            <a:pPr algn="l">
+              <a:buFont typeface="Arial" panose="020B0604020202020204" pitchFamily="34" charset="0"/>
+              <a:buChar char="•"/>
+            </a:pPr>
+            <a:r>
+              <a:rPr lang="es-MX" sz="1600" b="1" i="0" u="sng" dirty="0">
+                <a:solidFill>
+                  <a:srgbClr val="1F1F1F"/>
+                </a:solidFill>
+                <a:effectLst/>
+                <a:latin typeface="unset"/>
+                <a:hlinkClick r:id="rId4"/>
+              </a:rPr>
+              <a:t>Ética de la ciencia de datos</a:t>
+            </a:r>
+            <a:r>
+              <a:rPr lang="es-MX" sz="1600" b="0" i="0" dirty="0">
+                <a:solidFill>
+                  <a:srgbClr val="1F1F1F"/>
+                </a:solidFill>
+                <a:effectLst/>
+                <a:latin typeface="var(--cds-font-family-source-sans-pro)"/>
+              </a:rPr>
+              <a:t>: Este curso en línea proporciona diapositivas, vídeos y ejercicios para ayudarte a aprender más sobre la ética en el mundo del análisis computacional de datos. Incluye información sobre la privacidad de los datos, su tergiversación y la aplicación de la ética a tus visualizaciones.</a:t>
+            </a:r>
+          </a:p>
+        </p:txBody>
+      </p:sp>
+    </p:spTree>
+    <p:extLst>
+      <p:ext uri="{BB962C8B-B14F-4D97-AF65-F5344CB8AC3E}">
+        <p14:creationId xmlns:p14="http://schemas.microsoft.com/office/powerpoint/2010/main" val="3691132966"/>
+      </p:ext>
+    </p:extLst>
+  </p:cSld>
+  <p:clrMapOvr>
+    <a:masterClrMapping/>
+  </p:clrMapOvr>
+</p:sld>
+</file>
+
+<file path=ppt/slides/slide17.xml><?xml version="1.0" encoding="utf-8"?>
+<p:sld xmlns:a="http://schemas.openxmlformats.org/drawingml/2006/main" xmlns:r="http://schemas.openxmlformats.org/officeDocument/2006/relationships" xmlns:p="http://schemas.openxmlformats.org/presentationml/2006/main">
+  <p:cSld>
+    <p:spTree>
+      <p:nvGrpSpPr>
+        <p:cNvPr id="1" name=""/>
+        <p:cNvGrpSpPr/>
+        <p:nvPr/>
+      </p:nvGrpSpPr>
+      <p:grpSpPr>
+        <a:xfrm>
+          <a:off x="0" y="0"/>
+          <a:ext cx="0" cy="0"/>
+          <a:chOff x="0" y="0"/>
+          <a:chExt cx="0" cy="0"/>
+        </a:xfrm>
+      </p:grpSpPr>
+      <p:sp>
+        <p:nvSpPr>
           <p:cNvPr id="2" name="Título 1">
             <a:extLst>
               <a:ext uri="{FF2B5EF4-FFF2-40B4-BE49-F238E27FC236}">
-                <a16:creationId xmlns:a16="http://schemas.microsoft.com/office/drawing/2014/main" id="{D04903CE-E591-E8BC-FB54-996900C3D374}"/>
+                <a16:creationId xmlns:a16="http://schemas.microsoft.com/office/drawing/2014/main" id="{E18FC57E-C954-6879-5B1B-F83B0DF73F18}"/>
               </a:ext>
             </a:extLst>
           </p:cNvPr>
@@ -5055,7 +6129,7 @@
           <p:cNvPr id="3" name="Marcador de contenido 2">
             <a:extLst>
               <a:ext uri="{FF2B5EF4-FFF2-40B4-BE49-F238E27FC236}">
-                <a16:creationId xmlns:a16="http://schemas.microsoft.com/office/drawing/2014/main" id="{D512012E-338F-51CF-2602-05AF3623200C}"/>
+                <a16:creationId xmlns:a16="http://schemas.microsoft.com/office/drawing/2014/main" id="{C3C7304B-6D64-01A8-8513-D989EF07F3EF}"/>
               </a:ext>
             </a:extLst>
           </p:cNvPr>
@@ -5078,7 +6152,7 @@
     </p:spTree>
     <p:extLst>
       <p:ext uri="{BB962C8B-B14F-4D97-AF65-F5344CB8AC3E}">
-        <p14:creationId xmlns:p14="http://schemas.microsoft.com/office/powerpoint/2010/main" val="203213361"/>
+        <p14:creationId xmlns:p14="http://schemas.microsoft.com/office/powerpoint/2010/main" val="3901166499"/>
       </p:ext>
     </p:extLst>
   </p:cSld>

--- a/7_2_AnalisisD_programando_R.pptx
+++ b/7_2_AnalisisD_programando_R.pptx
@@ -22,6 +22,7 @@
     <p:sldId id="270" r:id="rId16"/>
     <p:sldId id="271" r:id="rId17"/>
     <p:sldId id="272" r:id="rId18"/>
+    <p:sldId id="273" r:id="rId19"/>
   </p:sldIdLst>
   <p:sldSz cx="12192000" cy="6858000"/>
   <p:notesSz cx="6858000" cy="9144000"/>
@@ -277,7 +278,7 @@
           <a:p>
             <a:fld id="{11C87720-0156-4D51-B23E-EE6DF36ABC98}" type="datetimeFigureOut">
               <a:rPr lang="es-MX" smtClean="0"/>
-              <a:t>09/01/2025</a:t>
+              <a:t>10/01/2025</a:t>
             </a:fld>
             <a:endParaRPr lang="es-MX"/>
           </a:p>
@@ -477,7 +478,7 @@
           <a:p>
             <a:fld id="{11C87720-0156-4D51-B23E-EE6DF36ABC98}" type="datetimeFigureOut">
               <a:rPr lang="es-MX" smtClean="0"/>
-              <a:t>09/01/2025</a:t>
+              <a:t>10/01/2025</a:t>
             </a:fld>
             <a:endParaRPr lang="es-MX"/>
           </a:p>
@@ -687,7 +688,7 @@
           <a:p>
             <a:fld id="{11C87720-0156-4D51-B23E-EE6DF36ABC98}" type="datetimeFigureOut">
               <a:rPr lang="es-MX" smtClean="0"/>
-              <a:t>09/01/2025</a:t>
+              <a:t>10/01/2025</a:t>
             </a:fld>
             <a:endParaRPr lang="es-MX"/>
           </a:p>
@@ -887,7 +888,7 @@
           <a:p>
             <a:fld id="{11C87720-0156-4D51-B23E-EE6DF36ABC98}" type="datetimeFigureOut">
               <a:rPr lang="es-MX" smtClean="0"/>
-              <a:t>09/01/2025</a:t>
+              <a:t>10/01/2025</a:t>
             </a:fld>
             <a:endParaRPr lang="es-MX"/>
           </a:p>
@@ -1163,7 +1164,7 @@
           <a:p>
             <a:fld id="{11C87720-0156-4D51-B23E-EE6DF36ABC98}" type="datetimeFigureOut">
               <a:rPr lang="es-MX" smtClean="0"/>
-              <a:t>09/01/2025</a:t>
+              <a:t>10/01/2025</a:t>
             </a:fld>
             <a:endParaRPr lang="es-MX"/>
           </a:p>
@@ -1431,7 +1432,7 @@
           <a:p>
             <a:fld id="{11C87720-0156-4D51-B23E-EE6DF36ABC98}" type="datetimeFigureOut">
               <a:rPr lang="es-MX" smtClean="0"/>
-              <a:t>09/01/2025</a:t>
+              <a:t>10/01/2025</a:t>
             </a:fld>
             <a:endParaRPr lang="es-MX"/>
           </a:p>
@@ -1846,7 +1847,7 @@
           <a:p>
             <a:fld id="{11C87720-0156-4D51-B23E-EE6DF36ABC98}" type="datetimeFigureOut">
               <a:rPr lang="es-MX" smtClean="0"/>
-              <a:t>09/01/2025</a:t>
+              <a:t>10/01/2025</a:t>
             </a:fld>
             <a:endParaRPr lang="es-MX"/>
           </a:p>
@@ -1988,7 +1989,7 @@
           <a:p>
             <a:fld id="{11C87720-0156-4D51-B23E-EE6DF36ABC98}" type="datetimeFigureOut">
               <a:rPr lang="es-MX" smtClean="0"/>
-              <a:t>09/01/2025</a:t>
+              <a:t>10/01/2025</a:t>
             </a:fld>
             <a:endParaRPr lang="es-MX"/>
           </a:p>
@@ -2101,7 +2102,7 @@
           <a:p>
             <a:fld id="{11C87720-0156-4D51-B23E-EE6DF36ABC98}" type="datetimeFigureOut">
               <a:rPr lang="es-MX" smtClean="0"/>
-              <a:t>09/01/2025</a:t>
+              <a:t>10/01/2025</a:t>
             </a:fld>
             <a:endParaRPr lang="es-MX"/>
           </a:p>
@@ -2414,7 +2415,7 @@
           <a:p>
             <a:fld id="{11C87720-0156-4D51-B23E-EE6DF36ABC98}" type="datetimeFigureOut">
               <a:rPr lang="es-MX" smtClean="0"/>
-              <a:t>09/01/2025</a:t>
+              <a:t>10/01/2025</a:t>
             </a:fld>
             <a:endParaRPr lang="es-MX"/>
           </a:p>
@@ -2703,7 +2704,7 @@
           <a:p>
             <a:fld id="{11C87720-0156-4D51-B23E-EE6DF36ABC98}" type="datetimeFigureOut">
               <a:rPr lang="es-MX" smtClean="0"/>
-              <a:t>09/01/2025</a:t>
+              <a:t>10/01/2025</a:t>
             </a:fld>
             <a:endParaRPr lang="es-MX"/>
           </a:p>
@@ -2946,7 +2947,7 @@
           <a:p>
             <a:fld id="{11C87720-0156-4D51-B23E-EE6DF36ABC98}" type="datetimeFigureOut">
               <a:rPr lang="es-MX" smtClean="0"/>
-              <a:t>09/01/2025</a:t>
+              <a:t>10/01/2025</a:t>
             </a:fld>
             <a:endParaRPr lang="es-MX"/>
           </a:p>
@@ -6085,6 +6086,14 @@
 <file path=ppt/slides/slide17.xml><?xml version="1.0" encoding="utf-8"?>
 <p:sld xmlns:a="http://schemas.openxmlformats.org/drawingml/2006/main" xmlns:r="http://schemas.openxmlformats.org/officeDocument/2006/relationships" xmlns:p="http://schemas.openxmlformats.org/presentationml/2006/main">
   <p:cSld>
+    <p:bg>
+      <p:bgPr>
+        <a:solidFill>
+          <a:schemeClr val="bg1"/>
+        </a:solidFill>
+        <a:effectLst/>
+      </p:bgPr>
+    </p:bg>
     <p:spTree>
       <p:nvGrpSpPr>
         <p:cNvPr id="1" name=""/>
@@ -6099,6 +6108,384 @@
           <a:chExt cx="0" cy="0"/>
         </a:xfrm>
       </p:grpSpPr>
+      <p:sp useBgFill="1">
+        <p:nvSpPr>
+          <p:cNvPr id="7" name="Rectangle 6">
+            <a:extLst>
+              <a:ext uri="{FF2B5EF4-FFF2-40B4-BE49-F238E27FC236}">
+                <a16:creationId xmlns:a16="http://schemas.microsoft.com/office/drawing/2014/main" id="{0E30439A-8A5B-46EC-8283-9B6B031D40D0}"/>
+              </a:ext>
+              <a:ext uri="{C183D7F6-B498-43B3-948B-1728B52AA6E4}">
+                <adec:decorative xmlns:adec="http://schemas.microsoft.com/office/drawing/2017/decorative" val="1"/>
+              </a:ext>
+            </a:extLst>
+          </p:cNvPr>
+          <p:cNvSpPr>
+            <a:spLocks noGrp="1" noRot="1" noChangeAspect="1" noMove="1" noResize="1" noEditPoints="1" noAdjustHandles="1" noChangeArrowheads="1" noChangeShapeType="1" noTextEdit="1"/>
+          </p:cNvSpPr>
+          <p:nvPr>
+            <p:extLst>
+              <p:ext uri="{386F3935-93C4-4BCD-93E2-E3B085C9AB24}">
+                <p16:designElem xmlns:p16="http://schemas.microsoft.com/office/powerpoint/2015/main" val="1"/>
+              </p:ext>
+            </p:extLst>
+          </p:nvPr>
+        </p:nvSpPr>
+        <p:spPr>
+          <a:xfrm>
+            <a:off x="0" y="0"/>
+            <a:ext cx="12192000" cy="6858000"/>
+          </a:xfrm>
+          <a:prstGeom prst="rect">
+            <a:avLst/>
+          </a:prstGeom>
+          <a:ln w="12700" cap="flat" cmpd="sng" algn="ctr">
+            <a:noFill/>
+            <a:prstDash val="solid"/>
+            <a:miter lim="800000"/>
+          </a:ln>
+          <a:effectLst/>
+          <a:extLst>
+            <a:ext uri="{91240B29-F687-4F45-9708-019B960494DF}">
+              <a14:hiddenLine xmlns:a14="http://schemas.microsoft.com/office/drawing/2010/main" w="12700" cap="flat" cmpd="sng" algn="ctr">
+                <a:solidFill>
+                  <a:schemeClr val="accent1">
+                    <a:shade val="50000"/>
+                  </a:schemeClr>
+                </a:solidFill>
+                <a:prstDash val="solid"/>
+                <a:miter lim="800000"/>
+              </a14:hiddenLine>
+            </a:ext>
+          </a:extLst>
+        </p:spPr>
+        <p:style>
+          <a:lnRef idx="2">
+            <a:schemeClr val="accent1">
+              <a:shade val="50000"/>
+            </a:schemeClr>
+          </a:lnRef>
+          <a:fillRef idx="1">
+            <a:schemeClr val="accent1"/>
+          </a:fillRef>
+          <a:effectRef idx="0">
+            <a:schemeClr val="accent1"/>
+          </a:effectRef>
+          <a:fontRef idx="minor">
+            <a:schemeClr val="lt1"/>
+          </a:fontRef>
+        </p:style>
+        <p:txBody>
+          <a:bodyPr rtlCol="0" anchor="ctr"/>
+          <a:lstStyle/>
+          <a:p>
+            <a:pPr algn="ctr"/>
+            <a:endParaRPr lang="en-US"/>
+          </a:p>
+        </p:txBody>
+      </p:sp>
+      <p:sp>
+        <p:nvSpPr>
+          <p:cNvPr id="9" name="Rectangle 8">
+            <a:extLst>
+              <a:ext uri="{FF2B5EF4-FFF2-40B4-BE49-F238E27FC236}">
+                <a16:creationId xmlns:a16="http://schemas.microsoft.com/office/drawing/2014/main" id="{5CEAD642-85CF-4750-8432-7C80C901F001}"/>
+              </a:ext>
+              <a:ext uri="{C183D7F6-B498-43B3-948B-1728B52AA6E4}">
+                <adec:decorative xmlns:adec="http://schemas.microsoft.com/office/drawing/2017/decorative" val="1"/>
+              </a:ext>
+            </a:extLst>
+          </p:cNvPr>
+          <p:cNvSpPr>
+            <a:spLocks noGrp="1" noRot="1" noChangeAspect="1" noMove="1" noResize="1" noEditPoints="1" noAdjustHandles="1" noChangeArrowheads="1" noChangeShapeType="1" noTextEdit="1"/>
+          </p:cNvSpPr>
+          <p:nvPr>
+            <p:extLst>
+              <p:ext uri="{386F3935-93C4-4BCD-93E2-E3B085C9AB24}">
+                <p16:designElem xmlns:p16="http://schemas.microsoft.com/office/powerpoint/2015/main" val="1"/>
+              </p:ext>
+            </p:extLst>
+          </p:nvPr>
+        </p:nvSpPr>
+        <p:spPr>
+          <a:xfrm>
+            <a:off x="0" y="-427"/>
+            <a:ext cx="12192001" cy="6858000"/>
+          </a:xfrm>
+          <a:prstGeom prst="rect">
+            <a:avLst/>
+          </a:prstGeom>
+          <a:gradFill>
+            <a:gsLst>
+              <a:gs pos="0">
+                <a:srgbClr val="000000"/>
+              </a:gs>
+              <a:gs pos="100000">
+                <a:schemeClr val="accent1">
+                  <a:lumMod val="75000"/>
+                </a:schemeClr>
+              </a:gs>
+            </a:gsLst>
+            <a:lin ang="15000000" scaled="0"/>
+          </a:gradFill>
+          <a:ln>
+            <a:noFill/>
+          </a:ln>
+        </p:spPr>
+        <p:style>
+          <a:lnRef idx="2">
+            <a:schemeClr val="accent1">
+              <a:shade val="50000"/>
+            </a:schemeClr>
+          </a:lnRef>
+          <a:fillRef idx="1">
+            <a:schemeClr val="accent1"/>
+          </a:fillRef>
+          <a:effectRef idx="0">
+            <a:schemeClr val="accent1"/>
+          </a:effectRef>
+          <a:fontRef idx="minor">
+            <a:schemeClr val="lt1"/>
+          </a:fontRef>
+        </p:style>
+        <p:txBody>
+          <a:bodyPr rtlCol="0" anchor="ctr"/>
+          <a:lstStyle/>
+          <a:p>
+            <a:pPr algn="ctr"/>
+            <a:endParaRPr lang="en-US"/>
+          </a:p>
+        </p:txBody>
+      </p:sp>
+      <p:sp>
+        <p:nvSpPr>
+          <p:cNvPr id="11" name="Rectangle 10">
+            <a:extLst>
+              <a:ext uri="{FF2B5EF4-FFF2-40B4-BE49-F238E27FC236}">
+                <a16:creationId xmlns:a16="http://schemas.microsoft.com/office/drawing/2014/main" id="{FA33EEAE-15D5-4119-8C1E-89D943F911EF}"/>
+              </a:ext>
+              <a:ext uri="{C183D7F6-B498-43B3-948B-1728B52AA6E4}">
+                <adec:decorative xmlns:adec="http://schemas.microsoft.com/office/drawing/2017/decorative" val="1"/>
+              </a:ext>
+            </a:extLst>
+          </p:cNvPr>
+          <p:cNvSpPr>
+            <a:spLocks noGrp="1" noRot="1" noChangeAspect="1" noMove="1" noResize="1" noEditPoints="1" noAdjustHandles="1" noChangeArrowheads="1" noChangeShapeType="1" noTextEdit="1"/>
+          </p:cNvSpPr>
+          <p:nvPr>
+            <p:extLst>
+              <p:ext uri="{386F3935-93C4-4BCD-93E2-E3B085C9AB24}">
+                <p16:designElem xmlns:p16="http://schemas.microsoft.com/office/powerpoint/2015/main" val="1"/>
+              </p:ext>
+            </p:extLst>
+          </p:nvPr>
+        </p:nvSpPr>
+        <p:spPr>
+          <a:xfrm rot="10800000" flipH="1">
+            <a:off x="455521" y="-1720"/>
+            <a:ext cx="11750040" cy="6840685"/>
+          </a:xfrm>
+          <a:prstGeom prst="rect">
+            <a:avLst/>
+          </a:prstGeom>
+          <a:gradFill>
+            <a:gsLst>
+              <a:gs pos="21000">
+                <a:schemeClr val="accent1">
+                  <a:lumMod val="50000"/>
+                  <a:alpha val="61000"/>
+                </a:schemeClr>
+              </a:gs>
+              <a:gs pos="100000">
+                <a:schemeClr val="accent1">
+                  <a:alpha val="0"/>
+                </a:schemeClr>
+              </a:gs>
+            </a:gsLst>
+            <a:lin ang="21594000" scaled="0"/>
+          </a:gradFill>
+          <a:ln>
+            <a:noFill/>
+          </a:ln>
+        </p:spPr>
+        <p:style>
+          <a:lnRef idx="2">
+            <a:schemeClr val="accent1">
+              <a:shade val="50000"/>
+            </a:schemeClr>
+          </a:lnRef>
+          <a:fillRef idx="1">
+            <a:schemeClr val="accent1"/>
+          </a:fillRef>
+          <a:effectRef idx="0">
+            <a:schemeClr val="accent1"/>
+          </a:effectRef>
+          <a:fontRef idx="minor">
+            <a:schemeClr val="lt1"/>
+          </a:fontRef>
+        </p:style>
+        <p:txBody>
+          <a:bodyPr rtlCol="0" anchor="ctr"/>
+          <a:lstStyle/>
+          <a:p>
+            <a:pPr algn="ctr"/>
+            <a:endParaRPr lang="en-US"/>
+          </a:p>
+        </p:txBody>
+      </p:sp>
+      <p:sp>
+        <p:nvSpPr>
+          <p:cNvPr id="13" name="Rectangle 12">
+            <a:extLst>
+              <a:ext uri="{FF2B5EF4-FFF2-40B4-BE49-F238E27FC236}">
+                <a16:creationId xmlns:a16="http://schemas.microsoft.com/office/drawing/2014/main" id="{730D8B3B-9B80-4025-B934-26DC7D7CD231}"/>
+              </a:ext>
+              <a:ext uri="{C183D7F6-B498-43B3-948B-1728B52AA6E4}">
+                <adec:decorative xmlns:adec="http://schemas.microsoft.com/office/drawing/2017/decorative" val="1"/>
+              </a:ext>
+            </a:extLst>
+          </p:cNvPr>
+          <p:cNvSpPr>
+            <a:spLocks noGrp="1" noRot="1" noChangeAspect="1" noMove="1" noResize="1" noEditPoints="1" noAdjustHandles="1" noChangeArrowheads="1" noChangeShapeType="1" noTextEdit="1"/>
+          </p:cNvSpPr>
+          <p:nvPr>
+            <p:extLst>
+              <p:ext uri="{386F3935-93C4-4BCD-93E2-E3B085C9AB24}">
+                <p16:designElem xmlns:p16="http://schemas.microsoft.com/office/powerpoint/2015/main" val="1"/>
+              </p:ext>
+            </p:extLst>
+          </p:nvPr>
+        </p:nvSpPr>
+        <p:spPr>
+          <a:xfrm>
+            <a:off x="8606054" y="-1291"/>
+            <a:ext cx="3608179" cy="6858864"/>
+          </a:xfrm>
+          <a:prstGeom prst="rect">
+            <a:avLst/>
+          </a:prstGeom>
+          <a:gradFill>
+            <a:gsLst>
+              <a:gs pos="0">
+                <a:schemeClr val="accent1">
+                  <a:lumMod val="75000"/>
+                  <a:alpha val="0"/>
+                </a:schemeClr>
+              </a:gs>
+              <a:gs pos="99000">
+                <a:srgbClr val="000000">
+                  <a:alpha val="41000"/>
+                </a:srgbClr>
+              </a:gs>
+            </a:gsLst>
+            <a:lin ang="16200000" scaled="0"/>
+          </a:gradFill>
+          <a:ln>
+            <a:noFill/>
+          </a:ln>
+        </p:spPr>
+        <p:style>
+          <a:lnRef idx="2">
+            <a:schemeClr val="accent1">
+              <a:shade val="50000"/>
+            </a:schemeClr>
+          </a:lnRef>
+          <a:fillRef idx="1">
+            <a:schemeClr val="accent1"/>
+          </a:fillRef>
+          <a:effectRef idx="0">
+            <a:schemeClr val="accent1"/>
+          </a:effectRef>
+          <a:fontRef idx="minor">
+            <a:schemeClr val="lt1"/>
+          </a:fontRef>
+        </p:style>
+        <p:txBody>
+          <a:bodyPr rtlCol="0" anchor="ctr"/>
+          <a:lstStyle/>
+          <a:p>
+            <a:pPr algn="ctr"/>
+            <a:endParaRPr lang="en-US"/>
+          </a:p>
+        </p:txBody>
+      </p:sp>
+      <p:sp>
+        <p:nvSpPr>
+          <p:cNvPr id="15" name="Oval 14">
+            <a:extLst>
+              <a:ext uri="{FF2B5EF4-FFF2-40B4-BE49-F238E27FC236}">
+                <a16:creationId xmlns:a16="http://schemas.microsoft.com/office/drawing/2014/main" id="{B5A1B09C-1565-46F8-B70F-621C5EB48A09}"/>
+              </a:ext>
+              <a:ext uri="{C183D7F6-B498-43B3-948B-1728B52AA6E4}">
+                <adec:decorative xmlns:adec="http://schemas.microsoft.com/office/drawing/2017/decorative" val="1"/>
+              </a:ext>
+            </a:extLst>
+          </p:cNvPr>
+          <p:cNvSpPr>
+            <a:spLocks noGrp="1" noRot="1" noChangeAspect="1" noMove="1" noResize="1" noEditPoints="1" noAdjustHandles="1" noChangeArrowheads="1" noChangeShapeType="1" noTextEdit="1"/>
+          </p:cNvSpPr>
+          <p:nvPr>
+            <p:extLst>
+              <p:ext uri="{386F3935-93C4-4BCD-93E2-E3B085C9AB24}">
+                <p16:designElem xmlns:p16="http://schemas.microsoft.com/office/powerpoint/2015/main" val="1"/>
+              </p:ext>
+            </p:extLst>
+          </p:nvPr>
+        </p:nvSpPr>
+        <p:spPr>
+          <a:xfrm rot="15274173">
+            <a:off x="6059728" y="779270"/>
+            <a:ext cx="4967533" cy="4988390"/>
+          </a:xfrm>
+          <a:prstGeom prst="ellipse">
+            <a:avLst/>
+          </a:prstGeom>
+          <a:gradFill>
+            <a:gsLst>
+              <a:gs pos="0">
+                <a:schemeClr val="accent1">
+                  <a:alpha val="24000"/>
+                </a:schemeClr>
+              </a:gs>
+              <a:gs pos="79000">
+                <a:schemeClr val="accent1">
+                  <a:lumMod val="60000"/>
+                  <a:lumOff val="40000"/>
+                  <a:alpha val="0"/>
+                </a:schemeClr>
+              </a:gs>
+            </a:gsLst>
+            <a:lin ang="14400000" scaled="0"/>
+          </a:gradFill>
+          <a:ln>
+            <a:noFill/>
+          </a:ln>
+        </p:spPr>
+        <p:style>
+          <a:lnRef idx="2">
+            <a:schemeClr val="accent1">
+              <a:shade val="50000"/>
+            </a:schemeClr>
+          </a:lnRef>
+          <a:fillRef idx="1">
+            <a:schemeClr val="accent1"/>
+          </a:fillRef>
+          <a:effectRef idx="0">
+            <a:schemeClr val="accent1"/>
+          </a:effectRef>
+          <a:fontRef idx="minor">
+            <a:schemeClr val="lt1"/>
+          </a:fontRef>
+        </p:style>
+        <p:txBody>
+          <a:bodyPr rtlCol="0" anchor="ctr"/>
+          <a:lstStyle/>
+          <a:p>
+            <a:pPr algn="ctr"/>
+            <a:endParaRPr lang="en-US" dirty="0"/>
+          </a:p>
+        </p:txBody>
+      </p:sp>
       <p:sp>
         <p:nvSpPr>
           <p:cNvPr id="2" name="Título 1">
@@ -6115,37 +6502,215 @@
             <p:ph type="title"/>
           </p:nvPr>
         </p:nvSpPr>
-        <p:spPr/>
+        <p:spPr>
+          <a:xfrm>
+            <a:off x="-397864" y="968886"/>
+            <a:ext cx="8941358" cy="3268520"/>
+          </a:xfrm>
+        </p:spPr>
         <p:txBody>
-          <a:bodyPr/>
+          <a:bodyPr vert="horz" lIns="91440" tIns="45720" rIns="91440" bIns="45720" rtlCol="0" anchor="b">
+            <a:normAutofit/>
+          </a:bodyPr>
           <a:lstStyle/>
           <a:p>
-            <a:endParaRPr lang="es-MX"/>
+            <a:pPr algn="r"/>
+            <a:r>
+              <a:rPr lang="en-US" sz="7200" kern="1200" dirty="0" err="1">
+                <a:solidFill>
+                  <a:srgbClr val="FFFFFF"/>
+                </a:solidFill>
+                <a:latin typeface="+mj-lt"/>
+                <a:ea typeface="+mj-ea"/>
+                <a:cs typeface="+mj-cs"/>
+              </a:rPr>
+              <a:t>Visualizaciones</a:t>
+            </a:r>
+            <a:r>
+              <a:rPr lang="en-US" sz="7200" kern="1200" dirty="0">
+                <a:solidFill>
+                  <a:srgbClr val="FFFFFF"/>
+                </a:solidFill>
+                <a:latin typeface="+mj-lt"/>
+                <a:ea typeface="+mj-ea"/>
+                <a:cs typeface="+mj-cs"/>
+              </a:rPr>
+              <a:t> </a:t>
+            </a:r>
+            <a:r>
+              <a:rPr lang="en-US" sz="7200" kern="1200" dirty="0" err="1">
+                <a:solidFill>
+                  <a:srgbClr val="FFFFFF"/>
+                </a:solidFill>
+                <a:latin typeface="+mj-lt"/>
+                <a:ea typeface="+mj-ea"/>
+                <a:cs typeface="+mj-cs"/>
+              </a:rPr>
+              <a:t>en</a:t>
+            </a:r>
+            <a:r>
+              <a:rPr lang="en-US" sz="7200" kern="1200" dirty="0">
+                <a:solidFill>
+                  <a:srgbClr val="FFFFFF"/>
+                </a:solidFill>
+                <a:latin typeface="+mj-lt"/>
+                <a:ea typeface="+mj-ea"/>
+                <a:cs typeface="+mj-cs"/>
+              </a:rPr>
+              <a:t> R</a:t>
+            </a:r>
           </a:p>
         </p:txBody>
       </p:sp>
       <p:sp>
         <p:nvSpPr>
-          <p:cNvPr id="3" name="Marcador de contenido 2">
-            <a:extLst>
-              <a:ext uri="{FF2B5EF4-FFF2-40B4-BE49-F238E27FC236}">
-                <a16:creationId xmlns:a16="http://schemas.microsoft.com/office/drawing/2014/main" id="{C3C7304B-6D64-01A8-8513-D989EF07F3EF}"/>
+          <p:cNvPr id="17" name="Rectangle 16">
+            <a:extLst>
+              <a:ext uri="{FF2B5EF4-FFF2-40B4-BE49-F238E27FC236}">
+                <a16:creationId xmlns:a16="http://schemas.microsoft.com/office/drawing/2014/main" id="{8C516CC8-80AC-446C-A56E-9F54B7210402}"/>
+              </a:ext>
+              <a:ext uri="{C183D7F6-B498-43B3-948B-1728B52AA6E4}">
+                <adec:decorative xmlns:adec="http://schemas.microsoft.com/office/drawing/2017/decorative" val="1"/>
               </a:ext>
             </a:extLst>
           </p:cNvPr>
           <p:cNvSpPr>
-            <a:spLocks noGrp="1"/>
+            <a:spLocks noGrp="1" noRot="1" noChangeAspect="1" noMove="1" noResize="1" noEditPoints="1" noAdjustHandles="1" noChangeArrowheads="1" noChangeShapeType="1" noTextEdit="1"/>
           </p:cNvSpPr>
           <p:nvPr>
-            <p:ph idx="1"/>
+            <p:extLst>
+              <p:ext uri="{386F3935-93C4-4BCD-93E2-E3B085C9AB24}">
+                <p16:designElem xmlns:p16="http://schemas.microsoft.com/office/powerpoint/2015/main" val="1"/>
+              </p:ext>
+            </p:extLst>
           </p:nvPr>
         </p:nvSpPr>
-        <p:spPr/>
+        <p:spPr>
+          <a:xfrm rot="10800000" flipH="1">
+            <a:off x="6314" y="4480038"/>
+            <a:ext cx="12179371" cy="2377962"/>
+          </a:xfrm>
+          <a:prstGeom prst="rect">
+            <a:avLst/>
+          </a:prstGeom>
+          <a:gradFill>
+            <a:gsLst>
+              <a:gs pos="0">
+                <a:schemeClr val="accent1">
+                  <a:lumMod val="75000"/>
+                  <a:alpha val="50000"/>
+                </a:schemeClr>
+              </a:gs>
+              <a:gs pos="99000">
+                <a:srgbClr val="000000">
+                  <a:alpha val="34000"/>
+                </a:srgbClr>
+              </a:gs>
+            </a:gsLst>
+            <a:lin ang="17400000" scaled="0"/>
+          </a:gradFill>
+          <a:ln>
+            <a:noFill/>
+          </a:ln>
+        </p:spPr>
+        <p:style>
+          <a:lnRef idx="2">
+            <a:schemeClr val="accent1">
+              <a:shade val="50000"/>
+            </a:schemeClr>
+          </a:lnRef>
+          <a:fillRef idx="1">
+            <a:schemeClr val="accent1"/>
+          </a:fillRef>
+          <a:effectRef idx="0">
+            <a:schemeClr val="accent1"/>
+          </a:effectRef>
+          <a:fontRef idx="minor">
+            <a:schemeClr val="lt1"/>
+          </a:fontRef>
+        </p:style>
         <p:txBody>
-          <a:bodyPr/>
+          <a:bodyPr rtlCol="0" anchor="ctr"/>
           <a:lstStyle/>
           <a:p>
-            <a:endParaRPr lang="es-MX"/>
+            <a:pPr algn="ctr"/>
+            <a:endParaRPr lang="en-US"/>
+          </a:p>
+        </p:txBody>
+      </p:sp>
+      <p:sp>
+        <p:nvSpPr>
+          <p:cNvPr id="19" name="Rectangle 18">
+            <a:extLst>
+              <a:ext uri="{FF2B5EF4-FFF2-40B4-BE49-F238E27FC236}">
+                <a16:creationId xmlns:a16="http://schemas.microsoft.com/office/drawing/2014/main" id="{53947E58-F088-49F1-A3D1-DEA690192E84}"/>
+              </a:ext>
+              <a:ext uri="{C183D7F6-B498-43B3-948B-1728B52AA6E4}">
+                <adec:decorative xmlns:adec="http://schemas.microsoft.com/office/drawing/2017/decorative" val="1"/>
+              </a:ext>
+            </a:extLst>
+          </p:cNvPr>
+          <p:cNvSpPr>
+            <a:spLocks noGrp="1" noRot="1" noChangeAspect="1" noMove="1" noResize="1" noEditPoints="1" noAdjustHandles="1" noChangeArrowheads="1" noChangeShapeType="1" noTextEdit="1"/>
+          </p:cNvSpPr>
+          <p:nvPr>
+            <p:extLst>
+              <p:ext uri="{386F3935-93C4-4BCD-93E2-E3B085C9AB24}">
+                <p16:designElem xmlns:p16="http://schemas.microsoft.com/office/powerpoint/2015/main" val="1"/>
+              </p:ext>
+            </p:extLst>
+          </p:nvPr>
+        </p:nvSpPr>
+        <p:spPr>
+          <a:xfrm rot="16200000" flipH="1">
+            <a:off x="6967085" y="1632660"/>
+            <a:ext cx="6857572" cy="3592258"/>
+          </a:xfrm>
+          <a:prstGeom prst="rect">
+            <a:avLst/>
+          </a:prstGeom>
+          <a:gradFill>
+            <a:gsLst>
+              <a:gs pos="0">
+                <a:schemeClr val="accent1">
+                  <a:lumMod val="75000"/>
+                  <a:alpha val="50000"/>
+                </a:schemeClr>
+              </a:gs>
+              <a:gs pos="99000">
+                <a:srgbClr val="000000">
+                  <a:alpha val="0"/>
+                </a:srgbClr>
+              </a:gs>
+            </a:gsLst>
+            <a:lin ang="15600000" scaled="0"/>
+          </a:gradFill>
+          <a:ln>
+            <a:noFill/>
+          </a:ln>
+        </p:spPr>
+        <p:style>
+          <a:lnRef idx="2">
+            <a:schemeClr val="accent1">
+              <a:shade val="50000"/>
+            </a:schemeClr>
+          </a:lnRef>
+          <a:fillRef idx="1">
+            <a:schemeClr val="accent1"/>
+          </a:fillRef>
+          <a:effectRef idx="0">
+            <a:schemeClr val="accent1"/>
+          </a:effectRef>
+          <a:fontRef idx="minor">
+            <a:schemeClr val="lt1"/>
+          </a:fontRef>
+        </p:style>
+        <p:txBody>
+          <a:bodyPr rtlCol="0" anchor="ctr"/>
+          <a:lstStyle/>
+          <a:p>
+            <a:pPr algn="ctr"/>
+            <a:endParaRPr lang="en-US"/>
           </a:p>
         </p:txBody>
       </p:sp>
@@ -6153,6 +6718,66 @@
     <p:extLst>
       <p:ext uri="{BB962C8B-B14F-4D97-AF65-F5344CB8AC3E}">
         <p14:creationId xmlns:p14="http://schemas.microsoft.com/office/powerpoint/2010/main" val="3901166499"/>
+      </p:ext>
+    </p:extLst>
+  </p:cSld>
+  <p:clrMapOvr>
+    <a:masterClrMapping/>
+  </p:clrMapOvr>
+</p:sld>
+</file>
+
+<file path=ppt/slides/slide18.xml><?xml version="1.0" encoding="utf-8"?>
+<p:sld xmlns:a="http://schemas.openxmlformats.org/drawingml/2006/main" xmlns:r="http://schemas.openxmlformats.org/officeDocument/2006/relationships" xmlns:p="http://schemas.openxmlformats.org/presentationml/2006/main">
+  <p:cSld>
+    <p:spTree>
+      <p:nvGrpSpPr>
+        <p:cNvPr id="1" name=""/>
+        <p:cNvGrpSpPr/>
+        <p:nvPr/>
+      </p:nvGrpSpPr>
+      <p:grpSpPr>
+        <a:xfrm>
+          <a:off x="0" y="0"/>
+          <a:ext cx="0" cy="0"/>
+          <a:chOff x="0" y="0"/>
+          <a:chExt cx="0" cy="0"/>
+        </a:xfrm>
+      </p:grpSpPr>
+      <p:pic>
+        <p:nvPicPr>
+          <p:cNvPr id="5" name="Imagen 4">
+            <a:extLst>
+              <a:ext uri="{FF2B5EF4-FFF2-40B4-BE49-F238E27FC236}">
+                <a16:creationId xmlns:a16="http://schemas.microsoft.com/office/drawing/2014/main" id="{C6B044DB-C48E-4A82-82D4-922536FE4385}"/>
+              </a:ext>
+            </a:extLst>
+          </p:cNvPr>
+          <p:cNvPicPr>
+            <a:picLocks noChangeAspect="1"/>
+          </p:cNvPicPr>
+          <p:nvPr/>
+        </p:nvPicPr>
+        <p:blipFill>
+          <a:blip r:embed="rId2"/>
+          <a:stretch>
+            <a:fillRect/>
+          </a:stretch>
+        </p:blipFill>
+        <p:spPr>
+          <a:xfrm>
+            <a:off x="580569" y="323416"/>
+            <a:ext cx="2505425" cy="6211167"/>
+          </a:xfrm>
+          <a:prstGeom prst="rect">
+            <a:avLst/>
+          </a:prstGeom>
+        </p:spPr>
+      </p:pic>
+    </p:spTree>
+    <p:extLst>
+      <p:ext uri="{BB962C8B-B14F-4D97-AF65-F5344CB8AC3E}">
+        <p14:creationId xmlns:p14="http://schemas.microsoft.com/office/powerpoint/2010/main" val="34082218"/>
       </p:ext>
     </p:extLst>
   </p:cSld>

--- a/7_2_AnalisisD_programando_R.pptx
+++ b/7_2_AnalisisD_programando_R.pptx
@@ -23,6 +23,7 @@
     <p:sldId id="271" r:id="rId17"/>
     <p:sldId id="272" r:id="rId18"/>
     <p:sldId id="273" r:id="rId19"/>
+    <p:sldId id="274" r:id="rId20"/>
   </p:sldIdLst>
   <p:sldSz cx="12192000" cy="6858000"/>
   <p:notesSz cx="6858000" cy="9144000"/>
@@ -278,7 +279,7 @@
           <a:p>
             <a:fld id="{11C87720-0156-4D51-B23E-EE6DF36ABC98}" type="datetimeFigureOut">
               <a:rPr lang="es-MX" smtClean="0"/>
-              <a:t>10/01/2025</a:t>
+              <a:t>16/01/2025</a:t>
             </a:fld>
             <a:endParaRPr lang="es-MX"/>
           </a:p>
@@ -478,7 +479,7 @@
           <a:p>
             <a:fld id="{11C87720-0156-4D51-B23E-EE6DF36ABC98}" type="datetimeFigureOut">
               <a:rPr lang="es-MX" smtClean="0"/>
-              <a:t>10/01/2025</a:t>
+              <a:t>16/01/2025</a:t>
             </a:fld>
             <a:endParaRPr lang="es-MX"/>
           </a:p>
@@ -688,7 +689,7 @@
           <a:p>
             <a:fld id="{11C87720-0156-4D51-B23E-EE6DF36ABC98}" type="datetimeFigureOut">
               <a:rPr lang="es-MX" smtClean="0"/>
-              <a:t>10/01/2025</a:t>
+              <a:t>16/01/2025</a:t>
             </a:fld>
             <a:endParaRPr lang="es-MX"/>
           </a:p>
@@ -888,7 +889,7 @@
           <a:p>
             <a:fld id="{11C87720-0156-4D51-B23E-EE6DF36ABC98}" type="datetimeFigureOut">
               <a:rPr lang="es-MX" smtClean="0"/>
-              <a:t>10/01/2025</a:t>
+              <a:t>16/01/2025</a:t>
             </a:fld>
             <a:endParaRPr lang="es-MX"/>
           </a:p>
@@ -1164,7 +1165,7 @@
           <a:p>
             <a:fld id="{11C87720-0156-4D51-B23E-EE6DF36ABC98}" type="datetimeFigureOut">
               <a:rPr lang="es-MX" smtClean="0"/>
-              <a:t>10/01/2025</a:t>
+              <a:t>16/01/2025</a:t>
             </a:fld>
             <a:endParaRPr lang="es-MX"/>
           </a:p>
@@ -1432,7 +1433,7 @@
           <a:p>
             <a:fld id="{11C87720-0156-4D51-B23E-EE6DF36ABC98}" type="datetimeFigureOut">
               <a:rPr lang="es-MX" smtClean="0"/>
-              <a:t>10/01/2025</a:t>
+              <a:t>16/01/2025</a:t>
             </a:fld>
             <a:endParaRPr lang="es-MX"/>
           </a:p>
@@ -1847,7 +1848,7 @@
           <a:p>
             <a:fld id="{11C87720-0156-4D51-B23E-EE6DF36ABC98}" type="datetimeFigureOut">
               <a:rPr lang="es-MX" smtClean="0"/>
-              <a:t>10/01/2025</a:t>
+              <a:t>16/01/2025</a:t>
             </a:fld>
             <a:endParaRPr lang="es-MX"/>
           </a:p>
@@ -1989,7 +1990,7 @@
           <a:p>
             <a:fld id="{11C87720-0156-4D51-B23E-EE6DF36ABC98}" type="datetimeFigureOut">
               <a:rPr lang="es-MX" smtClean="0"/>
-              <a:t>10/01/2025</a:t>
+              <a:t>16/01/2025</a:t>
             </a:fld>
             <a:endParaRPr lang="es-MX"/>
           </a:p>
@@ -2102,7 +2103,7 @@
           <a:p>
             <a:fld id="{11C87720-0156-4D51-B23E-EE6DF36ABC98}" type="datetimeFigureOut">
               <a:rPr lang="es-MX" smtClean="0"/>
-              <a:t>10/01/2025</a:t>
+              <a:t>16/01/2025</a:t>
             </a:fld>
             <a:endParaRPr lang="es-MX"/>
           </a:p>
@@ -2415,7 +2416,7 @@
           <a:p>
             <a:fld id="{11C87720-0156-4D51-B23E-EE6DF36ABC98}" type="datetimeFigureOut">
               <a:rPr lang="es-MX" smtClean="0"/>
-              <a:t>10/01/2025</a:t>
+              <a:t>16/01/2025</a:t>
             </a:fld>
             <a:endParaRPr lang="es-MX"/>
           </a:p>
@@ -2704,7 +2705,7 @@
           <a:p>
             <a:fld id="{11C87720-0156-4D51-B23E-EE6DF36ABC98}" type="datetimeFigureOut">
               <a:rPr lang="es-MX" smtClean="0"/>
-              <a:t>10/01/2025</a:t>
+              <a:t>16/01/2025</a:t>
             </a:fld>
             <a:endParaRPr lang="es-MX"/>
           </a:p>
@@ -2947,7 +2948,7 @@
           <a:p>
             <a:fld id="{11C87720-0156-4D51-B23E-EE6DF36ABC98}" type="datetimeFigureOut">
               <a:rPr lang="es-MX" smtClean="0"/>
-              <a:t>10/01/2025</a:t>
+              <a:t>16/01/2025</a:t>
             </a:fld>
             <a:endParaRPr lang="es-MX"/>
           </a:p>
@@ -6766,8 +6767,68 @@
         </p:blipFill>
         <p:spPr>
           <a:xfrm>
-            <a:off x="580569" y="323416"/>
+            <a:off x="808728" y="323416"/>
             <a:ext cx="2505425" cy="6211167"/>
+          </a:xfrm>
+          <a:prstGeom prst="rect">
+            <a:avLst/>
+          </a:prstGeom>
+        </p:spPr>
+      </p:pic>
+      <p:pic>
+        <p:nvPicPr>
+          <p:cNvPr id="3" name="Imagen 2">
+            <a:extLst>
+              <a:ext uri="{FF2B5EF4-FFF2-40B4-BE49-F238E27FC236}">
+                <a16:creationId xmlns:a16="http://schemas.microsoft.com/office/drawing/2014/main" id="{72764568-E5EA-2FBA-A620-22E18D1B1712}"/>
+              </a:ext>
+            </a:extLst>
+          </p:cNvPr>
+          <p:cNvPicPr>
+            <a:picLocks noChangeAspect="1"/>
+          </p:cNvPicPr>
+          <p:nvPr/>
+        </p:nvPicPr>
+        <p:blipFill>
+          <a:blip r:embed="rId3"/>
+          <a:stretch>
+            <a:fillRect/>
+          </a:stretch>
+        </p:blipFill>
+        <p:spPr>
+          <a:xfrm>
+            <a:off x="4202960" y="618786"/>
+            <a:ext cx="6643690" cy="3083785"/>
+          </a:xfrm>
+          <a:prstGeom prst="rect">
+            <a:avLst/>
+          </a:prstGeom>
+        </p:spPr>
+      </p:pic>
+      <p:pic>
+        <p:nvPicPr>
+          <p:cNvPr id="6" name="Imagen 5">
+            <a:extLst>
+              <a:ext uri="{FF2B5EF4-FFF2-40B4-BE49-F238E27FC236}">
+                <a16:creationId xmlns:a16="http://schemas.microsoft.com/office/drawing/2014/main" id="{B9C44D60-B004-121B-E42D-09CBA88C11AB}"/>
+              </a:ext>
+            </a:extLst>
+          </p:cNvPr>
+          <p:cNvPicPr>
+            <a:picLocks noChangeAspect="1"/>
+          </p:cNvPicPr>
+          <p:nvPr/>
+        </p:nvPicPr>
+        <p:blipFill>
+          <a:blip r:embed="rId4"/>
+          <a:stretch>
+            <a:fillRect/>
+          </a:stretch>
+        </p:blipFill>
+        <p:spPr>
+          <a:xfrm>
+            <a:off x="6491623" y="4179269"/>
+            <a:ext cx="3660390" cy="2355314"/>
           </a:xfrm>
           <a:prstGeom prst="rect">
             <a:avLst/>
@@ -6778,6 +6839,156 @@
     <p:extLst>
       <p:ext uri="{BB962C8B-B14F-4D97-AF65-F5344CB8AC3E}">
         <p14:creationId xmlns:p14="http://schemas.microsoft.com/office/powerpoint/2010/main" val="34082218"/>
+      </p:ext>
+    </p:extLst>
+  </p:cSld>
+  <p:clrMapOvr>
+    <a:masterClrMapping/>
+  </p:clrMapOvr>
+</p:sld>
+</file>
+
+<file path=ppt/slides/slide19.xml><?xml version="1.0" encoding="utf-8"?>
+<p:sld xmlns:a="http://schemas.openxmlformats.org/drawingml/2006/main" xmlns:r="http://schemas.openxmlformats.org/officeDocument/2006/relationships" xmlns:p="http://schemas.openxmlformats.org/presentationml/2006/main">
+  <p:cSld>
+    <p:spTree>
+      <p:nvGrpSpPr>
+        <p:cNvPr id="1" name=""/>
+        <p:cNvGrpSpPr/>
+        <p:nvPr/>
+      </p:nvGrpSpPr>
+      <p:grpSpPr>
+        <a:xfrm>
+          <a:off x="0" y="0"/>
+          <a:ext cx="0" cy="0"/>
+          <a:chOff x="0" y="0"/>
+          <a:chExt cx="0" cy="0"/>
+        </a:xfrm>
+      </p:grpSpPr>
+      <p:pic>
+        <p:nvPicPr>
+          <p:cNvPr id="5" name="Imagen 4">
+            <a:extLst>
+              <a:ext uri="{FF2B5EF4-FFF2-40B4-BE49-F238E27FC236}">
+                <a16:creationId xmlns:a16="http://schemas.microsoft.com/office/drawing/2014/main" id="{091DE1A9-1834-35C0-FBE3-BA33FEDA1846}"/>
+              </a:ext>
+            </a:extLst>
+          </p:cNvPr>
+          <p:cNvPicPr>
+            <a:picLocks noChangeAspect="1"/>
+          </p:cNvPicPr>
+          <p:nvPr/>
+        </p:nvPicPr>
+        <p:blipFill>
+          <a:blip r:embed="rId2"/>
+          <a:stretch>
+            <a:fillRect/>
+          </a:stretch>
+        </p:blipFill>
+        <p:spPr>
+          <a:xfrm>
+            <a:off x="487379" y="297934"/>
+            <a:ext cx="5904174" cy="1241677"/>
+          </a:xfrm>
+          <a:prstGeom prst="rect">
+            <a:avLst/>
+          </a:prstGeom>
+        </p:spPr>
+      </p:pic>
+      <p:pic>
+        <p:nvPicPr>
+          <p:cNvPr id="7" name="Imagen 6">
+            <a:extLst>
+              <a:ext uri="{FF2B5EF4-FFF2-40B4-BE49-F238E27FC236}">
+                <a16:creationId xmlns:a16="http://schemas.microsoft.com/office/drawing/2014/main" id="{739F97E3-BB84-006A-0A52-F28B60845114}"/>
+              </a:ext>
+            </a:extLst>
+          </p:cNvPr>
+          <p:cNvPicPr>
+            <a:picLocks noChangeAspect="1"/>
+          </p:cNvPicPr>
+          <p:nvPr/>
+        </p:nvPicPr>
+        <p:blipFill>
+          <a:blip r:embed="rId3"/>
+          <a:stretch>
+            <a:fillRect/>
+          </a:stretch>
+        </p:blipFill>
+        <p:spPr>
+          <a:xfrm>
+            <a:off x="294789" y="3429000"/>
+            <a:ext cx="6837335" cy="1180078"/>
+          </a:xfrm>
+          <a:prstGeom prst="rect">
+            <a:avLst/>
+          </a:prstGeom>
+        </p:spPr>
+      </p:pic>
+      <p:pic>
+        <p:nvPicPr>
+          <p:cNvPr id="9" name="Imagen 8">
+            <a:extLst>
+              <a:ext uri="{FF2B5EF4-FFF2-40B4-BE49-F238E27FC236}">
+                <a16:creationId xmlns:a16="http://schemas.microsoft.com/office/drawing/2014/main" id="{A4A8BB5F-8053-29A2-B275-E69B427BDC2D}"/>
+              </a:ext>
+            </a:extLst>
+          </p:cNvPr>
+          <p:cNvPicPr>
+            <a:picLocks noChangeAspect="1"/>
+          </p:cNvPicPr>
+          <p:nvPr/>
+        </p:nvPicPr>
+        <p:blipFill>
+          <a:blip r:embed="rId4"/>
+          <a:stretch>
+            <a:fillRect/>
+          </a:stretch>
+        </p:blipFill>
+        <p:spPr>
+          <a:xfrm>
+            <a:off x="5659228" y="1946278"/>
+            <a:ext cx="6003722" cy="1522810"/>
+          </a:xfrm>
+          <a:prstGeom prst="rect">
+            <a:avLst/>
+          </a:prstGeom>
+        </p:spPr>
+      </p:pic>
+      <p:pic>
+        <p:nvPicPr>
+          <p:cNvPr id="11" name="Imagen 10">
+            <a:extLst>
+              <a:ext uri="{FF2B5EF4-FFF2-40B4-BE49-F238E27FC236}">
+                <a16:creationId xmlns:a16="http://schemas.microsoft.com/office/drawing/2014/main" id="{495739E6-8E00-59DB-853B-9A41C9E4D287}"/>
+              </a:ext>
+            </a:extLst>
+          </p:cNvPr>
+          <p:cNvPicPr>
+            <a:picLocks noChangeAspect="1"/>
+          </p:cNvPicPr>
+          <p:nvPr/>
+        </p:nvPicPr>
+        <p:blipFill>
+          <a:blip r:embed="rId5"/>
+          <a:stretch>
+            <a:fillRect/>
+          </a:stretch>
+        </p:blipFill>
+        <p:spPr>
+          <a:xfrm>
+            <a:off x="5659228" y="5015745"/>
+            <a:ext cx="4984428" cy="1180079"/>
+          </a:xfrm>
+          <a:prstGeom prst="rect">
+            <a:avLst/>
+          </a:prstGeom>
+        </p:spPr>
+      </p:pic>
+    </p:spTree>
+    <p:extLst>
+      <p:ext uri="{BB962C8B-B14F-4D97-AF65-F5344CB8AC3E}">
+        <p14:creationId xmlns:p14="http://schemas.microsoft.com/office/powerpoint/2010/main" val="2539824363"/>
       </p:ext>
     </p:extLst>
   </p:cSld>

--- a/7_2_AnalisisD_programando_R.pptx
+++ b/7_2_AnalisisD_programando_R.pptx
@@ -24,6 +24,10 @@
     <p:sldId id="272" r:id="rId18"/>
     <p:sldId id="273" r:id="rId19"/>
     <p:sldId id="274" r:id="rId20"/>
+    <p:sldId id="275" r:id="rId21"/>
+    <p:sldId id="276" r:id="rId22"/>
+    <p:sldId id="277" r:id="rId23"/>
+    <p:sldId id="278" r:id="rId24"/>
   </p:sldIdLst>
   <p:sldSz cx="12192000" cy="6858000"/>
   <p:notesSz cx="6858000" cy="9144000"/>
@@ -279,7 +283,7 @@
           <a:p>
             <a:fld id="{11C87720-0156-4D51-B23E-EE6DF36ABC98}" type="datetimeFigureOut">
               <a:rPr lang="es-MX" smtClean="0"/>
-              <a:t>16/01/2025</a:t>
+              <a:t>08/02/2025</a:t>
             </a:fld>
             <a:endParaRPr lang="es-MX"/>
           </a:p>
@@ -479,7 +483,7 @@
           <a:p>
             <a:fld id="{11C87720-0156-4D51-B23E-EE6DF36ABC98}" type="datetimeFigureOut">
               <a:rPr lang="es-MX" smtClean="0"/>
-              <a:t>16/01/2025</a:t>
+              <a:t>08/02/2025</a:t>
             </a:fld>
             <a:endParaRPr lang="es-MX"/>
           </a:p>
@@ -689,7 +693,7 @@
           <a:p>
             <a:fld id="{11C87720-0156-4D51-B23E-EE6DF36ABC98}" type="datetimeFigureOut">
               <a:rPr lang="es-MX" smtClean="0"/>
-              <a:t>16/01/2025</a:t>
+              <a:t>08/02/2025</a:t>
             </a:fld>
             <a:endParaRPr lang="es-MX"/>
           </a:p>
@@ -889,7 +893,7 @@
           <a:p>
             <a:fld id="{11C87720-0156-4D51-B23E-EE6DF36ABC98}" type="datetimeFigureOut">
               <a:rPr lang="es-MX" smtClean="0"/>
-              <a:t>16/01/2025</a:t>
+              <a:t>08/02/2025</a:t>
             </a:fld>
             <a:endParaRPr lang="es-MX"/>
           </a:p>
@@ -1165,7 +1169,7 @@
           <a:p>
             <a:fld id="{11C87720-0156-4D51-B23E-EE6DF36ABC98}" type="datetimeFigureOut">
               <a:rPr lang="es-MX" smtClean="0"/>
-              <a:t>16/01/2025</a:t>
+              <a:t>08/02/2025</a:t>
             </a:fld>
             <a:endParaRPr lang="es-MX"/>
           </a:p>
@@ -1433,7 +1437,7 @@
           <a:p>
             <a:fld id="{11C87720-0156-4D51-B23E-EE6DF36ABC98}" type="datetimeFigureOut">
               <a:rPr lang="es-MX" smtClean="0"/>
-              <a:t>16/01/2025</a:t>
+              <a:t>08/02/2025</a:t>
             </a:fld>
             <a:endParaRPr lang="es-MX"/>
           </a:p>
@@ -1848,7 +1852,7 @@
           <a:p>
             <a:fld id="{11C87720-0156-4D51-B23E-EE6DF36ABC98}" type="datetimeFigureOut">
               <a:rPr lang="es-MX" smtClean="0"/>
-              <a:t>16/01/2025</a:t>
+              <a:t>08/02/2025</a:t>
             </a:fld>
             <a:endParaRPr lang="es-MX"/>
           </a:p>
@@ -1990,7 +1994,7 @@
           <a:p>
             <a:fld id="{11C87720-0156-4D51-B23E-EE6DF36ABC98}" type="datetimeFigureOut">
               <a:rPr lang="es-MX" smtClean="0"/>
-              <a:t>16/01/2025</a:t>
+              <a:t>08/02/2025</a:t>
             </a:fld>
             <a:endParaRPr lang="es-MX"/>
           </a:p>
@@ -2103,7 +2107,7 @@
           <a:p>
             <a:fld id="{11C87720-0156-4D51-B23E-EE6DF36ABC98}" type="datetimeFigureOut">
               <a:rPr lang="es-MX" smtClean="0"/>
-              <a:t>16/01/2025</a:t>
+              <a:t>08/02/2025</a:t>
             </a:fld>
             <a:endParaRPr lang="es-MX"/>
           </a:p>
@@ -2416,7 +2420,7 @@
           <a:p>
             <a:fld id="{11C87720-0156-4D51-B23E-EE6DF36ABC98}" type="datetimeFigureOut">
               <a:rPr lang="es-MX" smtClean="0"/>
-              <a:t>16/01/2025</a:t>
+              <a:t>08/02/2025</a:t>
             </a:fld>
             <a:endParaRPr lang="es-MX"/>
           </a:p>
@@ -2705,7 +2709,7 @@
           <a:p>
             <a:fld id="{11C87720-0156-4D51-B23E-EE6DF36ABC98}" type="datetimeFigureOut">
               <a:rPr lang="es-MX" smtClean="0"/>
-              <a:t>16/01/2025</a:t>
+              <a:t>08/02/2025</a:t>
             </a:fld>
             <a:endParaRPr lang="es-MX"/>
           </a:p>
@@ -2948,7 +2952,7 @@
           <a:p>
             <a:fld id="{11C87720-0156-4D51-B23E-EE6DF36ABC98}" type="datetimeFigureOut">
               <a:rPr lang="es-MX" smtClean="0"/>
-              <a:t>16/01/2025</a:t>
+              <a:t>08/02/2025</a:t>
             </a:fld>
             <a:endParaRPr lang="es-MX"/>
           </a:p>
@@ -6888,7 +6892,7 @@
         <p:spPr>
           <a:xfrm>
             <a:off x="487379" y="297934"/>
-            <a:ext cx="5904174" cy="1241677"/>
+            <a:ext cx="5039362" cy="1059803"/>
           </a:xfrm>
           <a:prstGeom prst="rect">
             <a:avLst/>
@@ -6917,8 +6921,8 @@
         </p:blipFill>
         <p:spPr>
           <a:xfrm>
-            <a:off x="294789" y="3429000"/>
-            <a:ext cx="6837335" cy="1180078"/>
+            <a:off x="294789" y="2392937"/>
+            <a:ext cx="6002916" cy="1036063"/>
           </a:xfrm>
           <a:prstGeom prst="rect">
             <a:avLst/>
@@ -6947,8 +6951,8 @@
         </p:blipFill>
         <p:spPr>
           <a:xfrm>
-            <a:off x="5659228" y="1946278"/>
-            <a:ext cx="6003722" cy="1522810"/>
+            <a:off x="6297705" y="1055982"/>
+            <a:ext cx="5566950" cy="1412025"/>
           </a:xfrm>
           <a:prstGeom prst="rect">
             <a:avLst/>
@@ -6977,8 +6981,38 @@
         </p:blipFill>
         <p:spPr>
           <a:xfrm>
-            <a:off x="5659228" y="5015745"/>
-            <a:ext cx="4984428" cy="1180079"/>
+            <a:off x="6660775" y="3870759"/>
+            <a:ext cx="4386292" cy="1038468"/>
+          </a:xfrm>
+          <a:prstGeom prst="rect">
+            <a:avLst/>
+          </a:prstGeom>
+        </p:spPr>
+      </p:pic>
+      <p:pic>
+        <p:nvPicPr>
+          <p:cNvPr id="3" name="Imagen 2">
+            <a:extLst>
+              <a:ext uri="{FF2B5EF4-FFF2-40B4-BE49-F238E27FC236}">
+                <a16:creationId xmlns:a16="http://schemas.microsoft.com/office/drawing/2014/main" id="{E7A18163-424B-7E2C-606F-B911FFF8130D}"/>
+              </a:ext>
+            </a:extLst>
+          </p:cNvPr>
+          <p:cNvPicPr>
+            <a:picLocks noChangeAspect="1"/>
+          </p:cNvPicPr>
+          <p:nvPr/>
+        </p:nvPicPr>
+        <p:blipFill>
+          <a:blip r:embed="rId6"/>
+          <a:stretch>
+            <a:fillRect/>
+          </a:stretch>
+        </p:blipFill>
+        <p:spPr>
+          <a:xfrm>
+            <a:off x="389359" y="4389993"/>
+            <a:ext cx="6002917" cy="1640172"/>
           </a:xfrm>
           <a:prstGeom prst="rect">
             <a:avLst/>
@@ -7109,6 +7143,774 @@
     <p:extLst>
       <p:ext uri="{BB962C8B-B14F-4D97-AF65-F5344CB8AC3E}">
         <p14:creationId xmlns:p14="http://schemas.microsoft.com/office/powerpoint/2010/main" val="3742166661"/>
+      </p:ext>
+    </p:extLst>
+  </p:cSld>
+  <p:clrMapOvr>
+    <a:masterClrMapping/>
+  </p:clrMapOvr>
+</p:sld>
+</file>
+
+<file path=ppt/slides/slide20.xml><?xml version="1.0" encoding="utf-8"?>
+<p:sld xmlns:a="http://schemas.openxmlformats.org/drawingml/2006/main" xmlns:r="http://schemas.openxmlformats.org/officeDocument/2006/relationships" xmlns:p="http://schemas.openxmlformats.org/presentationml/2006/main">
+  <p:cSld>
+    <p:spTree>
+      <p:nvGrpSpPr>
+        <p:cNvPr id="1" name=""/>
+        <p:cNvGrpSpPr/>
+        <p:nvPr/>
+      </p:nvGrpSpPr>
+      <p:grpSpPr>
+        <a:xfrm>
+          <a:off x="0" y="0"/>
+          <a:ext cx="0" cy="0"/>
+          <a:chOff x="0" y="0"/>
+          <a:chExt cx="0" cy="0"/>
+        </a:xfrm>
+      </p:grpSpPr>
+      <p:pic>
+        <p:nvPicPr>
+          <p:cNvPr id="5" name="Imagen 4">
+            <a:extLst>
+              <a:ext uri="{FF2B5EF4-FFF2-40B4-BE49-F238E27FC236}">
+                <a16:creationId xmlns:a16="http://schemas.microsoft.com/office/drawing/2014/main" id="{D0BB39C2-867C-B55B-16E6-2AAF00A86D1B}"/>
+              </a:ext>
+            </a:extLst>
+          </p:cNvPr>
+          <p:cNvPicPr>
+            <a:picLocks noChangeAspect="1"/>
+          </p:cNvPicPr>
+          <p:nvPr/>
+        </p:nvPicPr>
+        <p:blipFill>
+          <a:blip r:embed="rId2"/>
+          <a:stretch>
+            <a:fillRect/>
+          </a:stretch>
+        </p:blipFill>
+        <p:spPr>
+          <a:xfrm>
+            <a:off x="504919" y="797073"/>
+            <a:ext cx="10698068" cy="2391109"/>
+          </a:xfrm>
+          <a:prstGeom prst="rect">
+            <a:avLst/>
+          </a:prstGeom>
+        </p:spPr>
+      </p:pic>
+      <p:pic>
+        <p:nvPicPr>
+          <p:cNvPr id="7" name="Imagen 6">
+            <a:extLst>
+              <a:ext uri="{FF2B5EF4-FFF2-40B4-BE49-F238E27FC236}">
+                <a16:creationId xmlns:a16="http://schemas.microsoft.com/office/drawing/2014/main" id="{96FFD246-4C8E-86DB-3927-675CFA407976}"/>
+              </a:ext>
+            </a:extLst>
+          </p:cNvPr>
+          <p:cNvPicPr>
+            <a:picLocks noChangeAspect="1"/>
+          </p:cNvPicPr>
+          <p:nvPr/>
+        </p:nvPicPr>
+        <p:blipFill>
+          <a:blip r:embed="rId3"/>
+          <a:stretch>
+            <a:fillRect/>
+          </a:stretch>
+        </p:blipFill>
+        <p:spPr>
+          <a:xfrm>
+            <a:off x="351623" y="3898418"/>
+            <a:ext cx="11488753" cy="1562318"/>
+          </a:xfrm>
+          <a:prstGeom prst="rect">
+            <a:avLst/>
+          </a:prstGeom>
+        </p:spPr>
+      </p:pic>
+    </p:spTree>
+    <p:extLst>
+      <p:ext uri="{BB962C8B-B14F-4D97-AF65-F5344CB8AC3E}">
+        <p14:creationId xmlns:p14="http://schemas.microsoft.com/office/powerpoint/2010/main" val="2924701769"/>
+      </p:ext>
+    </p:extLst>
+  </p:cSld>
+  <p:clrMapOvr>
+    <a:masterClrMapping/>
+  </p:clrMapOvr>
+</p:sld>
+</file>
+
+<file path=ppt/slides/slide21.xml><?xml version="1.0" encoding="utf-8"?>
+<p:sld xmlns:a="http://schemas.openxmlformats.org/drawingml/2006/main" xmlns:r="http://schemas.openxmlformats.org/officeDocument/2006/relationships" xmlns:p="http://schemas.openxmlformats.org/presentationml/2006/main">
+  <p:cSld>
+    <p:spTree>
+      <p:nvGrpSpPr>
+        <p:cNvPr id="1" name=""/>
+        <p:cNvGrpSpPr/>
+        <p:nvPr/>
+      </p:nvGrpSpPr>
+      <p:grpSpPr>
+        <a:xfrm>
+          <a:off x="0" y="0"/>
+          <a:ext cx="0" cy="0"/>
+          <a:chOff x="0" y="0"/>
+          <a:chExt cx="0" cy="0"/>
+        </a:xfrm>
+      </p:grpSpPr>
+      <p:sp>
+        <p:nvSpPr>
+          <p:cNvPr id="2" name="Título 1">
+            <a:extLst>
+              <a:ext uri="{FF2B5EF4-FFF2-40B4-BE49-F238E27FC236}">
+                <a16:creationId xmlns:a16="http://schemas.microsoft.com/office/drawing/2014/main" id="{4B46FBD0-8A01-D60C-F407-69CF6F554D7E}"/>
+              </a:ext>
+            </a:extLst>
+          </p:cNvPr>
+          <p:cNvSpPr>
+            <a:spLocks noGrp="1"/>
+          </p:cNvSpPr>
+          <p:nvPr>
+            <p:ph type="title"/>
+          </p:nvPr>
+        </p:nvSpPr>
+        <p:spPr>
+          <a:xfrm>
+            <a:off x="636494" y="709986"/>
+            <a:ext cx="10515600" cy="562722"/>
+          </a:xfrm>
+        </p:spPr>
+        <p:txBody>
+          <a:bodyPr>
+            <a:noAutofit/>
+          </a:bodyPr>
+          <a:lstStyle/>
+          <a:p>
+            <a:r>
+              <a:rPr lang="es-MX" sz="3600" b="1" i="0" dirty="0">
+                <a:effectLst/>
+                <a:latin typeface="Source Sans Pro" panose="020B0503030403020204" pitchFamily="34" charset="0"/>
+              </a:rPr>
+              <a:t>Problemas comunes al visualizar en </a:t>
+            </a:r>
+            <a:endParaRPr lang="es-MX" sz="3600" dirty="0"/>
+          </a:p>
+        </p:txBody>
+      </p:sp>
+      <p:sp>
+        <p:nvSpPr>
+          <p:cNvPr id="3" name="Marcador de contenido 2">
+            <a:extLst>
+              <a:ext uri="{FF2B5EF4-FFF2-40B4-BE49-F238E27FC236}">
+                <a16:creationId xmlns:a16="http://schemas.microsoft.com/office/drawing/2014/main" id="{7E391B51-244E-BE1F-8A7A-89723034B110}"/>
+              </a:ext>
+            </a:extLst>
+          </p:cNvPr>
+          <p:cNvSpPr>
+            <a:spLocks noGrp="1"/>
+          </p:cNvSpPr>
+          <p:nvPr>
+            <p:ph idx="1"/>
+          </p:nvPr>
+        </p:nvSpPr>
+        <p:spPr>
+          <a:xfrm>
+            <a:off x="636494" y="1906307"/>
+            <a:ext cx="10515600" cy="4351338"/>
+          </a:xfrm>
+        </p:spPr>
+        <p:txBody>
+          <a:bodyPr>
+            <a:normAutofit fontScale="92500" lnSpcReduction="20000"/>
+          </a:bodyPr>
+          <a:lstStyle/>
+          <a:p>
+            <a:pPr algn="l"/>
+            <a:r>
+              <a:rPr lang="es-MX" b="1" i="0" dirty="0">
+                <a:solidFill>
+                  <a:srgbClr val="1F1F1F"/>
+                </a:solidFill>
+                <a:effectLst/>
+                <a:latin typeface="unset"/>
+              </a:rPr>
+              <a:t>Distinción entre mayúsculas y minúsculas </a:t>
+            </a:r>
+            <a:endParaRPr lang="es-MX" b="1" i="0" dirty="0">
+              <a:solidFill>
+                <a:srgbClr val="1F1F1F"/>
+              </a:solidFill>
+              <a:effectLst/>
+              <a:latin typeface="Source Sans Pro" panose="020B0503030403020204" pitchFamily="34" charset="0"/>
+            </a:endParaRPr>
+          </a:p>
+          <a:p>
+            <a:pPr algn="l"/>
+            <a:r>
+              <a:rPr lang="es-MX" b="1" i="0" dirty="0">
+                <a:solidFill>
+                  <a:srgbClr val="1F1F1F"/>
+                </a:solidFill>
+                <a:effectLst/>
+                <a:latin typeface="unset"/>
+              </a:rPr>
+              <a:t>Equilibrar paréntesis y comillas </a:t>
+            </a:r>
+            <a:endParaRPr lang="es-MX" b="1" i="0" dirty="0">
+              <a:solidFill>
+                <a:srgbClr val="1F1F1F"/>
+              </a:solidFill>
+              <a:effectLst/>
+              <a:latin typeface="Source Sans Pro" panose="020B0503030403020204" pitchFamily="34" charset="0"/>
+            </a:endParaRPr>
+          </a:p>
+          <a:p>
+            <a:r>
+              <a:rPr lang="es-MX" b="1" i="0" dirty="0">
+                <a:solidFill>
+                  <a:srgbClr val="1F1F1F"/>
+                </a:solidFill>
+                <a:effectLst/>
+                <a:latin typeface="unset"/>
+              </a:rPr>
+              <a:t>Uso del signo más para agregar capas </a:t>
+            </a:r>
+            <a:endParaRPr lang="es-MX" b="1" i="0" dirty="0">
+              <a:solidFill>
+                <a:srgbClr val="1F1F1F"/>
+              </a:solidFill>
+              <a:effectLst/>
+              <a:latin typeface="Source Sans Pro" panose="020B0503030403020204" pitchFamily="34" charset="0"/>
+            </a:endParaRPr>
+          </a:p>
+          <a:p>
+            <a:pPr marL="0" indent="0">
+              <a:buNone/>
+            </a:pPr>
+            <a:endParaRPr lang="es-MX" dirty="0"/>
+          </a:p>
+          <a:p>
+            <a:pPr marL="0" indent="0">
+              <a:buNone/>
+            </a:pPr>
+            <a:r>
+              <a:rPr lang="es-MX" b="1" i="0" dirty="0">
+                <a:solidFill>
+                  <a:srgbClr val="1F1F1F"/>
+                </a:solidFill>
+                <a:effectLst/>
+                <a:latin typeface="unset"/>
+              </a:rPr>
+              <a:t>Recursos de ayuda</a:t>
+            </a:r>
+          </a:p>
+          <a:p>
+            <a:r>
+              <a:rPr lang="en-US" b="0" i="0" u="sng" dirty="0">
+                <a:solidFill>
+                  <a:srgbClr val="1F1F1F"/>
+                </a:solidFill>
+                <a:effectLst/>
+                <a:latin typeface="var(--cds-font-family-source-sans-pro)"/>
+                <a:hlinkClick r:id="rId2"/>
+              </a:rPr>
+              <a:t>R for Data Science Online Learning Community</a:t>
+            </a:r>
+            <a:endParaRPr lang="es-MX" b="0" i="0" dirty="0">
+              <a:solidFill>
+                <a:srgbClr val="1F1F1F"/>
+              </a:solidFill>
+              <a:effectLst/>
+              <a:latin typeface="var(--cds-font-family-source-sans-pro)"/>
+            </a:endParaRPr>
+          </a:p>
+          <a:p>
+            <a:pPr algn="l">
+              <a:buFont typeface="Arial" panose="020B0604020202020204" pitchFamily="34" charset="0"/>
+              <a:buChar char="•"/>
+            </a:pPr>
+            <a:r>
+              <a:rPr lang="es-MX" b="0" i="0" u="sng" dirty="0" err="1">
+                <a:solidFill>
+                  <a:srgbClr val="1F1F1F"/>
+                </a:solidFill>
+                <a:effectLst/>
+                <a:latin typeface="var(--cds-font-family-source-sans-pro)"/>
+                <a:hlinkClick r:id="rId3"/>
+              </a:rPr>
+              <a:t>RStudio</a:t>
+            </a:r>
+            <a:r>
+              <a:rPr lang="es-MX" b="0" i="0" u="sng" dirty="0">
+                <a:solidFill>
+                  <a:srgbClr val="1F1F1F"/>
+                </a:solidFill>
+                <a:effectLst/>
+                <a:latin typeface="var(--cds-font-family-source-sans-pro)"/>
+                <a:hlinkClick r:id="rId3"/>
+              </a:rPr>
+              <a:t> </a:t>
+            </a:r>
+            <a:r>
+              <a:rPr lang="es-MX" b="0" i="0" u="sng" dirty="0" err="1">
+                <a:solidFill>
+                  <a:srgbClr val="1F1F1F"/>
+                </a:solidFill>
+                <a:effectLst/>
+                <a:latin typeface="var(--cds-font-family-source-sans-pro)"/>
+                <a:hlinkClick r:id="rId3"/>
+              </a:rPr>
+              <a:t>Community</a:t>
+            </a:r>
+            <a:endParaRPr lang="es-MX" b="0" i="0" dirty="0">
+              <a:solidFill>
+                <a:srgbClr val="1F1F1F"/>
+              </a:solidFill>
+              <a:effectLst/>
+              <a:latin typeface="var(--cds-font-family-source-sans-pro)"/>
+            </a:endParaRPr>
+          </a:p>
+          <a:p>
+            <a:pPr algn="l">
+              <a:buFont typeface="Arial" panose="020B0604020202020204" pitchFamily="34" charset="0"/>
+              <a:buChar char="•"/>
+            </a:pPr>
+            <a:r>
+              <a:rPr lang="es-MX" b="0" i="0" u="sng" dirty="0" err="1">
+                <a:solidFill>
+                  <a:srgbClr val="1F1F1F"/>
+                </a:solidFill>
+                <a:effectLst/>
+                <a:latin typeface="var(--cds-font-family-source-sans-pro)"/>
+                <a:hlinkClick r:id="rId4"/>
+              </a:rPr>
+              <a:t>Stackoverflow</a:t>
+            </a:r>
+            <a:br>
+              <a:rPr lang="es-MX" b="0" i="0" u="sng" dirty="0">
+                <a:solidFill>
+                  <a:srgbClr val="1F1F1F"/>
+                </a:solidFill>
+                <a:effectLst/>
+                <a:latin typeface="var(--cds-font-family-source-sans-pro)"/>
+                <a:hlinkClick r:id="rId5"/>
+              </a:rPr>
+            </a:br>
+            <a:br>
+              <a:rPr lang="es-MX" b="0" i="0" u="sng" dirty="0">
+                <a:solidFill>
+                  <a:srgbClr val="1F1F1F"/>
+                </a:solidFill>
+                <a:effectLst/>
+                <a:latin typeface="var(--cds-font-family-source-sans-pro)"/>
+                <a:hlinkClick r:id="rId4"/>
+              </a:rPr>
+            </a:br>
+            <a:br>
+              <a:rPr lang="es-MX" dirty="0"/>
+            </a:br>
+            <a:br>
+              <a:rPr lang="es-MX" dirty="0"/>
+            </a:br>
+            <a:endParaRPr lang="es-MX" dirty="0"/>
+          </a:p>
+        </p:txBody>
+      </p:sp>
+    </p:spTree>
+    <p:extLst>
+      <p:ext uri="{BB962C8B-B14F-4D97-AF65-F5344CB8AC3E}">
+        <p14:creationId xmlns:p14="http://schemas.microsoft.com/office/powerpoint/2010/main" val="3966686939"/>
+      </p:ext>
+    </p:extLst>
+  </p:cSld>
+  <p:clrMapOvr>
+    <a:masterClrMapping/>
+  </p:clrMapOvr>
+</p:sld>
+</file>
+
+<file path=ppt/slides/slide22.xml><?xml version="1.0" encoding="utf-8"?>
+<p:sld xmlns:a="http://schemas.openxmlformats.org/drawingml/2006/main" xmlns:r="http://schemas.openxmlformats.org/officeDocument/2006/relationships" xmlns:p="http://schemas.openxmlformats.org/presentationml/2006/main">
+  <p:cSld>
+    <p:spTree>
+      <p:nvGrpSpPr>
+        <p:cNvPr id="1" name=""/>
+        <p:cNvGrpSpPr/>
+        <p:nvPr/>
+      </p:nvGrpSpPr>
+      <p:grpSpPr>
+        <a:xfrm>
+          <a:off x="0" y="0"/>
+          <a:ext cx="0" cy="0"/>
+          <a:chOff x="0" y="0"/>
+          <a:chExt cx="0" cy="0"/>
+        </a:xfrm>
+      </p:grpSpPr>
+      <p:pic>
+        <p:nvPicPr>
+          <p:cNvPr id="5" name="Imagen 4">
+            <a:extLst>
+              <a:ext uri="{FF2B5EF4-FFF2-40B4-BE49-F238E27FC236}">
+                <a16:creationId xmlns:a16="http://schemas.microsoft.com/office/drawing/2014/main" id="{87315A45-6B7B-1251-CB9D-18D69E47303B}"/>
+              </a:ext>
+            </a:extLst>
+          </p:cNvPr>
+          <p:cNvPicPr>
+            <a:picLocks noChangeAspect="1"/>
+          </p:cNvPicPr>
+          <p:nvPr/>
+        </p:nvPicPr>
+        <p:blipFill>
+          <a:blip r:embed="rId2"/>
+          <a:stretch>
+            <a:fillRect/>
+          </a:stretch>
+        </p:blipFill>
+        <p:spPr>
+          <a:xfrm>
+            <a:off x="611254" y="565315"/>
+            <a:ext cx="6818833" cy="4871926"/>
+          </a:xfrm>
+          <a:prstGeom prst="rect">
+            <a:avLst/>
+          </a:prstGeom>
+        </p:spPr>
+      </p:pic>
+      <p:sp>
+        <p:nvSpPr>
+          <p:cNvPr id="6" name="CuadroTexto 5">
+            <a:extLst>
+              <a:ext uri="{FF2B5EF4-FFF2-40B4-BE49-F238E27FC236}">
+                <a16:creationId xmlns:a16="http://schemas.microsoft.com/office/drawing/2014/main" id="{6CA99BC0-0CA9-C2F6-C561-C3555F773B54}"/>
+              </a:ext>
+            </a:extLst>
+          </p:cNvPr>
+          <p:cNvSpPr txBox="1"/>
+          <p:nvPr/>
+        </p:nvSpPr>
+        <p:spPr>
+          <a:xfrm>
+            <a:off x="4020671" y="1877959"/>
+            <a:ext cx="7368988" cy="4524315"/>
+          </a:xfrm>
+          <a:prstGeom prst="rect">
+            <a:avLst/>
+          </a:prstGeom>
+          <a:noFill/>
+        </p:spPr>
+        <p:txBody>
+          <a:bodyPr wrap="square" rtlCol="0">
+            <a:spAutoFit/>
+          </a:bodyPr>
+          <a:lstStyle/>
+          <a:p>
+            <a:pPr algn="just"/>
+            <a:r>
+              <a:rPr lang="es-MX" b="1" i="0" dirty="0">
+                <a:solidFill>
+                  <a:srgbClr val="1F1F1F"/>
+                </a:solidFill>
+                <a:effectLst/>
+                <a:latin typeface="unset"/>
+              </a:rPr>
+              <a:t>Ggplot2</a:t>
+            </a:r>
+            <a:r>
+              <a:rPr lang="es-MX" b="0" i="0" dirty="0">
+                <a:solidFill>
+                  <a:srgbClr val="1F1F1F"/>
+                </a:solidFill>
+                <a:effectLst/>
+                <a:latin typeface="Source Sans Pro" panose="020B0503030403020204" pitchFamily="34" charset="0"/>
+              </a:rPr>
+              <a:t> es un paquete de R que te permite crear diferentes tipos de visualizaciones de datos directamente en tu lugar de trabajo R. En ggplot2, una </a:t>
+            </a:r>
+            <a:r>
+              <a:rPr lang="es-MX" b="1" i="0" dirty="0">
+                <a:solidFill>
+                  <a:srgbClr val="1F1F1F"/>
+                </a:solidFill>
+                <a:effectLst/>
+                <a:latin typeface="unset"/>
+              </a:rPr>
+              <a:t>estética</a:t>
+            </a:r>
+            <a:r>
+              <a:rPr lang="es-MX" b="0" i="0" dirty="0">
+                <a:solidFill>
+                  <a:srgbClr val="1F1F1F"/>
+                </a:solidFill>
+                <a:effectLst/>
+                <a:latin typeface="Source Sans Pro" panose="020B0503030403020204" pitchFamily="34" charset="0"/>
+              </a:rPr>
+              <a:t> se define como una propiedad visual de un objeto de tu diagrama. </a:t>
+            </a:r>
+          </a:p>
+          <a:p>
+            <a:pPr algn="just"/>
+            <a:endParaRPr lang="es-MX" b="0" i="0" dirty="0">
+              <a:solidFill>
+                <a:srgbClr val="1F1F1F"/>
+              </a:solidFill>
+              <a:effectLst/>
+              <a:latin typeface="Source Sans Pro" panose="020B0503030403020204" pitchFamily="34" charset="0"/>
+            </a:endParaRPr>
+          </a:p>
+          <a:p>
+            <a:pPr algn="just"/>
+            <a:r>
+              <a:rPr lang="es-MX" b="0" i="0" dirty="0">
+                <a:solidFill>
+                  <a:srgbClr val="1F1F1F"/>
+                </a:solidFill>
+                <a:effectLst/>
+                <a:latin typeface="Source Sans Pro" panose="020B0503030403020204" pitchFamily="34" charset="0"/>
+              </a:rPr>
+              <a:t>Existen tres atributos estéticos en ggplot2:</a:t>
+            </a:r>
+          </a:p>
+          <a:p>
+            <a:pPr lvl="1" algn="just">
+              <a:buFont typeface="Arial" panose="020B0604020202020204" pitchFamily="34" charset="0"/>
+              <a:buChar char="•"/>
+            </a:pPr>
+            <a:r>
+              <a:rPr lang="es-MX" b="1" i="0" dirty="0">
+                <a:solidFill>
+                  <a:srgbClr val="1F1F1F"/>
+                </a:solidFill>
+                <a:effectLst/>
+                <a:latin typeface="unset"/>
+              </a:rPr>
+              <a:t>Color</a:t>
+            </a:r>
+            <a:r>
+              <a:rPr lang="es-MX" b="0" i="0" dirty="0">
+                <a:solidFill>
+                  <a:srgbClr val="1F1F1F"/>
+                </a:solidFill>
+                <a:effectLst/>
+                <a:latin typeface="var(--cds-font-family-source-sans-pro)"/>
+              </a:rPr>
+              <a:t>: te permite modificar el color de todos los puntos de tu diagrama o el color de cada grupo de datos</a:t>
+            </a:r>
+          </a:p>
+          <a:p>
+            <a:pPr lvl="1" algn="just">
+              <a:buFont typeface="Arial" panose="020B0604020202020204" pitchFamily="34" charset="0"/>
+              <a:buChar char="•"/>
+            </a:pPr>
+            <a:r>
+              <a:rPr lang="es-MX" b="1" i="0" dirty="0">
+                <a:solidFill>
+                  <a:srgbClr val="1F1F1F"/>
+                </a:solidFill>
+                <a:effectLst/>
+                <a:latin typeface="unset"/>
+              </a:rPr>
+              <a:t>Tamaño</a:t>
+            </a:r>
+            <a:r>
+              <a:rPr lang="es-MX" b="0" i="0" dirty="0">
+                <a:solidFill>
+                  <a:srgbClr val="1F1F1F"/>
+                </a:solidFill>
+                <a:effectLst/>
+                <a:latin typeface="var(--cds-font-family-source-sans-pro)"/>
+              </a:rPr>
+              <a:t>: te permite modificar el tamaño de los puntos de tu diagrama por grupo de datos</a:t>
+            </a:r>
+          </a:p>
+          <a:p>
+            <a:pPr lvl="1" algn="just">
+              <a:buFont typeface="Arial" panose="020B0604020202020204" pitchFamily="34" charset="0"/>
+              <a:buChar char="•"/>
+            </a:pPr>
+            <a:r>
+              <a:rPr lang="es-MX" b="1" i="0" dirty="0">
+                <a:solidFill>
+                  <a:srgbClr val="1F1F1F"/>
+                </a:solidFill>
+                <a:effectLst/>
+                <a:latin typeface="unset"/>
+              </a:rPr>
+              <a:t>Forma</a:t>
+            </a:r>
+            <a:r>
+              <a:rPr lang="es-MX" b="0" i="0" dirty="0">
+                <a:solidFill>
+                  <a:srgbClr val="1F1F1F"/>
+                </a:solidFill>
+                <a:effectLst/>
+                <a:latin typeface="var(--cds-font-family-source-sans-pro)"/>
+              </a:rPr>
+              <a:t>: te permite modificar la forma de los puntos de tu diagrama por grupo de datos</a:t>
+            </a:r>
+          </a:p>
+          <a:p>
+            <a:pPr algn="just"/>
+            <a:endParaRPr lang="es-MX" dirty="0"/>
+          </a:p>
+          <a:p>
+            <a:pPr algn="just"/>
+            <a:r>
+              <a:rPr lang="es-MX" b="1" i="0" u="sng" dirty="0">
+                <a:effectLst/>
+                <a:latin typeface="unset"/>
+                <a:hlinkClick r:id="rId3"/>
+              </a:rPr>
+              <a:t>Hoja de referencia de visualización de datos con ggplot2</a:t>
+            </a:r>
+            <a:endParaRPr lang="es-MX" b="1" i="0" u="sng" dirty="0">
+              <a:effectLst/>
+              <a:latin typeface="unset"/>
+            </a:endParaRPr>
+          </a:p>
+          <a:p>
+            <a:pPr algn="just"/>
+            <a:r>
+              <a:rPr lang="es-MX" b="1" i="0" u="sng" dirty="0">
+                <a:effectLst/>
+                <a:latin typeface="unset"/>
+                <a:hlinkClick r:id="rId4"/>
+              </a:rPr>
+              <a:t>Introducción a R de </a:t>
+            </a:r>
+            <a:r>
+              <a:rPr lang="es-MX" b="1" i="0" u="sng" dirty="0" err="1">
+                <a:effectLst/>
+                <a:latin typeface="unset"/>
+                <a:hlinkClick r:id="rId4"/>
+              </a:rPr>
+              <a:t>Stats</a:t>
+            </a:r>
+            <a:r>
+              <a:rPr lang="es-MX" b="1" i="0" u="sng" dirty="0">
+                <a:effectLst/>
+                <a:latin typeface="unset"/>
+                <a:hlinkClick r:id="rId4"/>
+              </a:rPr>
+              <a:t> </a:t>
+            </a:r>
+            <a:r>
+              <a:rPr lang="es-MX" b="1" i="0" u="sng" dirty="0" err="1">
+                <a:effectLst/>
+                <a:latin typeface="unset"/>
+                <a:hlinkClick r:id="rId4"/>
+              </a:rPr>
+              <a:t>Education</a:t>
+            </a:r>
+            <a:endParaRPr lang="es-MX" b="1" u="sng" dirty="0">
+              <a:latin typeface="unset"/>
+            </a:endParaRPr>
+          </a:p>
+          <a:p>
+            <a:pPr algn="just"/>
+            <a:r>
+              <a:rPr lang="es-MX" b="1" i="0" u="sng" dirty="0">
+                <a:effectLst/>
+                <a:latin typeface="unset"/>
+                <a:hlinkClick r:id="rId5"/>
+              </a:rPr>
+              <a:t>Función aes en </a:t>
+            </a:r>
+            <a:r>
+              <a:rPr lang="es-MX" b="1" i="0" u="sng" dirty="0" err="1">
+                <a:effectLst/>
+                <a:latin typeface="unset"/>
+                <a:hlinkClick r:id="rId5"/>
+              </a:rPr>
+              <a:t>RDocumentation</a:t>
+            </a:r>
+            <a:endParaRPr lang="es-MX" dirty="0"/>
+          </a:p>
+        </p:txBody>
+      </p:sp>
+    </p:spTree>
+    <p:extLst>
+      <p:ext uri="{BB962C8B-B14F-4D97-AF65-F5344CB8AC3E}">
+        <p14:creationId xmlns:p14="http://schemas.microsoft.com/office/powerpoint/2010/main" val="4232021287"/>
+      </p:ext>
+    </p:extLst>
+  </p:cSld>
+  <p:clrMapOvr>
+    <a:masterClrMapping/>
+  </p:clrMapOvr>
+</p:sld>
+</file>
+
+<file path=ppt/slides/slide23.xml><?xml version="1.0" encoding="utf-8"?>
+<p:sld xmlns:a="http://schemas.openxmlformats.org/drawingml/2006/main" xmlns:r="http://schemas.openxmlformats.org/officeDocument/2006/relationships" xmlns:p="http://schemas.openxmlformats.org/presentationml/2006/main">
+  <p:cSld>
+    <p:spTree>
+      <p:nvGrpSpPr>
+        <p:cNvPr id="1" name=""/>
+        <p:cNvGrpSpPr/>
+        <p:nvPr/>
+      </p:nvGrpSpPr>
+      <p:grpSpPr>
+        <a:xfrm>
+          <a:off x="0" y="0"/>
+          <a:ext cx="0" cy="0"/>
+          <a:chOff x="0" y="0"/>
+          <a:chExt cx="0" cy="0"/>
+        </a:xfrm>
+      </p:grpSpPr>
+      <p:sp>
+        <p:nvSpPr>
+          <p:cNvPr id="2" name="Título 1">
+            <a:extLst>
+              <a:ext uri="{FF2B5EF4-FFF2-40B4-BE49-F238E27FC236}">
+                <a16:creationId xmlns:a16="http://schemas.microsoft.com/office/drawing/2014/main" id="{9DD42C22-9FF3-739D-2322-7C1AD266BFB9}"/>
+              </a:ext>
+            </a:extLst>
+          </p:cNvPr>
+          <p:cNvSpPr>
+            <a:spLocks noGrp="1"/>
+          </p:cNvSpPr>
+          <p:nvPr>
+            <p:ph type="title"/>
+          </p:nvPr>
+        </p:nvSpPr>
+        <p:spPr/>
+        <p:txBody>
+          <a:bodyPr/>
+          <a:lstStyle/>
+          <a:p>
+            <a:endParaRPr lang="es-MX"/>
+          </a:p>
+        </p:txBody>
+      </p:sp>
+      <p:sp>
+        <p:nvSpPr>
+          <p:cNvPr id="3" name="Marcador de contenido 2">
+            <a:extLst>
+              <a:ext uri="{FF2B5EF4-FFF2-40B4-BE49-F238E27FC236}">
+                <a16:creationId xmlns:a16="http://schemas.microsoft.com/office/drawing/2014/main" id="{BC8D6EA5-AB7D-7850-F0C8-6B980B42AB95}"/>
+              </a:ext>
+            </a:extLst>
+          </p:cNvPr>
+          <p:cNvSpPr>
+            <a:spLocks noGrp="1"/>
+          </p:cNvSpPr>
+          <p:nvPr>
+            <p:ph idx="1"/>
+          </p:nvPr>
+        </p:nvSpPr>
+        <p:spPr/>
+        <p:txBody>
+          <a:bodyPr/>
+          <a:lstStyle/>
+          <a:p>
+            <a:endParaRPr lang="es-MX"/>
+          </a:p>
+        </p:txBody>
+      </p:sp>
+    </p:spTree>
+    <p:extLst>
+      <p:ext uri="{BB962C8B-B14F-4D97-AF65-F5344CB8AC3E}">
+        <p14:creationId xmlns:p14="http://schemas.microsoft.com/office/powerpoint/2010/main" val="3759148916"/>
       </p:ext>
     </p:extLst>
   </p:cSld>

--- a/7_2_AnalisisD_programando_R.pptx
+++ b/7_2_AnalisisD_programando_R.pptx
@@ -28,6 +28,7 @@
     <p:sldId id="276" r:id="rId22"/>
     <p:sldId id="277" r:id="rId23"/>
     <p:sldId id="278" r:id="rId24"/>
+    <p:sldId id="279" r:id="rId25"/>
   </p:sldIdLst>
   <p:sldSz cx="12192000" cy="6858000"/>
   <p:notesSz cx="6858000" cy="9144000"/>
@@ -283,7 +284,7 @@
           <a:p>
             <a:fld id="{11C87720-0156-4D51-B23E-EE6DF36ABC98}" type="datetimeFigureOut">
               <a:rPr lang="es-MX" smtClean="0"/>
-              <a:t>08/02/2025</a:t>
+              <a:t>13/02/2025</a:t>
             </a:fld>
             <a:endParaRPr lang="es-MX"/>
           </a:p>
@@ -483,7 +484,7 @@
           <a:p>
             <a:fld id="{11C87720-0156-4D51-B23E-EE6DF36ABC98}" type="datetimeFigureOut">
               <a:rPr lang="es-MX" smtClean="0"/>
-              <a:t>08/02/2025</a:t>
+              <a:t>13/02/2025</a:t>
             </a:fld>
             <a:endParaRPr lang="es-MX"/>
           </a:p>
@@ -693,7 +694,7 @@
           <a:p>
             <a:fld id="{11C87720-0156-4D51-B23E-EE6DF36ABC98}" type="datetimeFigureOut">
               <a:rPr lang="es-MX" smtClean="0"/>
-              <a:t>08/02/2025</a:t>
+              <a:t>13/02/2025</a:t>
             </a:fld>
             <a:endParaRPr lang="es-MX"/>
           </a:p>
@@ -893,7 +894,7 @@
           <a:p>
             <a:fld id="{11C87720-0156-4D51-B23E-EE6DF36ABC98}" type="datetimeFigureOut">
               <a:rPr lang="es-MX" smtClean="0"/>
-              <a:t>08/02/2025</a:t>
+              <a:t>13/02/2025</a:t>
             </a:fld>
             <a:endParaRPr lang="es-MX"/>
           </a:p>
@@ -1169,7 +1170,7 @@
           <a:p>
             <a:fld id="{11C87720-0156-4D51-B23E-EE6DF36ABC98}" type="datetimeFigureOut">
               <a:rPr lang="es-MX" smtClean="0"/>
-              <a:t>08/02/2025</a:t>
+              <a:t>13/02/2025</a:t>
             </a:fld>
             <a:endParaRPr lang="es-MX"/>
           </a:p>
@@ -1437,7 +1438,7 @@
           <a:p>
             <a:fld id="{11C87720-0156-4D51-B23E-EE6DF36ABC98}" type="datetimeFigureOut">
               <a:rPr lang="es-MX" smtClean="0"/>
-              <a:t>08/02/2025</a:t>
+              <a:t>13/02/2025</a:t>
             </a:fld>
             <a:endParaRPr lang="es-MX"/>
           </a:p>
@@ -1852,7 +1853,7 @@
           <a:p>
             <a:fld id="{11C87720-0156-4D51-B23E-EE6DF36ABC98}" type="datetimeFigureOut">
               <a:rPr lang="es-MX" smtClean="0"/>
-              <a:t>08/02/2025</a:t>
+              <a:t>13/02/2025</a:t>
             </a:fld>
             <a:endParaRPr lang="es-MX"/>
           </a:p>
@@ -1994,7 +1995,7 @@
           <a:p>
             <a:fld id="{11C87720-0156-4D51-B23E-EE6DF36ABC98}" type="datetimeFigureOut">
               <a:rPr lang="es-MX" smtClean="0"/>
-              <a:t>08/02/2025</a:t>
+              <a:t>13/02/2025</a:t>
             </a:fld>
             <a:endParaRPr lang="es-MX"/>
           </a:p>
@@ -2107,7 +2108,7 @@
           <a:p>
             <a:fld id="{11C87720-0156-4D51-B23E-EE6DF36ABC98}" type="datetimeFigureOut">
               <a:rPr lang="es-MX" smtClean="0"/>
-              <a:t>08/02/2025</a:t>
+              <a:t>13/02/2025</a:t>
             </a:fld>
             <a:endParaRPr lang="es-MX"/>
           </a:p>
@@ -2420,7 +2421,7 @@
           <a:p>
             <a:fld id="{11C87720-0156-4D51-B23E-EE6DF36ABC98}" type="datetimeFigureOut">
               <a:rPr lang="es-MX" smtClean="0"/>
-              <a:t>08/02/2025</a:t>
+              <a:t>13/02/2025</a:t>
             </a:fld>
             <a:endParaRPr lang="es-MX"/>
           </a:p>
@@ -2709,7 +2710,7 @@
           <a:p>
             <a:fld id="{11C87720-0156-4D51-B23E-EE6DF36ABC98}" type="datetimeFigureOut">
               <a:rPr lang="es-MX" smtClean="0"/>
-              <a:t>08/02/2025</a:t>
+              <a:t>13/02/2025</a:t>
             </a:fld>
             <a:endParaRPr lang="es-MX"/>
           </a:p>
@@ -2952,7 +2953,7 @@
           <a:p>
             <a:fld id="{11C87720-0156-4D51-B23E-EE6DF36ABC98}" type="datetimeFigureOut">
               <a:rPr lang="es-MX" smtClean="0"/>
-              <a:t>08/02/2025</a:t>
+              <a:t>13/02/2025</a:t>
             </a:fld>
             <a:endParaRPr lang="es-MX"/>
           </a:p>
@@ -7857,12 +7858,554 @@
           <a:chExt cx="0" cy="0"/>
         </a:xfrm>
       </p:grpSpPr>
+      <p:pic>
+        <p:nvPicPr>
+          <p:cNvPr id="5" name="Imagen 4">
+            <a:extLst>
+              <a:ext uri="{FF2B5EF4-FFF2-40B4-BE49-F238E27FC236}">
+                <a16:creationId xmlns:a16="http://schemas.microsoft.com/office/drawing/2014/main" id="{BE7868B7-07AC-2E4B-D6FF-9F5FD34872B8}"/>
+              </a:ext>
+            </a:extLst>
+          </p:cNvPr>
+          <p:cNvPicPr>
+            <a:picLocks noChangeAspect="1"/>
+          </p:cNvPicPr>
+          <p:nvPr/>
+        </p:nvPicPr>
+        <p:blipFill>
+          <a:blip r:embed="rId2"/>
+          <a:stretch>
+            <a:fillRect/>
+          </a:stretch>
+        </p:blipFill>
+        <p:spPr>
+          <a:xfrm>
+            <a:off x="894132" y="700386"/>
+            <a:ext cx="4936381" cy="3438925"/>
+          </a:xfrm>
+          <a:prstGeom prst="rect">
+            <a:avLst/>
+          </a:prstGeom>
+        </p:spPr>
+      </p:pic>
+      <p:sp>
+        <p:nvSpPr>
+          <p:cNvPr id="6" name="CuadroTexto 5">
+            <a:extLst>
+              <a:ext uri="{FF2B5EF4-FFF2-40B4-BE49-F238E27FC236}">
+                <a16:creationId xmlns:a16="http://schemas.microsoft.com/office/drawing/2014/main" id="{EB521FA7-5D44-014B-3DE3-06B3D8D7ECC3}"/>
+              </a:ext>
+            </a:extLst>
+          </p:cNvPr>
+          <p:cNvSpPr txBox="1"/>
+          <p:nvPr/>
+        </p:nvSpPr>
+        <p:spPr>
+          <a:xfrm>
+            <a:off x="1466287" y="4080845"/>
+            <a:ext cx="2984691" cy="1969193"/>
+          </a:xfrm>
+          <a:prstGeom prst="rect">
+            <a:avLst/>
+          </a:prstGeom>
+          <a:noFill/>
+        </p:spPr>
+        <p:txBody>
+          <a:bodyPr wrap="square" rtlCol="0">
+            <a:spAutoFit/>
+          </a:bodyPr>
+          <a:lstStyle/>
+          <a:p>
+            <a:pPr marL="285750" indent="-285750">
+              <a:lnSpc>
+                <a:spcPct val="150000"/>
+              </a:lnSpc>
+              <a:buFont typeface="Arial" panose="020B0604020202020204" pitchFamily="34" charset="0"/>
+              <a:buChar char="•"/>
+            </a:pPr>
+            <a:r>
+              <a:rPr lang="es-MX" sz="2800" b="1" dirty="0" err="1">
+                <a:solidFill>
+                  <a:schemeClr val="tx2">
+                    <a:lumMod val="50000"/>
+                    <a:lumOff val="50000"/>
+                  </a:schemeClr>
+                </a:solidFill>
+              </a:rPr>
+              <a:t>geom_smooth</a:t>
+            </a:r>
+            <a:endParaRPr lang="es-MX" sz="2800" b="1" dirty="0">
+              <a:solidFill>
+                <a:schemeClr val="tx2">
+                  <a:lumMod val="50000"/>
+                  <a:lumOff val="50000"/>
+                </a:schemeClr>
+              </a:solidFill>
+            </a:endParaRPr>
+          </a:p>
+          <a:p>
+            <a:pPr marL="285750" indent="-285750">
+              <a:lnSpc>
+                <a:spcPct val="150000"/>
+              </a:lnSpc>
+              <a:buFont typeface="Arial" panose="020B0604020202020204" pitchFamily="34" charset="0"/>
+              <a:buChar char="•"/>
+            </a:pPr>
+            <a:r>
+              <a:rPr lang="es-MX" sz="2800" b="1" dirty="0" err="1">
+                <a:solidFill>
+                  <a:schemeClr val="tx2">
+                    <a:lumMod val="50000"/>
+                    <a:lumOff val="50000"/>
+                  </a:schemeClr>
+                </a:solidFill>
+              </a:rPr>
+              <a:t>geom_jitter</a:t>
+            </a:r>
+            <a:endParaRPr lang="es-MX" sz="2800" b="1" dirty="0">
+              <a:solidFill>
+                <a:schemeClr val="tx2">
+                  <a:lumMod val="50000"/>
+                  <a:lumOff val="50000"/>
+                </a:schemeClr>
+              </a:solidFill>
+            </a:endParaRPr>
+          </a:p>
+          <a:p>
+            <a:pPr marL="285750" indent="-285750">
+              <a:lnSpc>
+                <a:spcPct val="150000"/>
+              </a:lnSpc>
+              <a:buFont typeface="Arial" panose="020B0604020202020204" pitchFamily="34" charset="0"/>
+              <a:buChar char="•"/>
+            </a:pPr>
+            <a:endParaRPr lang="es-MX" sz="2800" b="1" dirty="0">
+              <a:solidFill>
+                <a:schemeClr val="tx2">
+                  <a:lumMod val="50000"/>
+                  <a:lumOff val="50000"/>
+                </a:schemeClr>
+              </a:solidFill>
+            </a:endParaRPr>
+          </a:p>
+        </p:txBody>
+      </p:sp>
+      <p:sp>
+        <p:nvSpPr>
+          <p:cNvPr id="10" name="CuadroTexto 9">
+            <a:extLst>
+              <a:ext uri="{FF2B5EF4-FFF2-40B4-BE49-F238E27FC236}">
+                <a16:creationId xmlns:a16="http://schemas.microsoft.com/office/drawing/2014/main" id="{45C91B16-16FF-5CCF-2F28-0F9112B528B2}"/>
+              </a:ext>
+            </a:extLst>
+          </p:cNvPr>
+          <p:cNvSpPr txBox="1"/>
+          <p:nvPr/>
+        </p:nvSpPr>
+        <p:spPr>
+          <a:xfrm>
+            <a:off x="5830513" y="2139790"/>
+            <a:ext cx="5768787" cy="3365024"/>
+          </a:xfrm>
+          <a:prstGeom prst="rect">
+            <a:avLst/>
+          </a:prstGeom>
+          <a:noFill/>
+        </p:spPr>
+        <p:txBody>
+          <a:bodyPr wrap="square" rtlCol="0">
+            <a:spAutoFit/>
+          </a:bodyPr>
+          <a:lstStyle/>
+          <a:p>
+            <a:pPr>
+              <a:lnSpc>
+                <a:spcPct val="150000"/>
+              </a:lnSpc>
+            </a:pPr>
+            <a:r>
+              <a:rPr lang="es-MX" b="1" dirty="0" err="1">
+                <a:solidFill>
+                  <a:schemeClr val="accent1"/>
+                </a:solidFill>
+                <a:latin typeface="Arial" panose="020B0604020202020204" pitchFamily="34" charset="0"/>
+                <a:cs typeface="Arial" panose="020B0604020202020204" pitchFamily="34" charset="0"/>
+              </a:rPr>
+              <a:t>ggplot</a:t>
+            </a:r>
+            <a:r>
+              <a:rPr lang="es-MX" b="1" dirty="0">
+                <a:solidFill>
+                  <a:schemeClr val="accent1"/>
+                </a:solidFill>
+                <a:latin typeface="Arial" panose="020B0604020202020204" pitchFamily="34" charset="0"/>
+                <a:cs typeface="Arial" panose="020B0604020202020204" pitchFamily="34" charset="0"/>
+              </a:rPr>
+              <a:t>(data = </a:t>
+            </a:r>
+            <a:r>
+              <a:rPr lang="es-MX" b="1" dirty="0" err="1">
+                <a:solidFill>
+                  <a:schemeClr val="accent1"/>
+                </a:solidFill>
+                <a:latin typeface="Arial" panose="020B0604020202020204" pitchFamily="34" charset="0"/>
+                <a:cs typeface="Arial" panose="020B0604020202020204" pitchFamily="34" charset="0"/>
+              </a:rPr>
+              <a:t>penguins</a:t>
+            </a:r>
+            <a:r>
+              <a:rPr lang="es-MX" b="1" dirty="0">
+                <a:solidFill>
+                  <a:schemeClr val="accent1"/>
+                </a:solidFill>
+                <a:latin typeface="Arial" panose="020B0604020202020204" pitchFamily="34" charset="0"/>
+                <a:cs typeface="Arial" panose="020B0604020202020204" pitchFamily="34" charset="0"/>
+              </a:rPr>
+              <a:t>) </a:t>
+            </a:r>
+            <a:r>
+              <a:rPr lang="es-MX" b="1" dirty="0">
+                <a:solidFill>
+                  <a:srgbClr val="00B050"/>
+                </a:solidFill>
+                <a:latin typeface="Arial" panose="020B0604020202020204" pitchFamily="34" charset="0"/>
+                <a:cs typeface="Arial" panose="020B0604020202020204" pitchFamily="34" charset="0"/>
+              </a:rPr>
+              <a:t>+</a:t>
+            </a:r>
+            <a:r>
+              <a:rPr lang="es-MX" b="1" dirty="0" err="1">
+                <a:solidFill>
+                  <a:srgbClr val="00B050"/>
+                </a:solidFill>
+                <a:latin typeface="Arial" panose="020B0604020202020204" pitchFamily="34" charset="0"/>
+                <a:cs typeface="Arial" panose="020B0604020202020204" pitchFamily="34" charset="0"/>
+              </a:rPr>
+              <a:t>geom_smooth</a:t>
+            </a:r>
+            <a:r>
+              <a:rPr lang="es-MX" b="1" dirty="0">
+                <a:solidFill>
+                  <a:srgbClr val="00B050"/>
+                </a:solidFill>
+                <a:latin typeface="Arial" panose="020B0604020202020204" pitchFamily="34" charset="0"/>
+                <a:cs typeface="Arial" panose="020B0604020202020204" pitchFamily="34" charset="0"/>
+              </a:rPr>
+              <a:t>(</a:t>
+            </a:r>
+            <a:r>
+              <a:rPr lang="es-MX" b="1" dirty="0" err="1">
+                <a:solidFill>
+                  <a:srgbClr val="00B050"/>
+                </a:solidFill>
+                <a:latin typeface="Arial" panose="020B0604020202020204" pitchFamily="34" charset="0"/>
+                <a:cs typeface="Arial" panose="020B0604020202020204" pitchFamily="34" charset="0"/>
+              </a:rPr>
+              <a:t>mapping</a:t>
+            </a:r>
+            <a:r>
+              <a:rPr lang="es-MX" b="1" dirty="0">
+                <a:solidFill>
+                  <a:srgbClr val="00B050"/>
+                </a:solidFill>
+                <a:latin typeface="Arial" panose="020B0604020202020204" pitchFamily="34" charset="0"/>
+                <a:cs typeface="Arial" panose="020B0604020202020204" pitchFamily="34" charset="0"/>
+              </a:rPr>
+              <a:t> = aes(x = </a:t>
+            </a:r>
+            <a:r>
+              <a:rPr lang="es-MX" b="1" dirty="0" err="1">
+                <a:solidFill>
+                  <a:srgbClr val="00B050"/>
+                </a:solidFill>
+                <a:latin typeface="Arial" panose="020B0604020202020204" pitchFamily="34" charset="0"/>
+                <a:cs typeface="Arial" panose="020B0604020202020204" pitchFamily="34" charset="0"/>
+              </a:rPr>
+              <a:t>flipper_length_mm</a:t>
+            </a:r>
+            <a:r>
+              <a:rPr lang="es-MX" b="1" dirty="0">
+                <a:solidFill>
+                  <a:srgbClr val="00B050"/>
+                </a:solidFill>
+                <a:latin typeface="Arial" panose="020B0604020202020204" pitchFamily="34" charset="0"/>
+                <a:cs typeface="Arial" panose="020B0604020202020204" pitchFamily="34" charset="0"/>
+              </a:rPr>
+              <a:t>, y = </a:t>
+            </a:r>
+            <a:r>
+              <a:rPr lang="es-MX" b="1" dirty="0" err="1">
+                <a:solidFill>
+                  <a:srgbClr val="00B050"/>
+                </a:solidFill>
+                <a:latin typeface="Arial" panose="020B0604020202020204" pitchFamily="34" charset="0"/>
+                <a:cs typeface="Arial" panose="020B0604020202020204" pitchFamily="34" charset="0"/>
+              </a:rPr>
+              <a:t>body_mass_g</a:t>
+            </a:r>
+            <a:r>
+              <a:rPr lang="es-MX" b="1" dirty="0">
+                <a:solidFill>
+                  <a:srgbClr val="00B050"/>
+                </a:solidFill>
+                <a:latin typeface="Arial" panose="020B0604020202020204" pitchFamily="34" charset="0"/>
+                <a:cs typeface="Arial" panose="020B0604020202020204" pitchFamily="34" charset="0"/>
+              </a:rPr>
+              <a:t>)) + </a:t>
+            </a:r>
+            <a:r>
+              <a:rPr lang="es-MX" b="1" dirty="0" err="1">
+                <a:solidFill>
+                  <a:schemeClr val="accent5">
+                    <a:lumMod val="75000"/>
+                  </a:schemeClr>
+                </a:solidFill>
+                <a:latin typeface="Arial" panose="020B0604020202020204" pitchFamily="34" charset="0"/>
+                <a:cs typeface="Arial" panose="020B0604020202020204" pitchFamily="34" charset="0"/>
+              </a:rPr>
+              <a:t>geom_point</a:t>
+            </a:r>
+            <a:r>
+              <a:rPr lang="es-MX" b="1" dirty="0">
+                <a:solidFill>
+                  <a:schemeClr val="accent5">
+                    <a:lumMod val="75000"/>
+                  </a:schemeClr>
+                </a:solidFill>
+                <a:latin typeface="Arial" panose="020B0604020202020204" pitchFamily="34" charset="0"/>
+                <a:cs typeface="Arial" panose="020B0604020202020204" pitchFamily="34" charset="0"/>
+              </a:rPr>
+              <a:t>(</a:t>
+            </a:r>
+            <a:r>
+              <a:rPr lang="es-MX" b="1" dirty="0" err="1">
+                <a:solidFill>
+                  <a:schemeClr val="accent5">
+                    <a:lumMod val="75000"/>
+                  </a:schemeClr>
+                </a:solidFill>
+                <a:latin typeface="Arial" panose="020B0604020202020204" pitchFamily="34" charset="0"/>
+                <a:cs typeface="Arial" panose="020B0604020202020204" pitchFamily="34" charset="0"/>
+              </a:rPr>
+              <a:t>mapping</a:t>
+            </a:r>
+            <a:r>
+              <a:rPr lang="es-MX" b="1" dirty="0">
+                <a:solidFill>
+                  <a:schemeClr val="accent5">
+                    <a:lumMod val="75000"/>
+                  </a:schemeClr>
+                </a:solidFill>
+                <a:latin typeface="Arial" panose="020B0604020202020204" pitchFamily="34" charset="0"/>
+                <a:cs typeface="Arial" panose="020B0604020202020204" pitchFamily="34" charset="0"/>
+              </a:rPr>
+              <a:t> = aes(x = </a:t>
+            </a:r>
+            <a:r>
+              <a:rPr lang="es-MX" b="1" dirty="0" err="1">
+                <a:solidFill>
+                  <a:schemeClr val="accent5">
+                    <a:lumMod val="75000"/>
+                  </a:schemeClr>
+                </a:solidFill>
+                <a:latin typeface="Arial" panose="020B0604020202020204" pitchFamily="34" charset="0"/>
+                <a:cs typeface="Arial" panose="020B0604020202020204" pitchFamily="34" charset="0"/>
+              </a:rPr>
+              <a:t>flipper_length_mm</a:t>
+            </a:r>
+            <a:r>
+              <a:rPr lang="es-MX" b="1" dirty="0">
+                <a:solidFill>
+                  <a:schemeClr val="accent5">
+                    <a:lumMod val="75000"/>
+                  </a:schemeClr>
+                </a:solidFill>
+                <a:latin typeface="Arial" panose="020B0604020202020204" pitchFamily="34" charset="0"/>
+                <a:cs typeface="Arial" panose="020B0604020202020204" pitchFamily="34" charset="0"/>
+              </a:rPr>
+              <a:t>, y = </a:t>
+            </a:r>
+            <a:r>
+              <a:rPr lang="es-MX" b="1" dirty="0" err="1">
+                <a:solidFill>
+                  <a:schemeClr val="accent5">
+                    <a:lumMod val="75000"/>
+                  </a:schemeClr>
+                </a:solidFill>
+                <a:latin typeface="Arial" panose="020B0604020202020204" pitchFamily="34" charset="0"/>
+                <a:cs typeface="Arial" panose="020B0604020202020204" pitchFamily="34" charset="0"/>
+              </a:rPr>
+              <a:t>body_mass_g</a:t>
+            </a:r>
+            <a:r>
+              <a:rPr lang="es-MX" b="1" dirty="0">
+                <a:solidFill>
+                  <a:schemeClr val="accent5">
+                    <a:lumMod val="75000"/>
+                  </a:schemeClr>
+                </a:solidFill>
+                <a:latin typeface="Arial" panose="020B0604020202020204" pitchFamily="34" charset="0"/>
+                <a:cs typeface="Arial" panose="020B0604020202020204" pitchFamily="34" charset="0"/>
+              </a:rPr>
+              <a:t>))</a:t>
+            </a:r>
+          </a:p>
+          <a:p>
+            <a:pPr>
+              <a:lnSpc>
+                <a:spcPct val="150000"/>
+              </a:lnSpc>
+            </a:pPr>
+            <a:endParaRPr lang="es-MX" b="1" dirty="0">
+              <a:solidFill>
+                <a:schemeClr val="accent2">
+                  <a:lumMod val="75000"/>
+                </a:schemeClr>
+              </a:solidFill>
+              <a:latin typeface="Arial" panose="020B0604020202020204" pitchFamily="34" charset="0"/>
+              <a:cs typeface="Arial" panose="020B0604020202020204" pitchFamily="34" charset="0"/>
+            </a:endParaRPr>
+          </a:p>
+          <a:p>
+            <a:pPr>
+              <a:lnSpc>
+                <a:spcPct val="150000"/>
+              </a:lnSpc>
+            </a:pPr>
+            <a:r>
+              <a:rPr lang="en-US" b="1" dirty="0" err="1">
+                <a:solidFill>
+                  <a:schemeClr val="accent2">
+                    <a:lumMod val="75000"/>
+                  </a:schemeClr>
+                </a:solidFill>
+                <a:latin typeface="Arial" panose="020B0604020202020204" pitchFamily="34" charset="0"/>
+                <a:cs typeface="Arial" panose="020B0604020202020204" pitchFamily="34" charset="0"/>
+              </a:rPr>
+              <a:t>ggplot</a:t>
+            </a:r>
+            <a:r>
+              <a:rPr lang="en-US" b="1" dirty="0">
+                <a:solidFill>
+                  <a:schemeClr val="accent2">
+                    <a:lumMod val="75000"/>
+                  </a:schemeClr>
+                </a:solidFill>
+                <a:latin typeface="Arial" panose="020B0604020202020204" pitchFamily="34" charset="0"/>
+                <a:cs typeface="Arial" panose="020B0604020202020204" pitchFamily="34" charset="0"/>
+              </a:rPr>
+              <a:t>(data = diamonds) +</a:t>
+            </a:r>
+            <a:r>
+              <a:rPr lang="en-US" b="1" dirty="0" err="1">
+                <a:solidFill>
+                  <a:schemeClr val="accent2">
+                    <a:lumMod val="75000"/>
+                  </a:schemeClr>
+                </a:solidFill>
+                <a:latin typeface="Arial" panose="020B0604020202020204" pitchFamily="34" charset="0"/>
+                <a:cs typeface="Arial" panose="020B0604020202020204" pitchFamily="34" charset="0"/>
+              </a:rPr>
+              <a:t>geom_bar</a:t>
+            </a:r>
+            <a:r>
+              <a:rPr lang="en-US" b="1" dirty="0">
+                <a:solidFill>
+                  <a:schemeClr val="accent2">
+                    <a:lumMod val="75000"/>
+                  </a:schemeClr>
+                </a:solidFill>
+                <a:latin typeface="Arial" panose="020B0604020202020204" pitchFamily="34" charset="0"/>
+                <a:cs typeface="Arial" panose="020B0604020202020204" pitchFamily="34" charset="0"/>
+              </a:rPr>
+              <a:t>(mapping = </a:t>
+            </a:r>
+            <a:r>
+              <a:rPr lang="en-US" b="1" dirty="0" err="1">
+                <a:solidFill>
+                  <a:schemeClr val="accent2">
+                    <a:lumMod val="75000"/>
+                  </a:schemeClr>
+                </a:solidFill>
+                <a:latin typeface="Arial" panose="020B0604020202020204" pitchFamily="34" charset="0"/>
+                <a:cs typeface="Arial" panose="020B0604020202020204" pitchFamily="34" charset="0"/>
+              </a:rPr>
+              <a:t>aes</a:t>
+            </a:r>
+            <a:r>
+              <a:rPr lang="en-US" b="1" dirty="0">
+                <a:solidFill>
+                  <a:schemeClr val="accent2">
+                    <a:lumMod val="75000"/>
+                  </a:schemeClr>
+                </a:solidFill>
+                <a:latin typeface="Arial" panose="020B0604020202020204" pitchFamily="34" charset="0"/>
+                <a:cs typeface="Arial" panose="020B0604020202020204" pitchFamily="34" charset="0"/>
+              </a:rPr>
+              <a:t>(x = cut, fill=cut))</a:t>
+            </a:r>
+            <a:endParaRPr lang="es-MX" b="1" dirty="0">
+              <a:solidFill>
+                <a:schemeClr val="accent2">
+                  <a:lumMod val="75000"/>
+                </a:schemeClr>
+              </a:solidFill>
+              <a:latin typeface="Arial" panose="020B0604020202020204" pitchFamily="34" charset="0"/>
+              <a:cs typeface="Arial" panose="020B0604020202020204" pitchFamily="34" charset="0"/>
+            </a:endParaRPr>
+          </a:p>
+          <a:p>
+            <a:pPr>
+              <a:lnSpc>
+                <a:spcPct val="150000"/>
+              </a:lnSpc>
+            </a:pPr>
+            <a:endParaRPr lang="es-MX" b="1" dirty="0">
+              <a:solidFill>
+                <a:srgbClr val="00B050"/>
+              </a:solidFill>
+              <a:latin typeface="Arial" panose="020B0604020202020204" pitchFamily="34" charset="0"/>
+              <a:cs typeface="Arial" panose="020B0604020202020204" pitchFamily="34" charset="0"/>
+            </a:endParaRPr>
+          </a:p>
+        </p:txBody>
+      </p:sp>
+    </p:spTree>
+    <p:extLst>
+      <p:ext uri="{BB962C8B-B14F-4D97-AF65-F5344CB8AC3E}">
+        <p14:creationId xmlns:p14="http://schemas.microsoft.com/office/powerpoint/2010/main" val="3759148916"/>
+      </p:ext>
+    </p:extLst>
+  </p:cSld>
+  <p:clrMapOvr>
+    <a:masterClrMapping/>
+  </p:clrMapOvr>
+</p:sld>
+</file>
+
+<file path=ppt/slides/slide24.xml><?xml version="1.0" encoding="utf-8"?>
+<p:sld xmlns:a="http://schemas.openxmlformats.org/drawingml/2006/main" xmlns:r="http://schemas.openxmlformats.org/officeDocument/2006/relationships" xmlns:p="http://schemas.openxmlformats.org/presentationml/2006/main">
+  <p:cSld>
+    <p:spTree>
+      <p:nvGrpSpPr>
+        <p:cNvPr id="1" name=""/>
+        <p:cNvGrpSpPr/>
+        <p:nvPr/>
+      </p:nvGrpSpPr>
+      <p:grpSpPr>
+        <a:xfrm>
+          <a:off x="0" y="0"/>
+          <a:ext cx="0" cy="0"/>
+          <a:chOff x="0" y="0"/>
+          <a:chExt cx="0" cy="0"/>
+        </a:xfrm>
+      </p:grpSpPr>
       <p:sp>
         <p:nvSpPr>
           <p:cNvPr id="2" name="Título 1">
             <a:extLst>
               <a:ext uri="{FF2B5EF4-FFF2-40B4-BE49-F238E27FC236}">
-                <a16:creationId xmlns:a16="http://schemas.microsoft.com/office/drawing/2014/main" id="{9DD42C22-9FF3-739D-2322-7C1AD266BFB9}"/>
+                <a16:creationId xmlns:a16="http://schemas.microsoft.com/office/drawing/2014/main" id="{74FF4972-B2E4-18F6-CD1A-45C462C71A18}"/>
               </a:ext>
             </a:extLst>
           </p:cNvPr>
@@ -7873,12 +8416,26 @@
             <p:ph type="title"/>
           </p:nvPr>
         </p:nvSpPr>
-        <p:spPr/>
+        <p:spPr>
+          <a:xfrm>
+            <a:off x="2649873" y="201706"/>
+            <a:ext cx="3006418" cy="664097"/>
+          </a:xfrm>
+        </p:spPr>
         <p:txBody>
-          <a:bodyPr/>
+          <a:bodyPr>
+            <a:normAutofit fontScale="90000"/>
+          </a:bodyPr>
           <a:lstStyle/>
           <a:p>
-            <a:endParaRPr lang="es-MX"/>
+            <a:r>
+              <a:rPr lang="es-MX" b="1" i="0" dirty="0">
+                <a:effectLst/>
+                <a:latin typeface="Source Sans Pro" panose="020B0503030403020204" pitchFamily="34" charset="0"/>
+              </a:rPr>
+              <a:t>Suavizado</a:t>
+            </a:r>
+            <a:endParaRPr lang="es-MX" dirty="0"/>
           </a:p>
         </p:txBody>
       </p:sp>
@@ -7887,7 +8444,7 @@
           <p:cNvPr id="3" name="Marcador de contenido 2">
             <a:extLst>
               <a:ext uri="{FF2B5EF4-FFF2-40B4-BE49-F238E27FC236}">
-                <a16:creationId xmlns:a16="http://schemas.microsoft.com/office/drawing/2014/main" id="{BC8D6EA5-AB7D-7850-F0C8-6B980B42AB95}"/>
+                <a16:creationId xmlns:a16="http://schemas.microsoft.com/office/drawing/2014/main" id="{87035C27-5FEC-C95C-6140-3249E59BD283}"/>
               </a:ext>
             </a:extLst>
           </p:cNvPr>
@@ -7898,19 +8455,204 @@
             <p:ph idx="1"/>
           </p:nvPr>
         </p:nvSpPr>
-        <p:spPr/>
+        <p:spPr>
+          <a:xfrm>
+            <a:off x="308254" y="1081539"/>
+            <a:ext cx="11249162" cy="4351338"/>
+          </a:xfrm>
+        </p:spPr>
         <p:txBody>
-          <a:bodyPr/>
+          <a:bodyPr>
+            <a:normAutofit/>
+          </a:bodyPr>
           <a:lstStyle/>
           <a:p>
-            <a:endParaRPr lang="es-MX"/>
+            <a:pPr marL="0" indent="0" algn="just">
+              <a:buNone/>
+            </a:pPr>
+            <a:r>
+              <a:rPr lang="es-MX" sz="2400" b="0" i="0" dirty="0">
+                <a:solidFill>
+                  <a:srgbClr val="1F1F1F"/>
+                </a:solidFill>
+                <a:effectLst/>
+                <a:latin typeface="Source Sans Pro" panose="020B0503030403020204" pitchFamily="34" charset="0"/>
+              </a:rPr>
+              <a:t>A veces, puede ser difícil comprender tendencias en tus datos solo a través de diagramas de dispersión. El </a:t>
+            </a:r>
+            <a:r>
+              <a:rPr lang="es-MX" sz="2400" b="1" i="0" dirty="0">
+                <a:solidFill>
+                  <a:srgbClr val="1F1F1F"/>
+                </a:solidFill>
+                <a:effectLst/>
+                <a:latin typeface="unset"/>
+              </a:rPr>
+              <a:t>suavizado</a:t>
+            </a:r>
+            <a:r>
+              <a:rPr lang="es-MX" sz="2400" b="0" i="0" dirty="0">
+                <a:solidFill>
+                  <a:srgbClr val="1F1F1F"/>
+                </a:solidFill>
+                <a:effectLst/>
+                <a:latin typeface="Source Sans Pro" panose="020B0503030403020204" pitchFamily="34" charset="0"/>
+              </a:rPr>
+              <a:t> permite detectar una tendencia de datos aun cuando no puedes notar con facilidad una tendencia en los puntos de datos graficados. La funcionalidad de suavizado de ggplot2 es útil porque suma una </a:t>
+            </a:r>
+            <a:r>
+              <a:rPr lang="es-MX" sz="2400" b="1" i="0" dirty="0">
+                <a:solidFill>
+                  <a:srgbClr val="1F1F1F"/>
+                </a:solidFill>
+                <a:effectLst/>
+                <a:latin typeface="unset"/>
+              </a:rPr>
+              <a:t>línea de suavizado</a:t>
+            </a:r>
+            <a:r>
+              <a:rPr lang="es-MX" sz="2400" b="0" i="0" dirty="0">
+                <a:solidFill>
+                  <a:srgbClr val="1F1F1F"/>
+                </a:solidFill>
+                <a:effectLst/>
+                <a:latin typeface="Source Sans Pro" panose="020B0503030403020204" pitchFamily="34" charset="0"/>
+              </a:rPr>
+              <a:t> como otra capa en un diagrama; la línea de suavizado ayuda a que un observador casual entienda el sentido de los datos. </a:t>
+            </a:r>
+            <a:br>
+              <a:rPr lang="es-MX" sz="1600" b="0" i="0" u="sng" dirty="0">
+                <a:effectLst/>
+                <a:latin typeface="Source Sans Pro" panose="020B0503030403020204" pitchFamily="34" charset="0"/>
+                <a:hlinkClick r:id="rId2"/>
+              </a:rPr>
+            </a:br>
+            <a:r>
+              <a:rPr lang="es-MX" sz="1600" b="1" i="0" u="sng" dirty="0">
+                <a:effectLst/>
+                <a:latin typeface="unset"/>
+                <a:hlinkClick r:id="rId2"/>
+              </a:rPr>
+              <a:t>Introducción a R de </a:t>
+            </a:r>
+            <a:r>
+              <a:rPr lang="es-MX" sz="1600" b="1" i="0" u="sng" dirty="0" err="1">
+                <a:effectLst/>
+                <a:latin typeface="unset"/>
+                <a:hlinkClick r:id="rId2"/>
+              </a:rPr>
+              <a:t>Stats</a:t>
+            </a:r>
+            <a:r>
+              <a:rPr lang="es-MX" sz="1600" b="1" i="0" u="sng" dirty="0">
+                <a:effectLst/>
+                <a:latin typeface="unset"/>
+                <a:hlinkClick r:id="rId2"/>
+              </a:rPr>
+              <a:t> </a:t>
+            </a:r>
+            <a:r>
+              <a:rPr lang="es-MX" sz="1600" b="1" i="0" u="sng" dirty="0" err="1">
+                <a:effectLst/>
+                <a:latin typeface="unset"/>
+                <a:hlinkClick r:id="rId2"/>
+              </a:rPr>
+              <a:t>Education</a:t>
+            </a:r>
+            <a:endParaRPr lang="es-MX" sz="2400" dirty="0"/>
           </a:p>
         </p:txBody>
       </p:sp>
+      <p:pic>
+        <p:nvPicPr>
+          <p:cNvPr id="1026" name="Picture 2" descr="Screenshot of a scatterplot. There are points on the plot with a blue smoothing line indicating the upward trend of the poi">
+            <a:extLst>
+              <a:ext uri="{FF2B5EF4-FFF2-40B4-BE49-F238E27FC236}">
+                <a16:creationId xmlns:a16="http://schemas.microsoft.com/office/drawing/2014/main" id="{F6A37C28-812A-2B09-5878-11A8E4465DFC}"/>
+              </a:ext>
+            </a:extLst>
+          </p:cNvPr>
+          <p:cNvPicPr>
+            <a:picLocks noChangeAspect="1" noChangeArrowheads="1"/>
+          </p:cNvPicPr>
+          <p:nvPr/>
+        </p:nvPicPr>
+        <p:blipFill>
+          <a:blip r:embed="rId3">
+            <a:extLst>
+              <a:ext uri="{BEBA8EAE-BF5A-486C-A8C5-ECC9F3942E4B}">
+                <a14:imgProps xmlns:a14="http://schemas.microsoft.com/office/drawing/2010/main">
+                  <a14:imgLayer r:embed="rId4">
+                    <a14:imgEffect>
+                      <a14:colorTemperature colorTemp="8800"/>
+                    </a14:imgEffect>
+                  </a14:imgLayer>
+                </a14:imgProps>
+              </a:ext>
+              <a:ext uri="{28A0092B-C50C-407E-A947-70E740481C1C}">
+                <a14:useLocalDpi xmlns:a14="http://schemas.microsoft.com/office/drawing/2010/main" val="0"/>
+              </a:ext>
+            </a:extLst>
+          </a:blip>
+          <a:srcRect/>
+          <a:stretch>
+            <a:fillRect/>
+          </a:stretch>
+        </p:blipFill>
+        <p:spPr bwMode="auto">
+          <a:xfrm>
+            <a:off x="308254" y="3736425"/>
+            <a:ext cx="3223222" cy="1917544"/>
+          </a:xfrm>
+          <a:prstGeom prst="rect">
+            <a:avLst/>
+          </a:prstGeom>
+          <a:noFill/>
+          <a:extLst>
+            <a:ext uri="{909E8E84-426E-40DD-AFC4-6F175D3DCCD1}">
+              <a14:hiddenFill xmlns:a14="http://schemas.microsoft.com/office/drawing/2010/main">
+                <a:solidFill>
+                  <a:srgbClr val="FFFFFF"/>
+                </a:solidFill>
+              </a14:hiddenFill>
+            </a:ext>
+          </a:extLst>
+        </p:spPr>
+      </p:pic>
+      <p:pic>
+        <p:nvPicPr>
+          <p:cNvPr id="5" name="Imagen 4">
+            <a:extLst>
+              <a:ext uri="{FF2B5EF4-FFF2-40B4-BE49-F238E27FC236}">
+                <a16:creationId xmlns:a16="http://schemas.microsoft.com/office/drawing/2014/main" id="{03FDE88A-2D1D-65E3-0F74-2397B6999592}"/>
+              </a:ext>
+            </a:extLst>
+          </p:cNvPr>
+          <p:cNvPicPr>
+            <a:picLocks noChangeAspect="1"/>
+          </p:cNvPicPr>
+          <p:nvPr/>
+        </p:nvPicPr>
+        <p:blipFill>
+          <a:blip r:embed="rId5"/>
+          <a:stretch>
+            <a:fillRect/>
+          </a:stretch>
+        </p:blipFill>
+        <p:spPr>
+          <a:xfrm>
+            <a:off x="4398579" y="3336147"/>
+            <a:ext cx="7678142" cy="3320147"/>
+          </a:xfrm>
+          <a:prstGeom prst="rect">
+            <a:avLst/>
+          </a:prstGeom>
+        </p:spPr>
+      </p:pic>
     </p:spTree>
     <p:extLst>
       <p:ext uri="{BB962C8B-B14F-4D97-AF65-F5344CB8AC3E}">
-        <p14:creationId xmlns:p14="http://schemas.microsoft.com/office/powerpoint/2010/main" val="3759148916"/>
+        <p14:creationId xmlns:p14="http://schemas.microsoft.com/office/powerpoint/2010/main" val="2672378847"/>
       </p:ext>
     </p:extLst>
   </p:cSld>

--- a/7_2_AnalisisD_programando_R.pptx
+++ b/7_2_AnalisisD_programando_R.pptx
@@ -29,6 +29,9 @@
     <p:sldId id="277" r:id="rId23"/>
     <p:sldId id="278" r:id="rId24"/>
     <p:sldId id="279" r:id="rId25"/>
+    <p:sldId id="280" r:id="rId26"/>
+    <p:sldId id="281" r:id="rId27"/>
+    <p:sldId id="282" r:id="rId28"/>
   </p:sldIdLst>
   <p:sldSz cx="12192000" cy="6858000"/>
   <p:notesSz cx="6858000" cy="9144000"/>
@@ -284,7 +287,7 @@
           <a:p>
             <a:fld id="{11C87720-0156-4D51-B23E-EE6DF36ABC98}" type="datetimeFigureOut">
               <a:rPr lang="es-MX" smtClean="0"/>
-              <a:t>13/02/2025</a:t>
+              <a:t>18/02/2025</a:t>
             </a:fld>
             <a:endParaRPr lang="es-MX"/>
           </a:p>
@@ -484,7 +487,7 @@
           <a:p>
             <a:fld id="{11C87720-0156-4D51-B23E-EE6DF36ABC98}" type="datetimeFigureOut">
               <a:rPr lang="es-MX" smtClean="0"/>
-              <a:t>13/02/2025</a:t>
+              <a:t>18/02/2025</a:t>
             </a:fld>
             <a:endParaRPr lang="es-MX"/>
           </a:p>
@@ -694,7 +697,7 @@
           <a:p>
             <a:fld id="{11C87720-0156-4D51-B23E-EE6DF36ABC98}" type="datetimeFigureOut">
               <a:rPr lang="es-MX" smtClean="0"/>
-              <a:t>13/02/2025</a:t>
+              <a:t>18/02/2025</a:t>
             </a:fld>
             <a:endParaRPr lang="es-MX"/>
           </a:p>
@@ -894,7 +897,7 @@
           <a:p>
             <a:fld id="{11C87720-0156-4D51-B23E-EE6DF36ABC98}" type="datetimeFigureOut">
               <a:rPr lang="es-MX" smtClean="0"/>
-              <a:t>13/02/2025</a:t>
+              <a:t>18/02/2025</a:t>
             </a:fld>
             <a:endParaRPr lang="es-MX"/>
           </a:p>
@@ -1170,7 +1173,7 @@
           <a:p>
             <a:fld id="{11C87720-0156-4D51-B23E-EE6DF36ABC98}" type="datetimeFigureOut">
               <a:rPr lang="es-MX" smtClean="0"/>
-              <a:t>13/02/2025</a:t>
+              <a:t>18/02/2025</a:t>
             </a:fld>
             <a:endParaRPr lang="es-MX"/>
           </a:p>
@@ -1438,7 +1441,7 @@
           <a:p>
             <a:fld id="{11C87720-0156-4D51-B23E-EE6DF36ABC98}" type="datetimeFigureOut">
               <a:rPr lang="es-MX" smtClean="0"/>
-              <a:t>13/02/2025</a:t>
+              <a:t>18/02/2025</a:t>
             </a:fld>
             <a:endParaRPr lang="es-MX"/>
           </a:p>
@@ -1853,7 +1856,7 @@
           <a:p>
             <a:fld id="{11C87720-0156-4D51-B23E-EE6DF36ABC98}" type="datetimeFigureOut">
               <a:rPr lang="es-MX" smtClean="0"/>
-              <a:t>13/02/2025</a:t>
+              <a:t>18/02/2025</a:t>
             </a:fld>
             <a:endParaRPr lang="es-MX"/>
           </a:p>
@@ -1995,7 +1998,7 @@
           <a:p>
             <a:fld id="{11C87720-0156-4D51-B23E-EE6DF36ABC98}" type="datetimeFigureOut">
               <a:rPr lang="es-MX" smtClean="0"/>
-              <a:t>13/02/2025</a:t>
+              <a:t>18/02/2025</a:t>
             </a:fld>
             <a:endParaRPr lang="es-MX"/>
           </a:p>
@@ -2108,7 +2111,7 @@
           <a:p>
             <a:fld id="{11C87720-0156-4D51-B23E-EE6DF36ABC98}" type="datetimeFigureOut">
               <a:rPr lang="es-MX" smtClean="0"/>
-              <a:t>13/02/2025</a:t>
+              <a:t>18/02/2025</a:t>
             </a:fld>
             <a:endParaRPr lang="es-MX"/>
           </a:p>
@@ -2421,7 +2424,7 @@
           <a:p>
             <a:fld id="{11C87720-0156-4D51-B23E-EE6DF36ABC98}" type="datetimeFigureOut">
               <a:rPr lang="es-MX" smtClean="0"/>
-              <a:t>13/02/2025</a:t>
+              <a:t>18/02/2025</a:t>
             </a:fld>
             <a:endParaRPr lang="es-MX"/>
           </a:p>
@@ -2710,7 +2713,7 @@
           <a:p>
             <a:fld id="{11C87720-0156-4D51-B23E-EE6DF36ABC98}" type="datetimeFigureOut">
               <a:rPr lang="es-MX" smtClean="0"/>
-              <a:t>13/02/2025</a:t>
+              <a:t>18/02/2025</a:t>
             </a:fld>
             <a:endParaRPr lang="es-MX"/>
           </a:p>
@@ -2953,7 +2956,7 @@
           <a:p>
             <a:fld id="{11C87720-0156-4D51-B23E-EE6DF36ABC98}" type="datetimeFigureOut">
               <a:rPr lang="es-MX" smtClean="0"/>
-              <a:t>13/02/2025</a:t>
+              <a:t>18/02/2025</a:t>
             </a:fld>
             <a:endParaRPr lang="es-MX"/>
           </a:p>
@@ -8653,6 +8656,574 @@
     <p:extLst>
       <p:ext uri="{BB962C8B-B14F-4D97-AF65-F5344CB8AC3E}">
         <p14:creationId xmlns:p14="http://schemas.microsoft.com/office/powerpoint/2010/main" val="2672378847"/>
+      </p:ext>
+    </p:extLst>
+  </p:cSld>
+  <p:clrMapOvr>
+    <a:masterClrMapping/>
+  </p:clrMapOvr>
+</p:sld>
+</file>
+
+<file path=ppt/slides/slide25.xml><?xml version="1.0" encoding="utf-8"?>
+<p:sld xmlns:a="http://schemas.openxmlformats.org/drawingml/2006/main" xmlns:r="http://schemas.openxmlformats.org/officeDocument/2006/relationships" xmlns:p="http://schemas.openxmlformats.org/presentationml/2006/main">
+  <p:cSld>
+    <p:spTree>
+      <p:nvGrpSpPr>
+        <p:cNvPr id="1" name=""/>
+        <p:cNvGrpSpPr/>
+        <p:nvPr/>
+      </p:nvGrpSpPr>
+      <p:grpSpPr>
+        <a:xfrm>
+          <a:off x="0" y="0"/>
+          <a:ext cx="0" cy="0"/>
+          <a:chOff x="0" y="0"/>
+          <a:chExt cx="0" cy="0"/>
+        </a:xfrm>
+      </p:grpSpPr>
+      <p:pic>
+        <p:nvPicPr>
+          <p:cNvPr id="5" name="Imagen 4">
+            <a:extLst>
+              <a:ext uri="{FF2B5EF4-FFF2-40B4-BE49-F238E27FC236}">
+                <a16:creationId xmlns:a16="http://schemas.microsoft.com/office/drawing/2014/main" id="{07D0B61C-5EEC-6D63-3356-687B6F6DBDA4}"/>
+              </a:ext>
+            </a:extLst>
+          </p:cNvPr>
+          <p:cNvPicPr>
+            <a:picLocks noChangeAspect="1"/>
+          </p:cNvPicPr>
+          <p:nvPr/>
+        </p:nvPicPr>
+        <p:blipFill>
+          <a:blip r:embed="rId2"/>
+          <a:stretch>
+            <a:fillRect/>
+          </a:stretch>
+        </p:blipFill>
+        <p:spPr>
+          <a:xfrm>
+            <a:off x="372926" y="420680"/>
+            <a:ext cx="2972600" cy="1671720"/>
+          </a:xfrm>
+          <a:prstGeom prst="rect">
+            <a:avLst/>
+          </a:prstGeom>
+        </p:spPr>
+      </p:pic>
+      <p:sp>
+        <p:nvSpPr>
+          <p:cNvPr id="6" name="CuadroTexto 5">
+            <a:extLst>
+              <a:ext uri="{FF2B5EF4-FFF2-40B4-BE49-F238E27FC236}">
+                <a16:creationId xmlns:a16="http://schemas.microsoft.com/office/drawing/2014/main" id="{B124A2B6-D71A-0AE2-75A6-FD8697217E16}"/>
+              </a:ext>
+            </a:extLst>
+          </p:cNvPr>
+          <p:cNvSpPr txBox="1"/>
+          <p:nvPr/>
+        </p:nvSpPr>
+        <p:spPr>
+          <a:xfrm>
+            <a:off x="3453735" y="559419"/>
+            <a:ext cx="5983941" cy="2246769"/>
+          </a:xfrm>
+          <a:prstGeom prst="rect">
+            <a:avLst/>
+          </a:prstGeom>
+          <a:noFill/>
+        </p:spPr>
+        <p:txBody>
+          <a:bodyPr wrap="square" rtlCol="0">
+            <a:spAutoFit/>
+          </a:bodyPr>
+          <a:lstStyle/>
+          <a:p>
+            <a:pPr algn="just"/>
+            <a:r>
+              <a:rPr lang="es-MX" sz="2000" dirty="0"/>
+              <a:t>Se usan para dividir los gráficos en múltiples paneles según una o más variables categóricas. Sin embargo, tienen diferencias clave en la forma en que organizan los paneles:</a:t>
+            </a:r>
+          </a:p>
+          <a:p>
+            <a:pPr algn="just"/>
+            <a:endParaRPr lang="es-MX" sz="2000" dirty="0"/>
+          </a:p>
+          <a:p>
+            <a:pPr algn="just"/>
+            <a:r>
+              <a:rPr lang="es-MX" sz="2000" b="0" i="0" dirty="0">
+                <a:solidFill>
+                  <a:srgbClr val="0F1114"/>
+                </a:solidFill>
+                <a:effectLst/>
+                <a:latin typeface="Source Sans Pro" panose="020B0503030403020204" pitchFamily="34" charset="0"/>
+              </a:rPr>
+              <a:t>Las funciones de facetas te permiten mostrar grupos más pequeños, o subconjuntos, de datos.</a:t>
+            </a:r>
+            <a:endParaRPr lang="es-MX" sz="2000" dirty="0"/>
+          </a:p>
+        </p:txBody>
+      </p:sp>
+      <p:pic>
+        <p:nvPicPr>
+          <p:cNvPr id="8" name="Imagen 7">
+            <a:extLst>
+              <a:ext uri="{FF2B5EF4-FFF2-40B4-BE49-F238E27FC236}">
+                <a16:creationId xmlns:a16="http://schemas.microsoft.com/office/drawing/2014/main" id="{E598B22D-156B-8CDF-3318-25C799BF2351}"/>
+              </a:ext>
+            </a:extLst>
+          </p:cNvPr>
+          <p:cNvPicPr>
+            <a:picLocks noChangeAspect="1"/>
+          </p:cNvPicPr>
+          <p:nvPr/>
+        </p:nvPicPr>
+        <p:blipFill>
+          <a:blip r:embed="rId3"/>
+          <a:stretch>
+            <a:fillRect/>
+          </a:stretch>
+        </p:blipFill>
+        <p:spPr>
+          <a:xfrm>
+            <a:off x="261509" y="3264501"/>
+            <a:ext cx="11668982" cy="2746555"/>
+          </a:xfrm>
+          <a:prstGeom prst="rect">
+            <a:avLst/>
+          </a:prstGeom>
+        </p:spPr>
+      </p:pic>
+      <p:pic>
+        <p:nvPicPr>
+          <p:cNvPr id="10" name="Imagen 9">
+            <a:extLst>
+              <a:ext uri="{FF2B5EF4-FFF2-40B4-BE49-F238E27FC236}">
+                <a16:creationId xmlns:a16="http://schemas.microsoft.com/office/drawing/2014/main" id="{B4EB20A8-ACE9-53BB-4AF9-80826B5A7BC3}"/>
+              </a:ext>
+            </a:extLst>
+          </p:cNvPr>
+          <p:cNvPicPr>
+            <a:picLocks noChangeAspect="1"/>
+          </p:cNvPicPr>
+          <p:nvPr/>
+        </p:nvPicPr>
+        <p:blipFill>
+          <a:blip r:embed="rId4"/>
+          <a:stretch>
+            <a:fillRect/>
+          </a:stretch>
+        </p:blipFill>
+        <p:spPr>
+          <a:xfrm flipH="1">
+            <a:off x="9529982" y="846943"/>
+            <a:ext cx="2662018" cy="1959245"/>
+          </a:xfrm>
+          <a:prstGeom prst="rect">
+            <a:avLst/>
+          </a:prstGeom>
+        </p:spPr>
+      </p:pic>
+    </p:spTree>
+    <p:extLst>
+      <p:ext uri="{BB962C8B-B14F-4D97-AF65-F5344CB8AC3E}">
+        <p14:creationId xmlns:p14="http://schemas.microsoft.com/office/powerpoint/2010/main" val="990716443"/>
+      </p:ext>
+    </p:extLst>
+  </p:cSld>
+  <p:clrMapOvr>
+    <a:masterClrMapping/>
+  </p:clrMapOvr>
+</p:sld>
+</file>
+
+<file path=ppt/slides/slide26.xml><?xml version="1.0" encoding="utf-8"?>
+<p:sld xmlns:a="http://schemas.openxmlformats.org/drawingml/2006/main" xmlns:r="http://schemas.openxmlformats.org/officeDocument/2006/relationships" xmlns:p="http://schemas.openxmlformats.org/presentationml/2006/main">
+  <p:cSld>
+    <p:spTree>
+      <p:nvGrpSpPr>
+        <p:cNvPr id="1" name=""/>
+        <p:cNvGrpSpPr/>
+        <p:nvPr/>
+      </p:nvGrpSpPr>
+      <p:grpSpPr>
+        <a:xfrm>
+          <a:off x="0" y="0"/>
+          <a:ext cx="0" cy="0"/>
+          <a:chOff x="0" y="0"/>
+          <a:chExt cx="0" cy="0"/>
+        </a:xfrm>
+      </p:grpSpPr>
+      <p:sp>
+        <p:nvSpPr>
+          <p:cNvPr id="3" name="Marcador de contenido 2">
+            <a:extLst>
+              <a:ext uri="{FF2B5EF4-FFF2-40B4-BE49-F238E27FC236}">
+                <a16:creationId xmlns:a16="http://schemas.microsoft.com/office/drawing/2014/main" id="{E09614B0-7FD1-AA44-6DB8-2F0CF741CC23}"/>
+              </a:ext>
+            </a:extLst>
+          </p:cNvPr>
+          <p:cNvSpPr>
+            <a:spLocks noGrp="1"/>
+          </p:cNvSpPr>
+          <p:nvPr>
+            <p:ph idx="1"/>
+          </p:nvPr>
+        </p:nvSpPr>
+        <p:spPr>
+          <a:xfrm>
+            <a:off x="649941" y="575049"/>
+            <a:ext cx="10515600" cy="3167996"/>
+          </a:xfrm>
+        </p:spPr>
+        <p:txBody>
+          <a:bodyPr>
+            <a:normAutofit lnSpcReduction="10000"/>
+          </a:bodyPr>
+          <a:lstStyle/>
+          <a:p>
+            <a:pPr marL="0" indent="0">
+              <a:buNone/>
+            </a:pPr>
+            <a:r>
+              <a:rPr lang="es-MX" dirty="0">
+                <a:solidFill>
+                  <a:srgbClr val="1F1F1F"/>
+                </a:solidFill>
+                <a:latin typeface="Source Sans Pro" panose="020B0503030403020204" pitchFamily="34" charset="0"/>
+              </a:rPr>
+              <a:t>L</a:t>
+            </a:r>
+            <a:r>
+              <a:rPr lang="es-MX" b="0" i="0" dirty="0">
+                <a:solidFill>
+                  <a:srgbClr val="1F1F1F"/>
+                </a:solidFill>
+                <a:effectLst/>
+                <a:latin typeface="Source Sans Pro" panose="020B0503030403020204" pitchFamily="34" charset="0"/>
+              </a:rPr>
+              <a:t>a función de filtrado de </a:t>
+            </a:r>
+            <a:r>
+              <a:rPr lang="es-MX" b="1" i="0" dirty="0" err="1">
+                <a:solidFill>
+                  <a:srgbClr val="1F1F1F"/>
+                </a:solidFill>
+                <a:effectLst/>
+                <a:latin typeface="unset"/>
+              </a:rPr>
+              <a:t>dplyr</a:t>
+            </a:r>
+            <a:r>
+              <a:rPr lang="es-MX" b="1" i="0" dirty="0">
+                <a:solidFill>
+                  <a:srgbClr val="1F1F1F"/>
+                </a:solidFill>
+                <a:effectLst/>
+                <a:latin typeface="unset"/>
+              </a:rPr>
+              <a:t> </a:t>
+            </a:r>
+            <a:r>
+              <a:rPr lang="es-MX" b="0" i="0" dirty="0">
+                <a:solidFill>
+                  <a:srgbClr val="1F1F1F"/>
+                </a:solidFill>
+                <a:effectLst/>
+                <a:latin typeface="Source Sans Pro" panose="020B0503030403020204" pitchFamily="34" charset="0"/>
+              </a:rPr>
+              <a:t>para hacer que los diagramas que crees con </a:t>
+            </a:r>
+            <a:r>
+              <a:rPr lang="es-MX" b="1" i="0" dirty="0">
+                <a:solidFill>
+                  <a:srgbClr val="1F1F1F"/>
+                </a:solidFill>
+                <a:effectLst/>
+                <a:latin typeface="unset"/>
+              </a:rPr>
+              <a:t>ggplot2 </a:t>
+            </a:r>
+            <a:r>
+              <a:rPr lang="es-MX" b="0" i="0" dirty="0">
+                <a:solidFill>
+                  <a:srgbClr val="1F1F1F"/>
+                </a:solidFill>
+                <a:effectLst/>
+                <a:latin typeface="Source Sans Pro" panose="020B0503030403020204" pitchFamily="34" charset="0"/>
+              </a:rPr>
+              <a:t>sean más fáciles de leer. </a:t>
+            </a:r>
+          </a:p>
+          <a:p>
+            <a:pPr marL="0" indent="0">
+              <a:buNone/>
+            </a:pPr>
+            <a:r>
+              <a:rPr lang="es-MX" b="0" i="0" dirty="0">
+                <a:solidFill>
+                  <a:srgbClr val="1F1F1F"/>
+                </a:solidFill>
+                <a:effectLst/>
+                <a:latin typeface="Source Sans Pro" panose="020B0503030403020204" pitchFamily="34" charset="0"/>
+              </a:rPr>
+              <a:t>Filtrar tus datos antes del trazado te permite enfocarte en subconjuntos específicos de tus datos y sacar conclusiones más dirigidas. Para hacerlo, usa la función </a:t>
+            </a:r>
+            <a:r>
+              <a:rPr lang="es-MX" b="0" i="0" dirty="0" err="1">
+                <a:solidFill>
+                  <a:srgbClr val="1F1F1F"/>
+                </a:solidFill>
+                <a:effectLst/>
+                <a:latin typeface="Source Sans Pro" panose="020B0503030403020204" pitchFamily="34" charset="0"/>
+              </a:rPr>
+              <a:t>dplyr</a:t>
+            </a:r>
+            <a:r>
+              <a:rPr lang="es-MX" b="0" i="0" dirty="0">
+                <a:solidFill>
+                  <a:srgbClr val="1F1F1F"/>
+                </a:solidFill>
+                <a:effectLst/>
+                <a:latin typeface="Source Sans Pro" panose="020B0503030403020204" pitchFamily="34" charset="0"/>
+              </a:rPr>
+              <a:t> </a:t>
+            </a:r>
+            <a:r>
+              <a:rPr lang="es-MX" b="0" i="0" dirty="0" err="1">
+                <a:solidFill>
+                  <a:srgbClr val="1F1F1F"/>
+                </a:solidFill>
+                <a:effectLst/>
+                <a:latin typeface="Source Sans Pro" panose="020B0503030403020204" pitchFamily="34" charset="0"/>
+              </a:rPr>
+              <a:t>filter</a:t>
+            </a:r>
+            <a:r>
+              <a:rPr lang="es-MX" b="0" i="0" dirty="0">
+                <a:solidFill>
+                  <a:srgbClr val="1F1F1F"/>
+                </a:solidFill>
+                <a:effectLst/>
+                <a:latin typeface="Source Sans Pro" panose="020B0503030403020204" pitchFamily="34" charset="0"/>
+              </a:rPr>
+              <a:t>() en tu sintaxis de </a:t>
+            </a:r>
+            <a:r>
+              <a:rPr lang="es-MX" b="0" i="0" dirty="0" err="1">
+                <a:solidFill>
+                  <a:srgbClr val="1F1F1F"/>
+                </a:solidFill>
+                <a:effectLst/>
+                <a:latin typeface="Source Sans Pro" panose="020B0503030403020204" pitchFamily="34" charset="0"/>
+              </a:rPr>
+              <a:t>ggplot</a:t>
+            </a:r>
+            <a:r>
+              <a:rPr lang="es-MX" b="0" i="0" dirty="0">
+                <a:solidFill>
+                  <a:srgbClr val="1F1F1F"/>
+                </a:solidFill>
+                <a:effectLst/>
+                <a:latin typeface="Source Sans Pro" panose="020B0503030403020204" pitchFamily="34" charset="0"/>
+              </a:rPr>
+              <a:t>. </a:t>
+            </a:r>
+            <a:r>
+              <a:rPr lang="es-MX" sz="2400" i="0" u="sng" dirty="0">
+                <a:solidFill>
+                  <a:srgbClr val="1F1F1F"/>
+                </a:solidFill>
+                <a:effectLst/>
+                <a:latin typeface="unset"/>
+                <a:hlinkClick r:id="rId2"/>
+              </a:rPr>
+              <a:t>Reunir todos los elementos: (</a:t>
+            </a:r>
+            <a:r>
+              <a:rPr lang="es-MX" sz="2400" i="0" u="sng" dirty="0" err="1">
+                <a:solidFill>
+                  <a:srgbClr val="1F1F1F"/>
+                </a:solidFill>
+                <a:effectLst/>
+                <a:latin typeface="unset"/>
+                <a:hlinkClick r:id="rId2"/>
+              </a:rPr>
+              <a:t>dplyr+ggplot</a:t>
+            </a:r>
+            <a:r>
+              <a:rPr lang="es-MX" sz="2400" i="0" u="sng" dirty="0">
+                <a:solidFill>
+                  <a:srgbClr val="1F1F1F"/>
+                </a:solidFill>
+                <a:effectLst/>
+                <a:latin typeface="unset"/>
+                <a:hlinkClick r:id="rId2"/>
+              </a:rPr>
+              <a:t>)</a:t>
+            </a:r>
+            <a:r>
+              <a:rPr lang="es-MX" sz="2400" i="0" u="sng" dirty="0">
+                <a:solidFill>
+                  <a:srgbClr val="1F1F1F"/>
+                </a:solidFill>
+                <a:effectLst/>
+                <a:latin typeface="unset"/>
+              </a:rPr>
+              <a:t> , </a:t>
+            </a:r>
+            <a:r>
+              <a:rPr lang="es-MX" sz="2400" i="0" u="sng" dirty="0">
+                <a:effectLst/>
+                <a:latin typeface="unset"/>
+                <a:hlinkClick r:id="rId3"/>
+              </a:rPr>
+              <a:t>Transformación de datos</a:t>
+            </a:r>
+            <a:r>
+              <a:rPr lang="es-MX" sz="2400" i="0" u="sng" dirty="0">
+                <a:effectLst/>
+                <a:latin typeface="unset"/>
+              </a:rPr>
+              <a:t>, </a:t>
+            </a:r>
+            <a:r>
+              <a:rPr lang="es-MX" sz="2400" i="0" u="sng" dirty="0">
+                <a:effectLst/>
+                <a:latin typeface="unset"/>
+                <a:hlinkClick r:id="rId4"/>
+              </a:rPr>
+              <a:t>Visualización de datos con ggplot2</a:t>
+            </a:r>
+            <a:br>
+              <a:rPr lang="es-MX" b="0" i="0" dirty="0">
+                <a:solidFill>
+                  <a:srgbClr val="1F1F1F"/>
+                </a:solidFill>
+                <a:effectLst/>
+                <a:latin typeface="Source Sans Pro" panose="020B0503030403020204" pitchFamily="34" charset="0"/>
+              </a:rPr>
+            </a:br>
+            <a:endParaRPr lang="es-MX" dirty="0"/>
+          </a:p>
+        </p:txBody>
+      </p:sp>
+      <p:pic>
+        <p:nvPicPr>
+          <p:cNvPr id="5" name="Imagen 4">
+            <a:extLst>
+              <a:ext uri="{FF2B5EF4-FFF2-40B4-BE49-F238E27FC236}">
+                <a16:creationId xmlns:a16="http://schemas.microsoft.com/office/drawing/2014/main" id="{A42C4950-E740-46B3-780E-DB99E8108130}"/>
+              </a:ext>
+            </a:extLst>
+          </p:cNvPr>
+          <p:cNvPicPr>
+            <a:picLocks noChangeAspect="1"/>
+          </p:cNvPicPr>
+          <p:nvPr/>
+        </p:nvPicPr>
+        <p:blipFill>
+          <a:blip r:embed="rId5"/>
+          <a:stretch>
+            <a:fillRect/>
+          </a:stretch>
+        </p:blipFill>
+        <p:spPr>
+          <a:xfrm>
+            <a:off x="448235" y="3743045"/>
+            <a:ext cx="11295529" cy="1882588"/>
+          </a:xfrm>
+          <a:prstGeom prst="rect">
+            <a:avLst/>
+          </a:prstGeom>
+        </p:spPr>
+      </p:pic>
+    </p:spTree>
+    <p:extLst>
+      <p:ext uri="{BB962C8B-B14F-4D97-AF65-F5344CB8AC3E}">
+        <p14:creationId xmlns:p14="http://schemas.microsoft.com/office/powerpoint/2010/main" val="637329079"/>
+      </p:ext>
+    </p:extLst>
+  </p:cSld>
+  <p:clrMapOvr>
+    <a:masterClrMapping/>
+  </p:clrMapOvr>
+</p:sld>
+</file>
+
+<file path=ppt/slides/slide27.xml><?xml version="1.0" encoding="utf-8"?>
+<p:sld xmlns:a="http://schemas.openxmlformats.org/drawingml/2006/main" xmlns:r="http://schemas.openxmlformats.org/officeDocument/2006/relationships" xmlns:p="http://schemas.openxmlformats.org/presentationml/2006/main">
+  <p:cSld>
+    <p:spTree>
+      <p:nvGrpSpPr>
+        <p:cNvPr id="1" name=""/>
+        <p:cNvGrpSpPr/>
+        <p:nvPr/>
+      </p:nvGrpSpPr>
+      <p:grpSpPr>
+        <a:xfrm>
+          <a:off x="0" y="0"/>
+          <a:ext cx="0" cy="0"/>
+          <a:chOff x="0" y="0"/>
+          <a:chExt cx="0" cy="0"/>
+        </a:xfrm>
+      </p:grpSpPr>
+      <p:sp>
+        <p:nvSpPr>
+          <p:cNvPr id="2" name="Título 1">
+            <a:extLst>
+              <a:ext uri="{FF2B5EF4-FFF2-40B4-BE49-F238E27FC236}">
+                <a16:creationId xmlns:a16="http://schemas.microsoft.com/office/drawing/2014/main" id="{8484CFE9-CC8E-A60C-6FF7-29859A575A39}"/>
+              </a:ext>
+            </a:extLst>
+          </p:cNvPr>
+          <p:cNvSpPr>
+            <a:spLocks noGrp="1"/>
+          </p:cNvSpPr>
+          <p:nvPr>
+            <p:ph type="title"/>
+          </p:nvPr>
+        </p:nvSpPr>
+        <p:spPr/>
+        <p:txBody>
+          <a:bodyPr/>
+          <a:lstStyle/>
+          <a:p>
+            <a:endParaRPr lang="es-MX"/>
+          </a:p>
+        </p:txBody>
+      </p:sp>
+      <p:sp>
+        <p:nvSpPr>
+          <p:cNvPr id="3" name="Marcador de contenido 2">
+            <a:extLst>
+              <a:ext uri="{FF2B5EF4-FFF2-40B4-BE49-F238E27FC236}">
+                <a16:creationId xmlns:a16="http://schemas.microsoft.com/office/drawing/2014/main" id="{6895A6D5-27D1-474D-BB01-A095CCB55DFC}"/>
+              </a:ext>
+            </a:extLst>
+          </p:cNvPr>
+          <p:cNvSpPr>
+            <a:spLocks noGrp="1"/>
+          </p:cNvSpPr>
+          <p:nvPr>
+            <p:ph idx="1"/>
+          </p:nvPr>
+        </p:nvSpPr>
+        <p:spPr/>
+        <p:txBody>
+          <a:bodyPr/>
+          <a:lstStyle/>
+          <a:p>
+            <a:endParaRPr lang="es-MX"/>
+          </a:p>
+        </p:txBody>
+      </p:sp>
+    </p:spTree>
+    <p:extLst>
+      <p:ext uri="{BB962C8B-B14F-4D97-AF65-F5344CB8AC3E}">
+        <p14:creationId xmlns:p14="http://schemas.microsoft.com/office/powerpoint/2010/main" val="41369124"/>
       </p:ext>
     </p:extLst>
   </p:cSld>
